--- a/CU_Introduction(Lect-1,2) (1).pptx
+++ b/CU_Introduction(Lect-1,2) (1).pptx
@@ -153,7 +153,18 @@
   </p:defaultTextStyle>
   <p:extLst>
     <p:ext uri="{EFAFB233-063F-42B5-8137-9DF3F51BA10A}">
-      <p15:sldGuideLst xmlns="" xmlns:p15="http://schemas.microsoft.com/office/powerpoint/2012/main"/>
+      <p15:sldGuideLst xmlns:p15="http://schemas.microsoft.com/office/powerpoint/2012/main">
+        <p15:guide id="1" orient="horz" pos="2160">
+          <p15:clr>
+            <a:srgbClr val="A4A3A4"/>
+          </p15:clr>
+        </p15:guide>
+        <p15:guide id="2" pos="3840">
+          <p15:clr>
+            <a:srgbClr val="A4A3A4"/>
+          </p15:clr>
+        </p15:guide>
+      </p15:sldGuideLst>
     </p:ext>
   </p:extLst>
 </p:presentation>
@@ -241,7 +252,7 @@
           <a:p>
             <a:fld id="{77D3F0C9-BCB3-433F-90B8-C2333D459405}" type="datetimeFigureOut">
               <a:rPr lang="en-IN" smtClean="0"/>
-              <a:t>09-03-2022</a:t>
+              <a:t>19-05-2022</a:t>
             </a:fld>
             <a:endParaRPr lang="en-IN"/>
           </a:p>
@@ -839,10 +850,9 @@
           </a:lstStyle>
           <a:p>
             <a:r>
-              <a:rPr lang="en-US" smtClean="0"/>
+              <a:rPr lang="en-US"/>
               <a:t>OOPs using C++ (CS-102)</a:t>
             </a:r>
-            <a:endParaRPr lang="en-US"/>
           </a:p>
         </p:txBody>
       </p:sp>
@@ -869,10 +879,9 @@
               <a:defRPr/>
             </a:pPr>
             <a:r>
-              <a:rPr lang="en-US" smtClean="0"/>
+              <a:rPr lang="en-US"/>
               <a:t>Prabhjot Kaur- G4 &amp; G8</a:t>
             </a:r>
-            <a:endParaRPr lang="en-US"/>
           </a:p>
         </p:txBody>
       </p:sp>
@@ -1262,10 +1271,9 @@
           </a:lstStyle>
           <a:p>
             <a:r>
-              <a:rPr lang="en-US" smtClean="0"/>
+              <a:rPr lang="en-US"/>
               <a:t>OOPs using C++ (CS-102)</a:t>
             </a:r>
-            <a:endParaRPr lang="en-US"/>
           </a:p>
         </p:txBody>
       </p:sp>
@@ -1292,10 +1300,9 @@
               <a:defRPr/>
             </a:pPr>
             <a:r>
-              <a:rPr lang="en-US" smtClean="0"/>
+              <a:rPr lang="en-US"/>
               <a:t>Prabhjot Kaur- G4 &amp; G8</a:t>
             </a:r>
-            <a:endParaRPr lang="en-US"/>
           </a:p>
         </p:txBody>
       </p:sp>
@@ -1512,7 +1519,7 @@
           </a:lstStyle>
           <a:p>
             <a:r>
-              <a:rPr lang="en-US" smtClean="0"/>
+              <a:rPr lang="en-US"/>
               <a:t>OOPs using C++ (CS-102)</a:t>
             </a:r>
             <a:endParaRPr lang="en-US" dirty="0"/>
@@ -1561,7 +1568,7 @@
               <a:defRPr/>
             </a:pPr>
             <a:r>
-              <a:rPr lang="en-US" smtClean="0"/>
+              <a:rPr lang="en-US"/>
               <a:t>Prabhjot Kaur- G4 &amp; G8</a:t>
             </a:r>
             <a:endParaRPr lang="en-US" dirty="0"/>
@@ -2518,7 +2525,7 @@
               </a:spcAft>
             </a:pPr>
             <a:r>
-              <a:rPr lang="en-US" sz="2400" b="1" dirty="0" smtClean="0">
+              <a:rPr lang="en-US" sz="2400" b="1" dirty="0">
                 <a:solidFill>
                   <a:prstClr val="black"/>
                 </a:solidFill>
@@ -2528,14 +2535,6 @@
               </a:rPr>
               <a:t>Prabhjot Kaur</a:t>
             </a:r>
-            <a:endParaRPr lang="en-US" sz="2400" b="1" dirty="0">
-              <a:solidFill>
-                <a:prstClr val="black"/>
-              </a:solidFill>
-              <a:latin typeface="Times New Roman" pitchFamily="18" charset="0"/>
-              <a:ea typeface="MS PGothic" pitchFamily="34" charset="-128"/>
-              <a:cs typeface="Times New Roman" pitchFamily="18" charset="0"/>
-            </a:endParaRPr>
           </a:p>
         </p:txBody>
       </p:sp>
@@ -2628,7 +2627,7 @@
               </a:spcAft>
             </a:pPr>
             <a:r>
-              <a:rPr lang="en-US" b="0" smtClean="0">
+              <a:rPr lang="en-US" b="0">
                 <a:ea typeface="MS PGothic" pitchFamily="34" charset="-128"/>
               </a:rPr>
               <a:t>OOPs using C++ (CS-102)</a:t>
@@ -2664,7 +2663,7 @@
               <a:defRPr/>
             </a:pPr>
             <a:r>
-              <a:rPr lang="en-US" smtClean="0"/>
+              <a:rPr lang="en-US"/>
               <a:t>Prabhjot Kaur- G4 &amp; G8</a:t>
             </a:r>
             <a:endParaRPr lang="en-US" dirty="0"/>
@@ -2785,7 +2784,7 @@
           <p:cNvPr id="2" name="Date Placeholder 1">
             <a:extLst>
               <a:ext uri="{FF2B5EF4-FFF2-40B4-BE49-F238E27FC236}">
-                <a16:creationId xmlns="" xmlns:a16="http://schemas.microsoft.com/office/drawing/2014/main" id="{0E809E54-6084-406E-9141-4007DAE05966}"/>
+                <a16:creationId xmlns:a16="http://schemas.microsoft.com/office/drawing/2014/main" id="{0E809E54-6084-406E-9141-4007DAE05966}"/>
               </a:ext>
             </a:extLst>
           </p:cNvPr>
@@ -2810,7 +2809,7 @@
               </a:spcAft>
             </a:pPr>
             <a:r>
-              <a:rPr lang="en-US" b="0" smtClean="0">
+              <a:rPr lang="en-US" b="0">
                 <a:ea typeface="MS PGothic" pitchFamily="34" charset="-128"/>
               </a:rPr>
               <a:t>OOPs using C++ (CS-102)</a:t>
@@ -2826,7 +2825,7 @@
           <p:cNvPr id="3" name="Footer Placeholder 2">
             <a:extLst>
               <a:ext uri="{FF2B5EF4-FFF2-40B4-BE49-F238E27FC236}">
-                <a16:creationId xmlns="" xmlns:a16="http://schemas.microsoft.com/office/drawing/2014/main" id="{8F42B4DF-320F-4F04-92A1-9A33FEA639BE}"/>
+                <a16:creationId xmlns:a16="http://schemas.microsoft.com/office/drawing/2014/main" id="{8F42B4DF-320F-4F04-92A1-9A33FEA639BE}"/>
               </a:ext>
             </a:extLst>
           </p:cNvPr>
@@ -2852,7 +2851,7 @@
               <a:defRPr/>
             </a:pPr>
             <a:r>
-              <a:rPr lang="en-US" smtClean="0"/>
+              <a:rPr lang="en-US"/>
               <a:t>Prabhjot Kaur- G4 &amp; G8</a:t>
             </a:r>
             <a:endParaRPr lang="en-US" dirty="0"/>
@@ -3027,7 +3026,7 @@
           <p:cNvPr id="4" name="Table 4">
             <a:extLst>
               <a:ext uri="{FF2B5EF4-FFF2-40B4-BE49-F238E27FC236}">
-                <a16:creationId xmlns="" xmlns:a16="http://schemas.microsoft.com/office/drawing/2014/main" id="{E0F2BAE4-B7BC-4AEB-A85C-D38F940FB2AE}"/>
+                <a16:creationId xmlns:a16="http://schemas.microsoft.com/office/drawing/2014/main" id="{E0F2BAE4-B7BC-4AEB-A85C-D38F940FB2AE}"/>
               </a:ext>
             </a:extLst>
           </p:cNvPr>
@@ -3050,7 +3049,7 @@
                 <a:gridCol w="6096000">
                   <a:extLst>
                     <a:ext uri="{9D8B030D-6E8A-4147-A177-3AD203B41FA5}">
-                      <a16:colId xmlns="" xmlns:a16="http://schemas.microsoft.com/office/drawing/2014/main" val="2829025247"/>
+                      <a16:colId xmlns:a16="http://schemas.microsoft.com/office/drawing/2014/main" val="2829025247"/>
                     </a:ext>
                   </a:extLst>
                 </a:gridCol>
@@ -3071,7 +3070,7 @@
                 </a:tc>
                 <a:extLst>
                   <a:ext uri="{0D108BD9-81ED-4DB2-BD59-A6C34878D82A}">
-                    <a16:rowId xmlns="" xmlns:a16="http://schemas.microsoft.com/office/drawing/2014/main" val="410393218"/>
+                    <a16:rowId xmlns:a16="http://schemas.microsoft.com/office/drawing/2014/main" val="410393218"/>
                   </a:ext>
                 </a:extLst>
               </a:tr>
@@ -3091,7 +3090,7 @@
                 </a:tc>
                 <a:extLst>
                   <a:ext uri="{0D108BD9-81ED-4DB2-BD59-A6C34878D82A}">
-                    <a16:rowId xmlns="" xmlns:a16="http://schemas.microsoft.com/office/drawing/2014/main" val="1163565556"/>
+                    <a16:rowId xmlns:a16="http://schemas.microsoft.com/office/drawing/2014/main" val="1163565556"/>
                   </a:ext>
                 </a:extLst>
               </a:tr>
@@ -3111,7 +3110,7 @@
                 </a:tc>
                 <a:extLst>
                   <a:ext uri="{0D108BD9-81ED-4DB2-BD59-A6C34878D82A}">
-                    <a16:rowId xmlns="" xmlns:a16="http://schemas.microsoft.com/office/drawing/2014/main" val="1062870013"/>
+                    <a16:rowId xmlns:a16="http://schemas.microsoft.com/office/drawing/2014/main" val="1062870013"/>
                   </a:ext>
                 </a:extLst>
               </a:tr>
@@ -3131,7 +3130,7 @@
                 </a:tc>
                 <a:extLst>
                   <a:ext uri="{0D108BD9-81ED-4DB2-BD59-A6C34878D82A}">
-                    <a16:rowId xmlns="" xmlns:a16="http://schemas.microsoft.com/office/drawing/2014/main" val="3634523133"/>
+                    <a16:rowId xmlns:a16="http://schemas.microsoft.com/office/drawing/2014/main" val="3634523133"/>
                   </a:ext>
                 </a:extLst>
               </a:tr>
@@ -3151,7 +3150,7 @@
                 </a:tc>
                 <a:extLst>
                   <a:ext uri="{0D108BD9-81ED-4DB2-BD59-A6C34878D82A}">
-                    <a16:rowId xmlns="" xmlns:a16="http://schemas.microsoft.com/office/drawing/2014/main" val="385031011"/>
+                    <a16:rowId xmlns:a16="http://schemas.microsoft.com/office/drawing/2014/main" val="385031011"/>
                   </a:ext>
                 </a:extLst>
               </a:tr>
@@ -3171,7 +3170,7 @@
                 </a:tc>
                 <a:extLst>
                   <a:ext uri="{0D108BD9-81ED-4DB2-BD59-A6C34878D82A}">
-                    <a16:rowId xmlns="" xmlns:a16="http://schemas.microsoft.com/office/drawing/2014/main" val="4256179315"/>
+                    <a16:rowId xmlns:a16="http://schemas.microsoft.com/office/drawing/2014/main" val="4256179315"/>
                   </a:ext>
                 </a:extLst>
               </a:tr>
@@ -3209,7 +3208,7 @@
           <p:cNvPr id="3" name="Content Placeholder 2">
             <a:extLst>
               <a:ext uri="{FF2B5EF4-FFF2-40B4-BE49-F238E27FC236}">
-                <a16:creationId xmlns="" xmlns:a16="http://schemas.microsoft.com/office/drawing/2014/main" id="{82349936-3F99-4E42-A230-6DBCE37691FB}"/>
+                <a16:creationId xmlns:a16="http://schemas.microsoft.com/office/drawing/2014/main" id="{82349936-3F99-4E42-A230-6DBCE37691FB}"/>
               </a:ext>
             </a:extLst>
           </p:cNvPr>
@@ -3291,7 +3290,7 @@
           <p:cNvPr id="4" name="Date Placeholder 3">
             <a:extLst>
               <a:ext uri="{FF2B5EF4-FFF2-40B4-BE49-F238E27FC236}">
-                <a16:creationId xmlns="" xmlns:a16="http://schemas.microsoft.com/office/drawing/2014/main" id="{6B466DD0-476C-4B19-9EF8-5CA48DEFB006}"/>
+                <a16:creationId xmlns:a16="http://schemas.microsoft.com/office/drawing/2014/main" id="{6B466DD0-476C-4B19-9EF8-5CA48DEFB006}"/>
               </a:ext>
             </a:extLst>
           </p:cNvPr>
@@ -3316,14 +3315,11 @@
               </a:spcAft>
             </a:pPr>
             <a:r>
-              <a:rPr lang="en-US" smtClean="0">
+              <a:rPr lang="en-US">
                 <a:ea typeface="MS PGothic" pitchFamily="34" charset="-128"/>
               </a:rPr>
               <a:t>OOPs using C++ (CS-102)</a:t>
             </a:r>
-            <a:endParaRPr lang="en-US">
-              <a:ea typeface="MS PGothic" pitchFamily="34" charset="-128"/>
-            </a:endParaRPr>
           </a:p>
         </p:txBody>
       </p:sp>
@@ -3332,7 +3328,7 @@
           <p:cNvPr id="5" name="Footer Placeholder 4">
             <a:extLst>
               <a:ext uri="{FF2B5EF4-FFF2-40B4-BE49-F238E27FC236}">
-                <a16:creationId xmlns="" xmlns:a16="http://schemas.microsoft.com/office/drawing/2014/main" id="{5A4B7F0F-D594-42AA-AEA1-5B920320874E}"/>
+                <a16:creationId xmlns:a16="http://schemas.microsoft.com/office/drawing/2014/main" id="{5A4B7F0F-D594-42AA-AEA1-5B920320874E}"/>
               </a:ext>
             </a:extLst>
           </p:cNvPr>
@@ -3358,10 +3354,9 @@
               <a:defRPr/>
             </a:pPr>
             <a:r>
-              <a:rPr lang="en-US" smtClean="0"/>
+              <a:rPr lang="en-US"/>
               <a:t>Prabhjot Kaur- G4 &amp; G8</a:t>
             </a:r>
-            <a:endParaRPr lang="en-US"/>
           </a:p>
         </p:txBody>
       </p:sp>
@@ -3370,7 +3365,7 @@
           <p:cNvPr id="6" name="Slide Number Placeholder 5">
             <a:extLst>
               <a:ext uri="{FF2B5EF4-FFF2-40B4-BE49-F238E27FC236}">
-                <a16:creationId xmlns="" xmlns:a16="http://schemas.microsoft.com/office/drawing/2014/main" id="{931A5BC3-9134-4D79-9642-39CD3B913034}"/>
+                <a16:creationId xmlns:a16="http://schemas.microsoft.com/office/drawing/2014/main" id="{931A5BC3-9134-4D79-9642-39CD3B913034}"/>
               </a:ext>
             </a:extLst>
           </p:cNvPr>
@@ -3419,7 +3414,7 @@
           <p:cNvPr id="7" name="Table 7">
             <a:extLst>
               <a:ext uri="{FF2B5EF4-FFF2-40B4-BE49-F238E27FC236}">
-                <a16:creationId xmlns="" xmlns:a16="http://schemas.microsoft.com/office/drawing/2014/main" id="{92C47CC7-E165-4906-88A7-E6A8FA3EADBF}"/>
+                <a16:creationId xmlns:a16="http://schemas.microsoft.com/office/drawing/2014/main" id="{92C47CC7-E165-4906-88A7-E6A8FA3EADBF}"/>
               </a:ext>
             </a:extLst>
           </p:cNvPr>
@@ -3442,7 +3437,7 @@
                 <a:gridCol w="6096000">
                   <a:extLst>
                     <a:ext uri="{9D8B030D-6E8A-4147-A177-3AD203B41FA5}">
-                      <a16:colId xmlns="" xmlns:a16="http://schemas.microsoft.com/office/drawing/2014/main" val="587842643"/>
+                      <a16:colId xmlns:a16="http://schemas.microsoft.com/office/drawing/2014/main" val="587842643"/>
                     </a:ext>
                   </a:extLst>
                 </a:gridCol>
@@ -3500,7 +3495,7 @@
                 </a:tc>
                 <a:extLst>
                   <a:ext uri="{0D108BD9-81ED-4DB2-BD59-A6C34878D82A}">
-                    <a16:rowId xmlns="" xmlns:a16="http://schemas.microsoft.com/office/drawing/2014/main" val="1343617983"/>
+                    <a16:rowId xmlns:a16="http://schemas.microsoft.com/office/drawing/2014/main" val="1343617983"/>
                   </a:ext>
                 </a:extLst>
               </a:tr>
@@ -3513,7 +3508,7 @@
           <p:cNvPr id="10" name="object 7">
             <a:extLst>
               <a:ext uri="{FF2B5EF4-FFF2-40B4-BE49-F238E27FC236}">
-                <a16:creationId xmlns="" xmlns:a16="http://schemas.microsoft.com/office/drawing/2014/main" id="{CFAB10D7-2BAD-4973-BFFC-873E3B4EFE68}"/>
+                <a16:creationId xmlns:a16="http://schemas.microsoft.com/office/drawing/2014/main" id="{CFAB10D7-2BAD-4973-BFFC-873E3B4EFE68}"/>
               </a:ext>
             </a:extLst>
           </p:cNvPr>
@@ -3739,7 +3734,7 @@
           <p:cNvPr id="2" name="Title 1">
             <a:extLst>
               <a:ext uri="{FF2B5EF4-FFF2-40B4-BE49-F238E27FC236}">
-                <a16:creationId xmlns="" xmlns:a16="http://schemas.microsoft.com/office/drawing/2014/main" id="{0815D0FC-6D0F-4211-AF03-DC44DD75B0D2}"/>
+                <a16:creationId xmlns:a16="http://schemas.microsoft.com/office/drawing/2014/main" id="{0815D0FC-6D0F-4211-AF03-DC44DD75B0D2}"/>
               </a:ext>
             </a:extLst>
           </p:cNvPr>
@@ -3768,7 +3763,7 @@
           <p:cNvPr id="3" name="Content Placeholder 2">
             <a:extLst>
               <a:ext uri="{FF2B5EF4-FFF2-40B4-BE49-F238E27FC236}">
-                <a16:creationId xmlns="" xmlns:a16="http://schemas.microsoft.com/office/drawing/2014/main" id="{9E4BDBD2-0824-467D-800B-2B214834DF70}"/>
+                <a16:creationId xmlns:a16="http://schemas.microsoft.com/office/drawing/2014/main" id="{9E4BDBD2-0824-467D-800B-2B214834DF70}"/>
               </a:ext>
             </a:extLst>
           </p:cNvPr>
@@ -3915,7 +3910,7 @@
           <p:cNvPr id="4" name="Date Placeholder 3">
             <a:extLst>
               <a:ext uri="{FF2B5EF4-FFF2-40B4-BE49-F238E27FC236}">
-                <a16:creationId xmlns="" xmlns:a16="http://schemas.microsoft.com/office/drawing/2014/main" id="{E1F271EF-87DD-4E4F-AFB7-4E3D2BD4A9C1}"/>
+                <a16:creationId xmlns:a16="http://schemas.microsoft.com/office/drawing/2014/main" id="{E1F271EF-87DD-4E4F-AFB7-4E3D2BD4A9C1}"/>
               </a:ext>
             </a:extLst>
           </p:cNvPr>
@@ -3940,14 +3935,11 @@
               </a:spcAft>
             </a:pPr>
             <a:r>
-              <a:rPr lang="en-US" smtClean="0">
+              <a:rPr lang="en-US">
                 <a:ea typeface="MS PGothic" pitchFamily="34" charset="-128"/>
               </a:rPr>
               <a:t>OOPs using C++ (CS-102)</a:t>
             </a:r>
-            <a:endParaRPr lang="en-US">
-              <a:ea typeface="MS PGothic" pitchFamily="34" charset="-128"/>
-            </a:endParaRPr>
           </a:p>
         </p:txBody>
       </p:sp>
@@ -3956,7 +3948,7 @@
           <p:cNvPr id="5" name="Footer Placeholder 4">
             <a:extLst>
               <a:ext uri="{FF2B5EF4-FFF2-40B4-BE49-F238E27FC236}">
-                <a16:creationId xmlns="" xmlns:a16="http://schemas.microsoft.com/office/drawing/2014/main" id="{1DF974A2-398B-409E-8EF0-474D46901C71}"/>
+                <a16:creationId xmlns:a16="http://schemas.microsoft.com/office/drawing/2014/main" id="{1DF974A2-398B-409E-8EF0-474D46901C71}"/>
               </a:ext>
             </a:extLst>
           </p:cNvPr>
@@ -3982,10 +3974,9 @@
               <a:defRPr/>
             </a:pPr>
             <a:r>
-              <a:rPr lang="en-US" smtClean="0"/>
+              <a:rPr lang="en-US"/>
               <a:t>Prabhjot Kaur- G4 &amp; G8</a:t>
             </a:r>
-            <a:endParaRPr lang="en-US"/>
           </a:p>
         </p:txBody>
       </p:sp>
@@ -3994,7 +3985,7 @@
           <p:cNvPr id="6" name="Slide Number Placeholder 5">
             <a:extLst>
               <a:ext uri="{FF2B5EF4-FFF2-40B4-BE49-F238E27FC236}">
-                <a16:creationId xmlns="" xmlns:a16="http://schemas.microsoft.com/office/drawing/2014/main" id="{463F3DEE-97D8-4253-8167-BFF0A81EE6DF}"/>
+                <a16:creationId xmlns:a16="http://schemas.microsoft.com/office/drawing/2014/main" id="{463F3DEE-97D8-4253-8167-BFF0A81EE6DF}"/>
               </a:ext>
             </a:extLst>
           </p:cNvPr>
@@ -4073,7 +4064,7 @@
           <p:cNvPr id="2" name="Title 1">
             <a:extLst>
               <a:ext uri="{FF2B5EF4-FFF2-40B4-BE49-F238E27FC236}">
-                <a16:creationId xmlns="" xmlns:a16="http://schemas.microsoft.com/office/drawing/2014/main" id="{172DCED6-38BF-43BB-A596-5FB1CE53CC49}"/>
+                <a16:creationId xmlns:a16="http://schemas.microsoft.com/office/drawing/2014/main" id="{172DCED6-38BF-43BB-A596-5FB1CE53CC49}"/>
               </a:ext>
             </a:extLst>
           </p:cNvPr>
@@ -4102,7 +4093,7 @@
           <p:cNvPr id="3" name="Content Placeholder 2">
             <a:extLst>
               <a:ext uri="{FF2B5EF4-FFF2-40B4-BE49-F238E27FC236}">
-                <a16:creationId xmlns="" xmlns:a16="http://schemas.microsoft.com/office/drawing/2014/main" id="{D3F7FBA1-D77C-4A5B-B4E4-EEAB17481964}"/>
+                <a16:creationId xmlns:a16="http://schemas.microsoft.com/office/drawing/2014/main" id="{D3F7FBA1-D77C-4A5B-B4E4-EEAB17481964}"/>
               </a:ext>
             </a:extLst>
           </p:cNvPr>
@@ -4205,7 +4196,7 @@
           <p:cNvPr id="4" name="Date Placeholder 3">
             <a:extLst>
               <a:ext uri="{FF2B5EF4-FFF2-40B4-BE49-F238E27FC236}">
-                <a16:creationId xmlns="" xmlns:a16="http://schemas.microsoft.com/office/drawing/2014/main" id="{F1622988-6895-49F2-A57F-A0D49C7EA437}"/>
+                <a16:creationId xmlns:a16="http://schemas.microsoft.com/office/drawing/2014/main" id="{F1622988-6895-49F2-A57F-A0D49C7EA437}"/>
               </a:ext>
             </a:extLst>
           </p:cNvPr>
@@ -4230,14 +4221,11 @@
               </a:spcAft>
             </a:pPr>
             <a:r>
-              <a:rPr lang="en-US" smtClean="0">
+              <a:rPr lang="en-US">
                 <a:ea typeface="MS PGothic" pitchFamily="34" charset="-128"/>
               </a:rPr>
               <a:t>OOPs using C++ (CS-102)</a:t>
             </a:r>
-            <a:endParaRPr lang="en-US">
-              <a:ea typeface="MS PGothic" pitchFamily="34" charset="-128"/>
-            </a:endParaRPr>
           </a:p>
         </p:txBody>
       </p:sp>
@@ -4246,7 +4234,7 @@
           <p:cNvPr id="5" name="Footer Placeholder 4">
             <a:extLst>
               <a:ext uri="{FF2B5EF4-FFF2-40B4-BE49-F238E27FC236}">
-                <a16:creationId xmlns="" xmlns:a16="http://schemas.microsoft.com/office/drawing/2014/main" id="{91A40F66-B5E6-4812-B352-427C7E2E4257}"/>
+                <a16:creationId xmlns:a16="http://schemas.microsoft.com/office/drawing/2014/main" id="{91A40F66-B5E6-4812-B352-427C7E2E4257}"/>
               </a:ext>
             </a:extLst>
           </p:cNvPr>
@@ -4272,10 +4260,9 @@
               <a:defRPr/>
             </a:pPr>
             <a:r>
-              <a:rPr lang="en-US" smtClean="0"/>
+              <a:rPr lang="en-US"/>
               <a:t>Prabhjot Kaur- G4 &amp; G8</a:t>
             </a:r>
-            <a:endParaRPr lang="en-US"/>
           </a:p>
         </p:txBody>
       </p:sp>
@@ -4284,7 +4271,7 @@
           <p:cNvPr id="6" name="Slide Number Placeholder 5">
             <a:extLst>
               <a:ext uri="{FF2B5EF4-FFF2-40B4-BE49-F238E27FC236}">
-                <a16:creationId xmlns="" xmlns:a16="http://schemas.microsoft.com/office/drawing/2014/main" id="{A79DE3A7-8BF9-4C9D-98D6-D03C2D604721}"/>
+                <a16:creationId xmlns:a16="http://schemas.microsoft.com/office/drawing/2014/main" id="{A79DE3A7-8BF9-4C9D-98D6-D03C2D604721}"/>
               </a:ext>
             </a:extLst>
           </p:cNvPr>
@@ -4363,7 +4350,7 @@
           <p:cNvPr id="2" name="Title 1">
             <a:extLst>
               <a:ext uri="{FF2B5EF4-FFF2-40B4-BE49-F238E27FC236}">
-                <a16:creationId xmlns="" xmlns:a16="http://schemas.microsoft.com/office/drawing/2014/main" id="{13F22308-31F7-4A83-AAC2-C326565498E7}"/>
+                <a16:creationId xmlns:a16="http://schemas.microsoft.com/office/drawing/2014/main" id="{13F22308-31F7-4A83-AAC2-C326565498E7}"/>
               </a:ext>
             </a:extLst>
           </p:cNvPr>
@@ -4392,7 +4379,7 @@
           <p:cNvPr id="3" name="Content Placeholder 2">
             <a:extLst>
               <a:ext uri="{FF2B5EF4-FFF2-40B4-BE49-F238E27FC236}">
-                <a16:creationId xmlns="" xmlns:a16="http://schemas.microsoft.com/office/drawing/2014/main" id="{F9AB321E-A8FA-4DE9-8BE7-E9725FFEC06D}"/>
+                <a16:creationId xmlns:a16="http://schemas.microsoft.com/office/drawing/2014/main" id="{F9AB321E-A8FA-4DE9-8BE7-E9725FFEC06D}"/>
               </a:ext>
             </a:extLst>
           </p:cNvPr>
@@ -4459,7 +4446,7 @@
           <p:cNvPr id="4" name="Date Placeholder 3">
             <a:extLst>
               <a:ext uri="{FF2B5EF4-FFF2-40B4-BE49-F238E27FC236}">
-                <a16:creationId xmlns="" xmlns:a16="http://schemas.microsoft.com/office/drawing/2014/main" id="{7FAEF039-9E08-4202-BDF4-0C0E677DDB7F}"/>
+                <a16:creationId xmlns:a16="http://schemas.microsoft.com/office/drawing/2014/main" id="{7FAEF039-9E08-4202-BDF4-0C0E677DDB7F}"/>
               </a:ext>
             </a:extLst>
           </p:cNvPr>
@@ -4484,14 +4471,11 @@
               </a:spcAft>
             </a:pPr>
             <a:r>
-              <a:rPr lang="en-US" smtClean="0">
+              <a:rPr lang="en-US">
                 <a:ea typeface="MS PGothic" pitchFamily="34" charset="-128"/>
               </a:rPr>
               <a:t>OOPs using C++ (CS-102)</a:t>
             </a:r>
-            <a:endParaRPr lang="en-US">
-              <a:ea typeface="MS PGothic" pitchFamily="34" charset="-128"/>
-            </a:endParaRPr>
           </a:p>
         </p:txBody>
       </p:sp>
@@ -4500,7 +4484,7 @@
           <p:cNvPr id="5" name="Footer Placeholder 4">
             <a:extLst>
               <a:ext uri="{FF2B5EF4-FFF2-40B4-BE49-F238E27FC236}">
-                <a16:creationId xmlns="" xmlns:a16="http://schemas.microsoft.com/office/drawing/2014/main" id="{35EC0835-3411-4D97-8EDD-055BA2344360}"/>
+                <a16:creationId xmlns:a16="http://schemas.microsoft.com/office/drawing/2014/main" id="{35EC0835-3411-4D97-8EDD-055BA2344360}"/>
               </a:ext>
             </a:extLst>
           </p:cNvPr>
@@ -4526,10 +4510,9 @@
               <a:defRPr/>
             </a:pPr>
             <a:r>
-              <a:rPr lang="en-US" smtClean="0"/>
+              <a:rPr lang="en-US"/>
               <a:t>Prabhjot Kaur- G4 &amp; G8</a:t>
             </a:r>
-            <a:endParaRPr lang="en-US"/>
           </a:p>
         </p:txBody>
       </p:sp>
@@ -4538,7 +4521,7 @@
           <p:cNvPr id="6" name="Slide Number Placeholder 5">
             <a:extLst>
               <a:ext uri="{FF2B5EF4-FFF2-40B4-BE49-F238E27FC236}">
-                <a16:creationId xmlns="" xmlns:a16="http://schemas.microsoft.com/office/drawing/2014/main" id="{45935C3C-E6F6-450F-BBBF-2B68BFD3D680}"/>
+                <a16:creationId xmlns:a16="http://schemas.microsoft.com/office/drawing/2014/main" id="{45935C3C-E6F6-450F-BBBF-2B68BFD3D680}"/>
               </a:ext>
             </a:extLst>
           </p:cNvPr>
@@ -4587,7 +4570,7 @@
           <p:cNvPr id="8" name="TextBox 7">
             <a:extLst>
               <a:ext uri="{FF2B5EF4-FFF2-40B4-BE49-F238E27FC236}">
-                <a16:creationId xmlns="" xmlns:a16="http://schemas.microsoft.com/office/drawing/2014/main" id="{60EF261A-C08B-4DDA-ACA1-659695B4EC49}"/>
+                <a16:creationId xmlns:a16="http://schemas.microsoft.com/office/drawing/2014/main" id="{60EF261A-C08B-4DDA-ACA1-659695B4EC49}"/>
               </a:ext>
             </a:extLst>
           </p:cNvPr>
@@ -5088,7 +5071,7 @@
           <p:cNvPr id="2" name="Title 1">
             <a:extLst>
               <a:ext uri="{FF2B5EF4-FFF2-40B4-BE49-F238E27FC236}">
-                <a16:creationId xmlns="" xmlns:a16="http://schemas.microsoft.com/office/drawing/2014/main" id="{CEAFA48B-96A8-4270-9CA7-C9DCCCCD3DCE}"/>
+                <a16:creationId xmlns:a16="http://schemas.microsoft.com/office/drawing/2014/main" id="{CEAFA48B-96A8-4270-9CA7-C9DCCCCD3DCE}"/>
               </a:ext>
             </a:extLst>
           </p:cNvPr>
@@ -5117,7 +5100,7 @@
           <p:cNvPr id="3" name="Content Placeholder 2">
             <a:extLst>
               <a:ext uri="{FF2B5EF4-FFF2-40B4-BE49-F238E27FC236}">
-                <a16:creationId xmlns="" xmlns:a16="http://schemas.microsoft.com/office/drawing/2014/main" id="{14224FE4-BA6A-4FF6-B081-CC61FE4F6B72}"/>
+                <a16:creationId xmlns:a16="http://schemas.microsoft.com/office/drawing/2014/main" id="{14224FE4-BA6A-4FF6-B081-CC61FE4F6B72}"/>
               </a:ext>
             </a:extLst>
           </p:cNvPr>
@@ -5170,7 +5153,7 @@
           <p:cNvPr id="4" name="Date Placeholder 3">
             <a:extLst>
               <a:ext uri="{FF2B5EF4-FFF2-40B4-BE49-F238E27FC236}">
-                <a16:creationId xmlns="" xmlns:a16="http://schemas.microsoft.com/office/drawing/2014/main" id="{6553CC4B-744A-4511-ABDE-31E22D78E6CA}"/>
+                <a16:creationId xmlns:a16="http://schemas.microsoft.com/office/drawing/2014/main" id="{6553CC4B-744A-4511-ABDE-31E22D78E6CA}"/>
               </a:ext>
             </a:extLst>
           </p:cNvPr>
@@ -5195,14 +5178,11 @@
               </a:spcAft>
             </a:pPr>
             <a:r>
-              <a:rPr lang="en-US" smtClean="0">
+              <a:rPr lang="en-US">
                 <a:ea typeface="MS PGothic" pitchFamily="34" charset="-128"/>
               </a:rPr>
               <a:t>OOPs using C++ (CS-102)</a:t>
             </a:r>
-            <a:endParaRPr lang="en-US">
-              <a:ea typeface="MS PGothic" pitchFamily="34" charset="-128"/>
-            </a:endParaRPr>
           </a:p>
         </p:txBody>
       </p:sp>
@@ -5211,7 +5191,7 @@
           <p:cNvPr id="5" name="Footer Placeholder 4">
             <a:extLst>
               <a:ext uri="{FF2B5EF4-FFF2-40B4-BE49-F238E27FC236}">
-                <a16:creationId xmlns="" xmlns:a16="http://schemas.microsoft.com/office/drawing/2014/main" id="{2E10A06B-8015-4BEB-BD1C-942538CFFF43}"/>
+                <a16:creationId xmlns:a16="http://schemas.microsoft.com/office/drawing/2014/main" id="{2E10A06B-8015-4BEB-BD1C-942538CFFF43}"/>
               </a:ext>
             </a:extLst>
           </p:cNvPr>
@@ -5237,10 +5217,9 @@
               <a:defRPr/>
             </a:pPr>
             <a:r>
-              <a:rPr lang="en-US" smtClean="0"/>
+              <a:rPr lang="en-US"/>
               <a:t>Prabhjot Kaur- G4 &amp; G8</a:t>
             </a:r>
-            <a:endParaRPr lang="en-US"/>
           </a:p>
         </p:txBody>
       </p:sp>
@@ -5249,7 +5228,7 @@
           <p:cNvPr id="6" name="Slide Number Placeholder 5">
             <a:extLst>
               <a:ext uri="{FF2B5EF4-FFF2-40B4-BE49-F238E27FC236}">
-                <a16:creationId xmlns="" xmlns:a16="http://schemas.microsoft.com/office/drawing/2014/main" id="{37EE5CA3-5044-4353-A932-6A77E9C242F0}"/>
+                <a16:creationId xmlns:a16="http://schemas.microsoft.com/office/drawing/2014/main" id="{37EE5CA3-5044-4353-A932-6A77E9C242F0}"/>
               </a:ext>
             </a:extLst>
           </p:cNvPr>
@@ -5298,7 +5277,7 @@
           <p:cNvPr id="8" name="TextBox 7">
             <a:extLst>
               <a:ext uri="{FF2B5EF4-FFF2-40B4-BE49-F238E27FC236}">
-                <a16:creationId xmlns="" xmlns:a16="http://schemas.microsoft.com/office/drawing/2014/main" id="{ACDC78C6-4E75-4E1E-96F4-70051F234CF9}"/>
+                <a16:creationId xmlns:a16="http://schemas.microsoft.com/office/drawing/2014/main" id="{ACDC78C6-4E75-4E1E-96F4-70051F234CF9}"/>
               </a:ext>
             </a:extLst>
           </p:cNvPr>
@@ -5653,7 +5632,7 @@
           <p:cNvPr id="2" name="Title 1">
             <a:extLst>
               <a:ext uri="{FF2B5EF4-FFF2-40B4-BE49-F238E27FC236}">
-                <a16:creationId xmlns="" xmlns:a16="http://schemas.microsoft.com/office/drawing/2014/main" id="{A16EB9C6-6B11-42F6-8865-8C157C2FE867}"/>
+                <a16:creationId xmlns:a16="http://schemas.microsoft.com/office/drawing/2014/main" id="{A16EB9C6-6B11-42F6-8865-8C157C2FE867}"/>
               </a:ext>
             </a:extLst>
           </p:cNvPr>
@@ -5682,7 +5661,7 @@
           <p:cNvPr id="3" name="Content Placeholder 2">
             <a:extLst>
               <a:ext uri="{FF2B5EF4-FFF2-40B4-BE49-F238E27FC236}">
-                <a16:creationId xmlns="" xmlns:a16="http://schemas.microsoft.com/office/drawing/2014/main" id="{75B7D6ED-ADE7-4E16-AAE3-2179AF0AF2AA}"/>
+                <a16:creationId xmlns:a16="http://schemas.microsoft.com/office/drawing/2014/main" id="{75B7D6ED-ADE7-4E16-AAE3-2179AF0AF2AA}"/>
               </a:ext>
             </a:extLst>
           </p:cNvPr>
@@ -5830,7 +5809,7 @@
           <p:cNvPr id="4" name="Date Placeholder 3">
             <a:extLst>
               <a:ext uri="{FF2B5EF4-FFF2-40B4-BE49-F238E27FC236}">
-                <a16:creationId xmlns="" xmlns:a16="http://schemas.microsoft.com/office/drawing/2014/main" id="{C718ED61-FAA5-436F-85EC-2691E447F380}"/>
+                <a16:creationId xmlns:a16="http://schemas.microsoft.com/office/drawing/2014/main" id="{C718ED61-FAA5-436F-85EC-2691E447F380}"/>
               </a:ext>
             </a:extLst>
           </p:cNvPr>
@@ -5855,14 +5834,11 @@
               </a:spcAft>
             </a:pPr>
             <a:r>
-              <a:rPr lang="en-US" smtClean="0">
+              <a:rPr lang="en-US">
                 <a:ea typeface="MS PGothic" pitchFamily="34" charset="-128"/>
               </a:rPr>
               <a:t>OOPs using C++ (CS-102)</a:t>
             </a:r>
-            <a:endParaRPr lang="en-US">
-              <a:ea typeface="MS PGothic" pitchFamily="34" charset="-128"/>
-            </a:endParaRPr>
           </a:p>
         </p:txBody>
       </p:sp>
@@ -5871,7 +5847,7 @@
           <p:cNvPr id="5" name="Footer Placeholder 4">
             <a:extLst>
               <a:ext uri="{FF2B5EF4-FFF2-40B4-BE49-F238E27FC236}">
-                <a16:creationId xmlns="" xmlns:a16="http://schemas.microsoft.com/office/drawing/2014/main" id="{17F6B863-8113-4380-A778-23519BF57F4F}"/>
+                <a16:creationId xmlns:a16="http://schemas.microsoft.com/office/drawing/2014/main" id="{17F6B863-8113-4380-A778-23519BF57F4F}"/>
               </a:ext>
             </a:extLst>
           </p:cNvPr>
@@ -5897,10 +5873,9 @@
               <a:defRPr/>
             </a:pPr>
             <a:r>
-              <a:rPr lang="en-US" smtClean="0"/>
+              <a:rPr lang="en-US"/>
               <a:t>Prabhjot Kaur- G4 &amp; G8</a:t>
             </a:r>
-            <a:endParaRPr lang="en-US"/>
           </a:p>
         </p:txBody>
       </p:sp>
@@ -5909,7 +5884,7 @@
           <p:cNvPr id="6" name="Slide Number Placeholder 5">
             <a:extLst>
               <a:ext uri="{FF2B5EF4-FFF2-40B4-BE49-F238E27FC236}">
-                <a16:creationId xmlns="" xmlns:a16="http://schemas.microsoft.com/office/drawing/2014/main" id="{89F8CC65-856B-4800-A0F0-7513240E4BB1}"/>
+                <a16:creationId xmlns:a16="http://schemas.microsoft.com/office/drawing/2014/main" id="{89F8CC65-856B-4800-A0F0-7513240E4BB1}"/>
               </a:ext>
             </a:extLst>
           </p:cNvPr>
@@ -5988,7 +5963,7 @@
           <p:cNvPr id="2" name="Title 1">
             <a:extLst>
               <a:ext uri="{FF2B5EF4-FFF2-40B4-BE49-F238E27FC236}">
-                <a16:creationId xmlns="" xmlns:a16="http://schemas.microsoft.com/office/drawing/2014/main" id="{7B68C781-C61B-4FAE-B709-45BAF91E1E2F}"/>
+                <a16:creationId xmlns:a16="http://schemas.microsoft.com/office/drawing/2014/main" id="{7B68C781-C61B-4FAE-B709-45BAF91E1E2F}"/>
               </a:ext>
             </a:extLst>
           </p:cNvPr>
@@ -6017,7 +5992,7 @@
           <p:cNvPr id="3" name="Content Placeholder 2">
             <a:extLst>
               <a:ext uri="{FF2B5EF4-FFF2-40B4-BE49-F238E27FC236}">
-                <a16:creationId xmlns="" xmlns:a16="http://schemas.microsoft.com/office/drawing/2014/main" id="{985B6122-6CFB-40BF-A5D6-AFFFB8D1093A}"/>
+                <a16:creationId xmlns:a16="http://schemas.microsoft.com/office/drawing/2014/main" id="{985B6122-6CFB-40BF-A5D6-AFFFB8D1093A}"/>
               </a:ext>
             </a:extLst>
           </p:cNvPr>
@@ -6096,7 +6071,7 @@
           <p:cNvPr id="4" name="Date Placeholder 3">
             <a:extLst>
               <a:ext uri="{FF2B5EF4-FFF2-40B4-BE49-F238E27FC236}">
-                <a16:creationId xmlns="" xmlns:a16="http://schemas.microsoft.com/office/drawing/2014/main" id="{1422A683-3EA9-464A-B7E2-12A19FDD4FD5}"/>
+                <a16:creationId xmlns:a16="http://schemas.microsoft.com/office/drawing/2014/main" id="{1422A683-3EA9-464A-B7E2-12A19FDD4FD5}"/>
               </a:ext>
             </a:extLst>
           </p:cNvPr>
@@ -6121,14 +6096,11 @@
               </a:spcAft>
             </a:pPr>
             <a:r>
-              <a:rPr lang="en-US" smtClean="0">
+              <a:rPr lang="en-US">
                 <a:ea typeface="MS PGothic" pitchFamily="34" charset="-128"/>
               </a:rPr>
               <a:t>OOPs using C++ (CS-102)</a:t>
             </a:r>
-            <a:endParaRPr lang="en-US">
-              <a:ea typeface="MS PGothic" pitchFamily="34" charset="-128"/>
-            </a:endParaRPr>
           </a:p>
         </p:txBody>
       </p:sp>
@@ -6137,7 +6109,7 @@
           <p:cNvPr id="5" name="Footer Placeholder 4">
             <a:extLst>
               <a:ext uri="{FF2B5EF4-FFF2-40B4-BE49-F238E27FC236}">
-                <a16:creationId xmlns="" xmlns:a16="http://schemas.microsoft.com/office/drawing/2014/main" id="{4CAE4966-96A9-4736-8F7D-6F9F08D5B7AE}"/>
+                <a16:creationId xmlns:a16="http://schemas.microsoft.com/office/drawing/2014/main" id="{4CAE4966-96A9-4736-8F7D-6F9F08D5B7AE}"/>
               </a:ext>
             </a:extLst>
           </p:cNvPr>
@@ -6163,7 +6135,7 @@
               <a:defRPr/>
             </a:pPr>
             <a:r>
-              <a:rPr lang="en-US" smtClean="0"/>
+              <a:rPr lang="en-US"/>
               <a:t>Prabhjot Kaur- G4 &amp; G8</a:t>
             </a:r>
             <a:endParaRPr lang="en-US" dirty="0"/>
@@ -6175,7 +6147,7 @@
           <p:cNvPr id="6" name="Slide Number Placeholder 5">
             <a:extLst>
               <a:ext uri="{FF2B5EF4-FFF2-40B4-BE49-F238E27FC236}">
-                <a16:creationId xmlns="" xmlns:a16="http://schemas.microsoft.com/office/drawing/2014/main" id="{0E2A14E1-0199-4FC9-9EC4-3CB370237B6F}"/>
+                <a16:creationId xmlns:a16="http://schemas.microsoft.com/office/drawing/2014/main" id="{0E2A14E1-0199-4FC9-9EC4-3CB370237B6F}"/>
               </a:ext>
             </a:extLst>
           </p:cNvPr>
@@ -6229,7 +6201,7 @@
           <p:cNvPr id="8" name="TextBox 7">
             <a:extLst>
               <a:ext uri="{FF2B5EF4-FFF2-40B4-BE49-F238E27FC236}">
-                <a16:creationId xmlns="" xmlns:a16="http://schemas.microsoft.com/office/drawing/2014/main" id="{E0249693-69C2-4A11-B62B-EE713DC9FC05}"/>
+                <a16:creationId xmlns:a16="http://schemas.microsoft.com/office/drawing/2014/main" id="{E0249693-69C2-4A11-B62B-EE713DC9FC05}"/>
               </a:ext>
             </a:extLst>
           </p:cNvPr>
@@ -6467,7 +6439,7 @@
           <p:cNvPr id="10" name="TextBox 9">
             <a:extLst>
               <a:ext uri="{FF2B5EF4-FFF2-40B4-BE49-F238E27FC236}">
-                <a16:creationId xmlns="" xmlns:a16="http://schemas.microsoft.com/office/drawing/2014/main" id="{5F2C5CE8-C092-49A7-B185-D592374F6DCC}"/>
+                <a16:creationId xmlns:a16="http://schemas.microsoft.com/office/drawing/2014/main" id="{5F2C5CE8-C092-49A7-B185-D592374F6DCC}"/>
               </a:ext>
             </a:extLst>
           </p:cNvPr>
@@ -6568,7 +6540,7 @@
           <p:cNvPr id="2" name="Title 1">
             <a:extLst>
               <a:ext uri="{FF2B5EF4-FFF2-40B4-BE49-F238E27FC236}">
-                <a16:creationId xmlns="" xmlns:a16="http://schemas.microsoft.com/office/drawing/2014/main" id="{FFC9CD74-4671-46B3-BB2D-5858C0AC85FE}"/>
+                <a16:creationId xmlns:a16="http://schemas.microsoft.com/office/drawing/2014/main" id="{FFC9CD74-4671-46B3-BB2D-5858C0AC85FE}"/>
               </a:ext>
             </a:extLst>
           </p:cNvPr>
@@ -6597,7 +6569,7 @@
           <p:cNvPr id="3" name="Content Placeholder 2">
             <a:extLst>
               <a:ext uri="{FF2B5EF4-FFF2-40B4-BE49-F238E27FC236}">
-                <a16:creationId xmlns="" xmlns:a16="http://schemas.microsoft.com/office/drawing/2014/main" id="{D5ABD676-358D-4ACF-8960-5ED190D65EF2}"/>
+                <a16:creationId xmlns:a16="http://schemas.microsoft.com/office/drawing/2014/main" id="{D5ABD676-358D-4ACF-8960-5ED190D65EF2}"/>
               </a:ext>
             </a:extLst>
           </p:cNvPr>
@@ -6648,7 +6620,7 @@
           <p:cNvPr id="4" name="Date Placeholder 3">
             <a:extLst>
               <a:ext uri="{FF2B5EF4-FFF2-40B4-BE49-F238E27FC236}">
-                <a16:creationId xmlns="" xmlns:a16="http://schemas.microsoft.com/office/drawing/2014/main" id="{49FEF182-1964-4449-BF44-F713FABB64D0}"/>
+                <a16:creationId xmlns:a16="http://schemas.microsoft.com/office/drawing/2014/main" id="{49FEF182-1964-4449-BF44-F713FABB64D0}"/>
               </a:ext>
             </a:extLst>
           </p:cNvPr>
@@ -6673,14 +6645,11 @@
               </a:spcAft>
             </a:pPr>
             <a:r>
-              <a:rPr lang="en-US" smtClean="0">
+              <a:rPr lang="en-US">
                 <a:ea typeface="MS PGothic" pitchFamily="34" charset="-128"/>
               </a:rPr>
               <a:t>OOPs using C++ (CS-102)</a:t>
             </a:r>
-            <a:endParaRPr lang="en-US">
-              <a:ea typeface="MS PGothic" pitchFamily="34" charset="-128"/>
-            </a:endParaRPr>
           </a:p>
         </p:txBody>
       </p:sp>
@@ -6689,7 +6658,7 @@
           <p:cNvPr id="5" name="Footer Placeholder 4">
             <a:extLst>
               <a:ext uri="{FF2B5EF4-FFF2-40B4-BE49-F238E27FC236}">
-                <a16:creationId xmlns="" xmlns:a16="http://schemas.microsoft.com/office/drawing/2014/main" id="{AA48611D-F61E-4646-BB64-9FEF6224E7DA}"/>
+                <a16:creationId xmlns:a16="http://schemas.microsoft.com/office/drawing/2014/main" id="{AA48611D-F61E-4646-BB64-9FEF6224E7DA}"/>
               </a:ext>
             </a:extLst>
           </p:cNvPr>
@@ -6715,10 +6684,9 @@
               <a:defRPr/>
             </a:pPr>
             <a:r>
-              <a:rPr lang="en-US" smtClean="0"/>
+              <a:rPr lang="en-US"/>
               <a:t>Prabhjot Kaur- G4 &amp; G8</a:t>
             </a:r>
-            <a:endParaRPr lang="en-US"/>
           </a:p>
         </p:txBody>
       </p:sp>
@@ -6727,7 +6695,7 @@
           <p:cNvPr id="6" name="Slide Number Placeholder 5">
             <a:extLst>
               <a:ext uri="{FF2B5EF4-FFF2-40B4-BE49-F238E27FC236}">
-                <a16:creationId xmlns="" xmlns:a16="http://schemas.microsoft.com/office/drawing/2014/main" id="{F456808E-6D3A-4FDE-ADE5-4B2ADB20C5F5}"/>
+                <a16:creationId xmlns:a16="http://schemas.microsoft.com/office/drawing/2014/main" id="{F456808E-6D3A-4FDE-ADE5-4B2ADB20C5F5}"/>
               </a:ext>
             </a:extLst>
           </p:cNvPr>
@@ -6776,7 +6744,7 @@
           <p:cNvPr id="7" name="Table 7">
             <a:extLst>
               <a:ext uri="{FF2B5EF4-FFF2-40B4-BE49-F238E27FC236}">
-                <a16:creationId xmlns="" xmlns:a16="http://schemas.microsoft.com/office/drawing/2014/main" id="{6042BF1A-B19A-40AA-8AFC-8415ED2ED923}"/>
+                <a16:creationId xmlns:a16="http://schemas.microsoft.com/office/drawing/2014/main" id="{6042BF1A-B19A-40AA-8AFC-8415ED2ED923}"/>
               </a:ext>
             </a:extLst>
           </p:cNvPr>
@@ -6799,7 +6767,7 @@
                 <a:gridCol w="6096000">
                   <a:extLst>
                     <a:ext uri="{9D8B030D-6E8A-4147-A177-3AD203B41FA5}">
-                      <a16:colId xmlns="" xmlns:a16="http://schemas.microsoft.com/office/drawing/2014/main" val="3223340693"/>
+                      <a16:colId xmlns:a16="http://schemas.microsoft.com/office/drawing/2014/main" val="3223340693"/>
                     </a:ext>
                   </a:extLst>
                 </a:gridCol>
@@ -6947,7 +6915,7 @@
                 </a:tc>
                 <a:extLst>
                   <a:ext uri="{0D108BD9-81ED-4DB2-BD59-A6C34878D82A}">
-                    <a16:rowId xmlns="" xmlns:a16="http://schemas.microsoft.com/office/drawing/2014/main" val="175905598"/>
+                    <a16:rowId xmlns:a16="http://schemas.microsoft.com/office/drawing/2014/main" val="175905598"/>
                   </a:ext>
                 </a:extLst>
               </a:tr>
@@ -6990,7 +6958,7 @@
           <p:cNvPr id="2" name="Title 1">
             <a:extLst>
               <a:ext uri="{FF2B5EF4-FFF2-40B4-BE49-F238E27FC236}">
-                <a16:creationId xmlns="" xmlns:a16="http://schemas.microsoft.com/office/drawing/2014/main" id="{4F5D8A29-10DA-4C85-A2C3-A6DB81BCB51F}"/>
+                <a16:creationId xmlns:a16="http://schemas.microsoft.com/office/drawing/2014/main" id="{4F5D8A29-10DA-4C85-A2C3-A6DB81BCB51F}"/>
               </a:ext>
             </a:extLst>
           </p:cNvPr>
@@ -7019,7 +6987,7 @@
           <p:cNvPr id="3" name="Content Placeholder 2">
             <a:extLst>
               <a:ext uri="{FF2B5EF4-FFF2-40B4-BE49-F238E27FC236}">
-                <a16:creationId xmlns="" xmlns:a16="http://schemas.microsoft.com/office/drawing/2014/main" id="{AE6CB2D6-9A9C-47AC-82D2-C5BC891BDD11}"/>
+                <a16:creationId xmlns:a16="http://schemas.microsoft.com/office/drawing/2014/main" id="{AE6CB2D6-9A9C-47AC-82D2-C5BC891BDD11}"/>
               </a:ext>
             </a:extLst>
           </p:cNvPr>
@@ -7266,7 +7234,7 @@
           <p:cNvPr id="4" name="Date Placeholder 3">
             <a:extLst>
               <a:ext uri="{FF2B5EF4-FFF2-40B4-BE49-F238E27FC236}">
-                <a16:creationId xmlns="" xmlns:a16="http://schemas.microsoft.com/office/drawing/2014/main" id="{83DB258D-C0D8-4B8B-8326-4F369F3FCC53}"/>
+                <a16:creationId xmlns:a16="http://schemas.microsoft.com/office/drawing/2014/main" id="{83DB258D-C0D8-4B8B-8326-4F369F3FCC53}"/>
               </a:ext>
             </a:extLst>
           </p:cNvPr>
@@ -7291,14 +7259,11 @@
               </a:spcAft>
             </a:pPr>
             <a:r>
-              <a:rPr lang="en-US" smtClean="0">
+              <a:rPr lang="en-US">
                 <a:ea typeface="MS PGothic" pitchFamily="34" charset="-128"/>
               </a:rPr>
               <a:t>OOPs using C++ (CS-102)</a:t>
             </a:r>
-            <a:endParaRPr lang="en-US">
-              <a:ea typeface="MS PGothic" pitchFamily="34" charset="-128"/>
-            </a:endParaRPr>
           </a:p>
         </p:txBody>
       </p:sp>
@@ -7307,7 +7272,7 @@
           <p:cNvPr id="5" name="Footer Placeholder 4">
             <a:extLst>
               <a:ext uri="{FF2B5EF4-FFF2-40B4-BE49-F238E27FC236}">
-                <a16:creationId xmlns="" xmlns:a16="http://schemas.microsoft.com/office/drawing/2014/main" id="{B0A962C8-004D-4F82-8F86-CECCC8F7FAE2}"/>
+                <a16:creationId xmlns:a16="http://schemas.microsoft.com/office/drawing/2014/main" id="{B0A962C8-004D-4F82-8F86-CECCC8F7FAE2}"/>
               </a:ext>
             </a:extLst>
           </p:cNvPr>
@@ -7333,10 +7298,9 @@
               <a:defRPr/>
             </a:pPr>
             <a:r>
-              <a:rPr lang="en-US" smtClean="0"/>
+              <a:rPr lang="en-US"/>
               <a:t>Prabhjot Kaur- G4 &amp; G8</a:t>
             </a:r>
-            <a:endParaRPr lang="en-US"/>
           </a:p>
         </p:txBody>
       </p:sp>
@@ -7345,7 +7309,7 @@
           <p:cNvPr id="6" name="Slide Number Placeholder 5">
             <a:extLst>
               <a:ext uri="{FF2B5EF4-FFF2-40B4-BE49-F238E27FC236}">
-                <a16:creationId xmlns="" xmlns:a16="http://schemas.microsoft.com/office/drawing/2014/main" id="{4BCF3E51-BCF3-4A45-AE43-5BAA860FB64B}"/>
+                <a16:creationId xmlns:a16="http://schemas.microsoft.com/office/drawing/2014/main" id="{4BCF3E51-BCF3-4A45-AE43-5BAA860FB64B}"/>
               </a:ext>
             </a:extLst>
           </p:cNvPr>
@@ -7435,10 +7399,9 @@
           <a:lstStyle/>
           <a:p>
             <a:r>
-              <a:rPr lang="en-IN" b="1" dirty="0" smtClean="0"/>
+              <a:rPr lang="en-IN" b="1" dirty="0"/>
               <a:t>Basic of Fundamentals</a:t>
             </a:r>
-            <a:endParaRPr lang="en-IN" b="1" dirty="0"/>
           </a:p>
         </p:txBody>
       </p:sp>
@@ -7458,67 +7421,67 @@
           <a:lstStyle/>
           <a:p>
             <a:r>
-              <a:rPr lang="en-IN" dirty="0" smtClean="0"/>
+              <a:rPr lang="en-IN" dirty="0"/>
               <a:t>How your computer work.</a:t>
             </a:r>
           </a:p>
           <a:p>
             <a:r>
-              <a:rPr lang="en-IN" dirty="0" smtClean="0"/>
+              <a:rPr lang="en-IN" dirty="0"/>
               <a:t>What are number systems</a:t>
             </a:r>
           </a:p>
           <a:p>
             <a:r>
-              <a:rPr lang="en-IN" dirty="0" smtClean="0"/>
+              <a:rPr lang="en-IN" dirty="0"/>
               <a:t>What is program</a:t>
             </a:r>
           </a:p>
           <a:p>
             <a:r>
-              <a:rPr lang="en-IN" dirty="0" smtClean="0"/>
+              <a:rPr lang="en-IN" dirty="0"/>
               <a:t>Low level </a:t>
             </a:r>
             <a:r>
-              <a:rPr lang="en-IN" dirty="0" err="1" smtClean="0"/>
+              <a:rPr lang="en-IN" dirty="0" err="1"/>
               <a:t>lang</a:t>
             </a:r>
             <a:r>
-              <a:rPr lang="en-IN" dirty="0" smtClean="0"/>
+              <a:rPr lang="en-IN" dirty="0"/>
               <a:t> and high level </a:t>
             </a:r>
             <a:r>
-              <a:rPr lang="en-IN" dirty="0" err="1" smtClean="0"/>
+              <a:rPr lang="en-IN" dirty="0" err="1"/>
               <a:t>lang</a:t>
             </a:r>
             <a:r>
-              <a:rPr lang="en-IN" dirty="0" smtClean="0"/>
+              <a:rPr lang="en-IN" dirty="0"/>
               <a:t>(slow, python, syntax is small)</a:t>
             </a:r>
           </a:p>
           <a:p>
             <a:r>
-              <a:rPr lang="en-IN" dirty="0" smtClean="0"/>
+              <a:rPr lang="en-IN" dirty="0"/>
               <a:t>Compiler and interpreter</a:t>
             </a:r>
           </a:p>
           <a:p>
             <a:r>
-              <a:rPr lang="en-IN" dirty="0" smtClean="0"/>
+              <a:rPr lang="en-IN" dirty="0"/>
               <a:t>Algorithms:- set of instructions/ procedures</a:t>
             </a:r>
           </a:p>
           <a:p>
             <a:r>
-              <a:rPr lang="en-IN" dirty="0" smtClean="0"/>
+              <a:rPr lang="en-IN" dirty="0"/>
               <a:t>Flowcharts:- </a:t>
             </a:r>
             <a:r>
-              <a:rPr lang="en-IN" dirty="0" err="1" smtClean="0"/>
+              <a:rPr lang="en-IN" dirty="0" err="1"/>
               <a:t>Diagramatical</a:t>
             </a:r>
             <a:r>
-              <a:rPr lang="en-IN" dirty="0" smtClean="0"/>
+              <a:rPr lang="en-IN" dirty="0"/>
               <a:t> representation</a:t>
             </a:r>
           </a:p>
@@ -7527,21 +7490,21 @@
           </a:p>
           <a:p>
             <a:r>
-              <a:rPr lang="en-IN" dirty="0" smtClean="0"/>
+              <a:rPr lang="en-IN" dirty="0"/>
               <a:t>C++ compiler\IDE:- VS, code blocks, </a:t>
             </a:r>
             <a:r>
-              <a:rPr lang="en-IN" dirty="0" err="1" smtClean="0"/>
+              <a:rPr lang="en-IN" dirty="0" err="1"/>
               <a:t>DevC</a:t>
             </a:r>
             <a:r>
-              <a:rPr lang="en-IN" dirty="0" smtClean="0"/>
+              <a:rPr lang="en-IN" dirty="0"/>
               <a:t>++, ….</a:t>
             </a:r>
           </a:p>
           <a:p>
             <a:r>
-              <a:rPr lang="en-IN" b="1" dirty="0" smtClean="0"/>
+              <a:rPr lang="en-IN" b="1" dirty="0"/>
               <a:t>Stack memory/Heap memory:- </a:t>
             </a:r>
           </a:p>
@@ -7566,10 +7529,9 @@
           <a:lstStyle/>
           <a:p>
             <a:r>
-              <a:rPr lang="en-US" smtClean="0"/>
+              <a:rPr lang="en-US"/>
               <a:t>OOPs using C++ (CS-102)</a:t>
             </a:r>
-            <a:endParaRPr lang="en-US"/>
           </a:p>
         </p:txBody>
       </p:sp>
@@ -7592,10 +7554,9 @@
               <a:defRPr/>
             </a:pPr>
             <a:r>
-              <a:rPr lang="en-US" smtClean="0"/>
+              <a:rPr lang="en-US"/>
               <a:t>Prabhjot Kaur- G4 &amp; G8</a:t>
             </a:r>
-            <a:endParaRPr lang="en-US"/>
           </a:p>
         </p:txBody>
       </p:sp>
@@ -7737,7 +7698,7 @@
               </a:spcAft>
             </a:pPr>
             <a:r>
-              <a:rPr lang="en-US" b="0" smtClean="0">
+              <a:rPr lang="en-US" b="0">
                 <a:ea typeface="MS PGothic" pitchFamily="34" charset="-128"/>
               </a:rPr>
               <a:t>OOPs using C++ (CS-102)</a:t>
@@ -7773,7 +7734,7 @@
               <a:defRPr/>
             </a:pPr>
             <a:r>
-              <a:rPr lang="en-US" smtClean="0"/>
+              <a:rPr lang="en-US"/>
               <a:t>Prabhjot Kaur- G4 &amp; G8</a:t>
             </a:r>
             <a:endParaRPr lang="en-US" dirty="0"/>
@@ -7828,7 +7789,7 @@
           <p:cNvPr id="7" name="TextBox 6">
             <a:extLst>
               <a:ext uri="{FF2B5EF4-FFF2-40B4-BE49-F238E27FC236}">
-                <a16:creationId xmlns="" xmlns:a16="http://schemas.microsoft.com/office/drawing/2014/main" id="{8E153EAA-8782-4FAE-B684-A9D845F47E41}"/>
+                <a16:creationId xmlns:a16="http://schemas.microsoft.com/office/drawing/2014/main" id="{8E153EAA-8782-4FAE-B684-A9D845F47E41}"/>
               </a:ext>
             </a:extLst>
           </p:cNvPr>
@@ -8231,7 +8192,7 @@
               </a:spcAft>
             </a:pPr>
             <a:r>
-              <a:rPr lang="en-US" b="0" smtClean="0">
+              <a:rPr lang="en-US" b="0">
                 <a:ea typeface="MS PGothic" pitchFamily="34" charset="-128"/>
               </a:rPr>
               <a:t>OOPs using C++ (CS-102)</a:t>
@@ -8267,10 +8228,9 @@
               <a:defRPr/>
             </a:pPr>
             <a:r>
-              <a:rPr lang="en-US" smtClean="0"/>
+              <a:rPr lang="en-US"/>
               <a:t>Prabhjot Kaur- G4 &amp; G8</a:t>
             </a:r>
-            <a:endParaRPr lang="en-US"/>
           </a:p>
         </p:txBody>
       </p:sp>
@@ -8322,7 +8282,7 @@
           <p:cNvPr id="7" name="Table 7">
             <a:extLst>
               <a:ext uri="{FF2B5EF4-FFF2-40B4-BE49-F238E27FC236}">
-                <a16:creationId xmlns="" xmlns:a16="http://schemas.microsoft.com/office/drawing/2014/main" id="{666FF787-ED2A-4695-8545-359220DF1CF6}"/>
+                <a16:creationId xmlns:a16="http://schemas.microsoft.com/office/drawing/2014/main" id="{666FF787-ED2A-4695-8545-359220DF1CF6}"/>
               </a:ext>
             </a:extLst>
           </p:cNvPr>
@@ -8345,7 +8305,7 @@
                 <a:gridCol w="3429000">
                   <a:extLst>
                     <a:ext uri="{9D8B030D-6E8A-4147-A177-3AD203B41FA5}">
-                      <a16:colId xmlns="" xmlns:a16="http://schemas.microsoft.com/office/drawing/2014/main" val="2747801822"/>
+                      <a16:colId xmlns:a16="http://schemas.microsoft.com/office/drawing/2014/main" val="2747801822"/>
                     </a:ext>
                   </a:extLst>
                 </a:gridCol>
@@ -8591,7 +8551,7 @@
                 </a:tc>
                 <a:extLst>
                   <a:ext uri="{0D108BD9-81ED-4DB2-BD59-A6C34878D82A}">
-                    <a16:rowId xmlns="" xmlns:a16="http://schemas.microsoft.com/office/drawing/2014/main" val="1611898457"/>
+                    <a16:rowId xmlns:a16="http://schemas.microsoft.com/office/drawing/2014/main" val="1611898457"/>
                   </a:ext>
                 </a:extLst>
               </a:tr>
@@ -8629,7 +8589,7 @@
           <p:cNvPr id="2" name="Title 1">
             <a:extLst>
               <a:ext uri="{FF2B5EF4-FFF2-40B4-BE49-F238E27FC236}">
-                <a16:creationId xmlns="" xmlns:a16="http://schemas.microsoft.com/office/drawing/2014/main" id="{ECD02698-6A7A-43EF-BB42-2F1F8EFAC573}"/>
+                <a16:creationId xmlns:a16="http://schemas.microsoft.com/office/drawing/2014/main" id="{ECD02698-6A7A-43EF-BB42-2F1F8EFAC573}"/>
               </a:ext>
             </a:extLst>
           </p:cNvPr>
@@ -8658,7 +8618,7 @@
           <p:cNvPr id="7" name="Table 7">
             <a:extLst>
               <a:ext uri="{FF2B5EF4-FFF2-40B4-BE49-F238E27FC236}">
-                <a16:creationId xmlns="" xmlns:a16="http://schemas.microsoft.com/office/drawing/2014/main" id="{FFA875E3-C4C8-40AC-904A-D254E14E3D29}"/>
+                <a16:creationId xmlns:a16="http://schemas.microsoft.com/office/drawing/2014/main" id="{FFA875E3-C4C8-40AC-904A-D254E14E3D29}"/>
               </a:ext>
             </a:extLst>
           </p:cNvPr>
@@ -8683,7 +8643,7 @@
                 <a:gridCol w="8229600">
                   <a:extLst>
                     <a:ext uri="{9D8B030D-6E8A-4147-A177-3AD203B41FA5}">
-                      <a16:colId xmlns="" xmlns:a16="http://schemas.microsoft.com/office/drawing/2014/main" val="2747801822"/>
+                      <a16:colId xmlns:a16="http://schemas.microsoft.com/office/drawing/2014/main" val="2747801822"/>
                     </a:ext>
                   </a:extLst>
                 </a:gridCol>
@@ -9205,7 +9165,7 @@
                 </a:tc>
                 <a:extLst>
                   <a:ext uri="{0D108BD9-81ED-4DB2-BD59-A6C34878D82A}">
-                    <a16:rowId xmlns="" xmlns:a16="http://schemas.microsoft.com/office/drawing/2014/main" val="1611898457"/>
+                    <a16:rowId xmlns:a16="http://schemas.microsoft.com/office/drawing/2014/main" val="1611898457"/>
                   </a:ext>
                 </a:extLst>
               </a:tr>
@@ -9218,7 +9178,7 @@
           <p:cNvPr id="4" name="Date Placeholder 3">
             <a:extLst>
               <a:ext uri="{FF2B5EF4-FFF2-40B4-BE49-F238E27FC236}">
-                <a16:creationId xmlns="" xmlns:a16="http://schemas.microsoft.com/office/drawing/2014/main" id="{58233799-51C0-4B5A-BCBE-E59111075CF6}"/>
+                <a16:creationId xmlns:a16="http://schemas.microsoft.com/office/drawing/2014/main" id="{58233799-51C0-4B5A-BCBE-E59111075CF6}"/>
               </a:ext>
             </a:extLst>
           </p:cNvPr>
@@ -9243,14 +9203,11 @@
               </a:spcAft>
             </a:pPr>
             <a:r>
-              <a:rPr lang="en-US" smtClean="0">
+              <a:rPr lang="en-US">
                 <a:ea typeface="MS PGothic" pitchFamily="34" charset="-128"/>
               </a:rPr>
               <a:t>OOPs using C++ (CS-102)</a:t>
             </a:r>
-            <a:endParaRPr lang="en-US">
-              <a:ea typeface="MS PGothic" pitchFamily="34" charset="-128"/>
-            </a:endParaRPr>
           </a:p>
         </p:txBody>
       </p:sp>
@@ -9259,7 +9216,7 @@
           <p:cNvPr id="5" name="Footer Placeholder 4">
             <a:extLst>
               <a:ext uri="{FF2B5EF4-FFF2-40B4-BE49-F238E27FC236}">
-                <a16:creationId xmlns="" xmlns:a16="http://schemas.microsoft.com/office/drawing/2014/main" id="{84DFD29D-C9DB-45A4-A3E0-D6D8FA6F05A5}"/>
+                <a16:creationId xmlns:a16="http://schemas.microsoft.com/office/drawing/2014/main" id="{84DFD29D-C9DB-45A4-A3E0-D6D8FA6F05A5}"/>
               </a:ext>
             </a:extLst>
           </p:cNvPr>
@@ -9285,10 +9242,9 @@
               <a:defRPr/>
             </a:pPr>
             <a:r>
-              <a:rPr lang="en-US" smtClean="0"/>
+              <a:rPr lang="en-US"/>
               <a:t>Prabhjot Kaur- G4 &amp; G8</a:t>
             </a:r>
-            <a:endParaRPr lang="en-US"/>
           </a:p>
         </p:txBody>
       </p:sp>
@@ -9297,7 +9253,7 @@
           <p:cNvPr id="6" name="Slide Number Placeholder 5">
             <a:extLst>
               <a:ext uri="{FF2B5EF4-FFF2-40B4-BE49-F238E27FC236}">
-                <a16:creationId xmlns="" xmlns:a16="http://schemas.microsoft.com/office/drawing/2014/main" id="{E4A1A85C-718C-4A40-8365-6BC4BB6AF52C}"/>
+                <a16:creationId xmlns:a16="http://schemas.microsoft.com/office/drawing/2014/main" id="{E4A1A85C-718C-4A40-8365-6BC4BB6AF52C}"/>
               </a:ext>
             </a:extLst>
           </p:cNvPr>
@@ -9387,10 +9343,9 @@
           <a:lstStyle/>
           <a:p>
             <a:r>
-              <a:rPr lang="en-IN" dirty="0" smtClean="0"/>
+              <a:rPr lang="en-IN" dirty="0"/>
               <a:t>Program No. 1</a:t>
             </a:r>
-            <a:endParaRPr lang="en-IN" dirty="0"/>
           </a:p>
         </p:txBody>
       </p:sp>
@@ -9418,15 +9373,15 @@
               <a:buNone/>
             </a:pPr>
             <a:r>
-              <a:rPr lang="en-IN" sz="2000" dirty="0" smtClean="0"/>
+              <a:rPr lang="en-IN" sz="2000" dirty="0"/>
               <a:t>#include &lt;</a:t>
             </a:r>
             <a:r>
-              <a:rPr lang="en-IN" sz="2000" dirty="0" err="1" smtClean="0"/>
+              <a:rPr lang="en-IN" sz="2000" dirty="0" err="1"/>
               <a:t>iostream</a:t>
             </a:r>
             <a:r>
-              <a:rPr lang="en-IN" sz="2000" dirty="0" smtClean="0"/>
+              <a:rPr lang="en-IN" sz="2000" dirty="0"/>
               <a:t>&gt;  </a:t>
             </a:r>
           </a:p>
@@ -9435,15 +9390,15 @@
               <a:buNone/>
             </a:pPr>
             <a:r>
-              <a:rPr lang="en-IN" sz="2000" dirty="0" smtClean="0"/>
+              <a:rPr lang="en-IN" sz="2000" dirty="0"/>
               <a:t>using namespace </a:t>
             </a:r>
             <a:r>
-              <a:rPr lang="en-IN" sz="2000" dirty="0" err="1" smtClean="0"/>
+              <a:rPr lang="en-IN" sz="2000" dirty="0" err="1"/>
               <a:t>std</a:t>
             </a:r>
             <a:r>
-              <a:rPr lang="en-IN" sz="2000" dirty="0" smtClean="0"/>
+              <a:rPr lang="en-IN" sz="2000" dirty="0"/>
               <a:t>;  </a:t>
             </a:r>
           </a:p>
@@ -9452,12 +9407,8 @@
               <a:buNone/>
             </a:pPr>
             <a:r>
-              <a:rPr lang="en-IN" sz="2000" dirty="0" smtClean="0"/>
-              <a:t>class </a:t>
-            </a:r>
-            <a:r>
               <a:rPr lang="en-IN" sz="2000" dirty="0"/>
-              <a:t>Student {  </a:t>
+              <a:t>class Student {  </a:t>
             </a:r>
           </a:p>
           <a:p>
@@ -9542,29 +9493,27 @@
               <a:rPr lang="en-IN" sz="2000" dirty="0"/>
               <a:t> Jaiswal";  </a:t>
             </a:r>
-            <a:endParaRPr lang="en-IN" sz="2000" dirty="0" smtClean="0"/>
           </a:p>
           <a:p>
             <a:pPr marL="0" indent="0">
               <a:buNone/>
             </a:pPr>
             <a:r>
-              <a:rPr lang="en-IN" sz="2000" dirty="0" err="1" smtClean="0"/>
+              <a:rPr lang="en-IN" sz="2000" dirty="0" err="1"/>
               <a:t>Cin</a:t>
             </a:r>
             <a:r>
-              <a:rPr lang="en-IN" sz="2000" dirty="0" smtClean="0"/>
+              <a:rPr lang="en-IN" sz="2000" dirty="0"/>
               <a:t>&gt;&gt;s1.id&gt;&gt;</a:t>
             </a:r>
             <a:r>
-              <a:rPr lang="en-IN" sz="2000" dirty="0" err="1" smtClean="0"/>
+              <a:rPr lang="en-IN" sz="2000" dirty="0" err="1"/>
               <a:t>endl</a:t>
             </a:r>
             <a:r>
-              <a:rPr lang="en-IN" sz="2000" dirty="0" smtClean="0"/>
+              <a:rPr lang="en-IN" sz="2000" dirty="0"/>
               <a:t>; </a:t>
             </a:r>
-            <a:endParaRPr lang="en-IN" sz="2000" dirty="0"/>
           </a:p>
           <a:p>
             <a:pPr marL="0" indent="0">
@@ -9588,13 +9537,8 @@
             </a:r>
             <a:r>
               <a:rPr lang="en-IN" sz="2000" dirty="0"/>
-              <a:t>;  </a:t>
-            </a:r>
-            <a:r>
-              <a:rPr lang="en-IN" sz="2000" dirty="0" smtClean="0"/>
-              <a:t>  \\print</a:t>
-            </a:r>
-            <a:endParaRPr lang="en-IN" sz="2000" dirty="0"/>
+              <a:t>;    \\print</a:t>
+            </a:r>
           </a:p>
           <a:p>
             <a:pPr marL="0" indent="0">
@@ -9657,10 +9601,9 @@
           <a:lstStyle/>
           <a:p>
             <a:r>
-              <a:rPr lang="en-US" smtClean="0"/>
+              <a:rPr lang="en-US"/>
               <a:t>OOPs using C++ (CS-102)</a:t>
             </a:r>
-            <a:endParaRPr lang="en-US"/>
           </a:p>
         </p:txBody>
       </p:sp>
@@ -9683,10 +9626,9 @@
               <a:defRPr/>
             </a:pPr>
             <a:r>
-              <a:rPr lang="en-US" smtClean="0"/>
+              <a:rPr lang="en-US"/>
               <a:t>Prabhjot Kaur- G4 &amp; G8</a:t>
             </a:r>
-            <a:endParaRPr lang="en-US"/>
           </a:p>
         </p:txBody>
       </p:sp>
@@ -9749,7 +9691,7 @@
           <p:cNvPr id="2" name="Title 1">
             <a:extLst>
               <a:ext uri="{FF2B5EF4-FFF2-40B4-BE49-F238E27FC236}">
-                <a16:creationId xmlns="" xmlns:a16="http://schemas.microsoft.com/office/drawing/2014/main" id="{CC064D48-C0F3-4641-BD19-ABCC03E7DB04}"/>
+                <a16:creationId xmlns:a16="http://schemas.microsoft.com/office/drawing/2014/main" id="{CC064D48-C0F3-4641-BD19-ABCC03E7DB04}"/>
               </a:ext>
             </a:extLst>
           </p:cNvPr>
@@ -9777,7 +9719,7 @@
           <p:cNvPr id="4" name="Date Placeholder 3">
             <a:extLst>
               <a:ext uri="{FF2B5EF4-FFF2-40B4-BE49-F238E27FC236}">
-                <a16:creationId xmlns="" xmlns:a16="http://schemas.microsoft.com/office/drawing/2014/main" id="{2495109D-6B7A-4C22-8990-98AC7D00A306}"/>
+                <a16:creationId xmlns:a16="http://schemas.microsoft.com/office/drawing/2014/main" id="{2495109D-6B7A-4C22-8990-98AC7D00A306}"/>
               </a:ext>
             </a:extLst>
           </p:cNvPr>
@@ -9802,14 +9744,11 @@
               </a:spcAft>
             </a:pPr>
             <a:r>
-              <a:rPr lang="en-US" smtClean="0">
+              <a:rPr lang="en-US">
                 <a:ea typeface="MS PGothic" pitchFamily="34" charset="-128"/>
               </a:rPr>
               <a:t>OOPs using C++ (CS-102)</a:t>
             </a:r>
-            <a:endParaRPr lang="en-US">
-              <a:ea typeface="MS PGothic" pitchFamily="34" charset="-128"/>
-            </a:endParaRPr>
           </a:p>
         </p:txBody>
       </p:sp>
@@ -9818,7 +9757,7 @@
           <p:cNvPr id="5" name="Footer Placeholder 4">
             <a:extLst>
               <a:ext uri="{FF2B5EF4-FFF2-40B4-BE49-F238E27FC236}">
-                <a16:creationId xmlns="" xmlns:a16="http://schemas.microsoft.com/office/drawing/2014/main" id="{16E66A5A-D8CC-48F9-9971-FF8EC20C3357}"/>
+                <a16:creationId xmlns:a16="http://schemas.microsoft.com/office/drawing/2014/main" id="{16E66A5A-D8CC-48F9-9971-FF8EC20C3357}"/>
               </a:ext>
             </a:extLst>
           </p:cNvPr>
@@ -9844,10 +9783,9 @@
               <a:defRPr/>
             </a:pPr>
             <a:r>
-              <a:rPr lang="en-US" smtClean="0"/>
+              <a:rPr lang="en-US"/>
               <a:t>Prabhjot Kaur- G4 &amp; G8</a:t>
             </a:r>
-            <a:endParaRPr lang="en-US"/>
           </a:p>
         </p:txBody>
       </p:sp>
@@ -9856,7 +9794,7 @@
           <p:cNvPr id="6" name="Slide Number Placeholder 5">
             <a:extLst>
               <a:ext uri="{FF2B5EF4-FFF2-40B4-BE49-F238E27FC236}">
-                <a16:creationId xmlns="" xmlns:a16="http://schemas.microsoft.com/office/drawing/2014/main" id="{31CCD8E6-7AF6-4385-86BC-7EA105E6B884}"/>
+                <a16:creationId xmlns:a16="http://schemas.microsoft.com/office/drawing/2014/main" id="{31CCD8E6-7AF6-4385-86BC-7EA105E6B884}"/>
               </a:ext>
             </a:extLst>
           </p:cNvPr>
@@ -9916,7 +9854,7 @@
           <p:cNvPr id="9" name="Flowchart: Decision 8">
             <a:extLst>
               <a:ext uri="{FF2B5EF4-FFF2-40B4-BE49-F238E27FC236}">
-                <a16:creationId xmlns="" xmlns:a16="http://schemas.microsoft.com/office/drawing/2014/main" id="{CE6CA501-0091-4360-A619-680220898473}"/>
+                <a16:creationId xmlns:a16="http://schemas.microsoft.com/office/drawing/2014/main" id="{CE6CA501-0091-4360-A619-680220898473}"/>
               </a:ext>
             </a:extLst>
           </p:cNvPr>
@@ -9995,7 +9933,7 @@
           <p:cNvPr id="10" name="Rectangle: Rounded Corners 9">
             <a:extLst>
               <a:ext uri="{FF2B5EF4-FFF2-40B4-BE49-F238E27FC236}">
-                <a16:creationId xmlns="" xmlns:a16="http://schemas.microsoft.com/office/drawing/2014/main" id="{E2EA6881-7456-4CDA-BEFB-B3077FB83133}"/>
+                <a16:creationId xmlns:a16="http://schemas.microsoft.com/office/drawing/2014/main" id="{E2EA6881-7456-4CDA-BEFB-B3077FB83133}"/>
               </a:ext>
             </a:extLst>
           </p:cNvPr>
@@ -10056,7 +9994,7 @@
           <p:cNvPr id="11" name="Rectangle 10">
             <a:extLst>
               <a:ext uri="{FF2B5EF4-FFF2-40B4-BE49-F238E27FC236}">
-                <a16:creationId xmlns="" xmlns:a16="http://schemas.microsoft.com/office/drawing/2014/main" id="{C24133D0-37EA-4A67-9A2E-EC00A5BFEEEA}"/>
+                <a16:creationId xmlns:a16="http://schemas.microsoft.com/office/drawing/2014/main" id="{C24133D0-37EA-4A67-9A2E-EC00A5BFEEEA}"/>
               </a:ext>
             </a:extLst>
           </p:cNvPr>
@@ -10126,7 +10064,7 @@
           <p:cNvPr id="13" name="Rectangle: Rounded Corners 12">
             <a:extLst>
               <a:ext uri="{FF2B5EF4-FFF2-40B4-BE49-F238E27FC236}">
-                <a16:creationId xmlns="" xmlns:a16="http://schemas.microsoft.com/office/drawing/2014/main" id="{64A33421-1ACD-4780-A90B-89D5E508AFE8}"/>
+                <a16:creationId xmlns:a16="http://schemas.microsoft.com/office/drawing/2014/main" id="{64A33421-1ACD-4780-A90B-89D5E508AFE8}"/>
               </a:ext>
             </a:extLst>
           </p:cNvPr>
@@ -10187,7 +10125,7 @@
           <p:cNvPr id="14" name="TextBox 13">
             <a:extLst>
               <a:ext uri="{FF2B5EF4-FFF2-40B4-BE49-F238E27FC236}">
-                <a16:creationId xmlns="" xmlns:a16="http://schemas.microsoft.com/office/drawing/2014/main" id="{FB75FD6F-7853-4410-AA27-72C7A01C134F}"/>
+                <a16:creationId xmlns:a16="http://schemas.microsoft.com/office/drawing/2014/main" id="{FB75FD6F-7853-4410-AA27-72C7A01C134F}"/>
               </a:ext>
             </a:extLst>
           </p:cNvPr>
@@ -10236,7 +10174,7 @@
           <p:cNvPr id="16" name="Straight Arrow Connector 15">
             <a:extLst>
               <a:ext uri="{FF2B5EF4-FFF2-40B4-BE49-F238E27FC236}">
-                <a16:creationId xmlns="" xmlns:a16="http://schemas.microsoft.com/office/drawing/2014/main" id="{CB25A43B-4C32-455E-8D78-67EA4F0C838C}"/>
+                <a16:creationId xmlns:a16="http://schemas.microsoft.com/office/drawing/2014/main" id="{CB25A43B-4C32-455E-8D78-67EA4F0C838C}"/>
               </a:ext>
             </a:extLst>
           </p:cNvPr>
@@ -10279,7 +10217,7 @@
           <p:cNvPr id="18" name="Straight Arrow Connector 17">
             <a:extLst>
               <a:ext uri="{FF2B5EF4-FFF2-40B4-BE49-F238E27FC236}">
-                <a16:creationId xmlns="" xmlns:a16="http://schemas.microsoft.com/office/drawing/2014/main" id="{922B5BDC-97A7-4B9E-92EA-77DC0EC2021B}"/>
+                <a16:creationId xmlns:a16="http://schemas.microsoft.com/office/drawing/2014/main" id="{922B5BDC-97A7-4B9E-92EA-77DC0EC2021B}"/>
               </a:ext>
             </a:extLst>
           </p:cNvPr>
@@ -10320,7 +10258,7 @@
           <p:cNvPr id="22" name="Straight Arrow Connector 21">
             <a:extLst>
               <a:ext uri="{FF2B5EF4-FFF2-40B4-BE49-F238E27FC236}">
-                <a16:creationId xmlns="" xmlns:a16="http://schemas.microsoft.com/office/drawing/2014/main" id="{0F97F0EC-0907-435B-9B99-AC2C1C9A25B6}"/>
+                <a16:creationId xmlns:a16="http://schemas.microsoft.com/office/drawing/2014/main" id="{0F97F0EC-0907-435B-9B99-AC2C1C9A25B6}"/>
               </a:ext>
             </a:extLst>
           </p:cNvPr>
@@ -10362,7 +10300,7 @@
           <p:cNvPr id="28" name="Connector: Elbow 27">
             <a:extLst>
               <a:ext uri="{FF2B5EF4-FFF2-40B4-BE49-F238E27FC236}">
-                <a16:creationId xmlns="" xmlns:a16="http://schemas.microsoft.com/office/drawing/2014/main" id="{2535A8BA-8987-4D1B-812A-B46FD0310B94}"/>
+                <a16:creationId xmlns:a16="http://schemas.microsoft.com/office/drawing/2014/main" id="{2535A8BA-8987-4D1B-812A-B46FD0310B94}"/>
               </a:ext>
             </a:extLst>
           </p:cNvPr>
@@ -10407,7 +10345,7 @@
           <p:cNvPr id="36" name="Straight Arrow Connector 35">
             <a:extLst>
               <a:ext uri="{FF2B5EF4-FFF2-40B4-BE49-F238E27FC236}">
-                <a16:creationId xmlns="" xmlns:a16="http://schemas.microsoft.com/office/drawing/2014/main" id="{BE5A7997-C4BA-4854-B3B8-0946E14EBC8C}"/>
+                <a16:creationId xmlns:a16="http://schemas.microsoft.com/office/drawing/2014/main" id="{BE5A7997-C4BA-4854-B3B8-0946E14EBC8C}"/>
               </a:ext>
             </a:extLst>
           </p:cNvPr>
@@ -10450,7 +10388,7 @@
           <p:cNvPr id="39" name="TextBox 38">
             <a:extLst>
               <a:ext uri="{FF2B5EF4-FFF2-40B4-BE49-F238E27FC236}">
-                <a16:creationId xmlns="" xmlns:a16="http://schemas.microsoft.com/office/drawing/2014/main" id="{B3CCB42B-611B-4557-BA71-87377E4BEEE1}"/>
+                <a16:creationId xmlns:a16="http://schemas.microsoft.com/office/drawing/2014/main" id="{B3CCB42B-611B-4557-BA71-87377E4BEEE1}"/>
               </a:ext>
             </a:extLst>
           </p:cNvPr>
@@ -10499,7 +10437,7 @@
           <p:cNvPr id="40" name="TextBox 39">
             <a:extLst>
               <a:ext uri="{FF2B5EF4-FFF2-40B4-BE49-F238E27FC236}">
-                <a16:creationId xmlns="" xmlns:a16="http://schemas.microsoft.com/office/drawing/2014/main" id="{07C78C6D-583F-49C5-A120-C045142991AE}"/>
+                <a16:creationId xmlns:a16="http://schemas.microsoft.com/office/drawing/2014/main" id="{07C78C6D-583F-49C5-A120-C045142991AE}"/>
               </a:ext>
             </a:extLst>
           </p:cNvPr>
@@ -10548,7 +10486,7 @@
           <p:cNvPr id="41" name="Straight Arrow Connector 40">
             <a:extLst>
               <a:ext uri="{FF2B5EF4-FFF2-40B4-BE49-F238E27FC236}">
-                <a16:creationId xmlns="" xmlns:a16="http://schemas.microsoft.com/office/drawing/2014/main" id="{F08C5324-731E-4459-AB67-62B655265565}"/>
+                <a16:creationId xmlns:a16="http://schemas.microsoft.com/office/drawing/2014/main" id="{F08C5324-731E-4459-AB67-62B655265565}"/>
               </a:ext>
             </a:extLst>
           </p:cNvPr>
@@ -10589,7 +10527,7 @@
           <p:cNvPr id="46" name="TextBox 45">
             <a:extLst>
               <a:ext uri="{FF2B5EF4-FFF2-40B4-BE49-F238E27FC236}">
-                <a16:creationId xmlns="" xmlns:a16="http://schemas.microsoft.com/office/drawing/2014/main" id="{17E35276-7469-47CB-AC33-A636D7BDC3CF}"/>
+                <a16:creationId xmlns:a16="http://schemas.microsoft.com/office/drawing/2014/main" id="{17E35276-7469-47CB-AC33-A636D7BDC3CF}"/>
               </a:ext>
             </a:extLst>
           </p:cNvPr>
@@ -10638,7 +10576,7 @@
           <p:cNvPr id="47" name="TextBox 46">
             <a:extLst>
               <a:ext uri="{FF2B5EF4-FFF2-40B4-BE49-F238E27FC236}">
-                <a16:creationId xmlns="" xmlns:a16="http://schemas.microsoft.com/office/drawing/2014/main" id="{924253AF-DAD4-4D13-AAC6-0173A847F780}"/>
+                <a16:creationId xmlns:a16="http://schemas.microsoft.com/office/drawing/2014/main" id="{924253AF-DAD4-4D13-AAC6-0173A847F780}"/>
               </a:ext>
             </a:extLst>
           </p:cNvPr>
@@ -10758,56 +10696,56 @@
                 <a:gridCol w="1057275">
                   <a:extLst>
                     <a:ext uri="{9D8B030D-6E8A-4147-A177-3AD203B41FA5}">
-                      <a16:colId xmlns="" xmlns:a16="http://schemas.microsoft.com/office/drawing/2014/main" val="20000"/>
+                      <a16:colId xmlns:a16="http://schemas.microsoft.com/office/drawing/2014/main" val="20000"/>
                     </a:ext>
                   </a:extLst>
                 </a:gridCol>
                 <a:gridCol w="1057275">
                   <a:extLst>
                     <a:ext uri="{9D8B030D-6E8A-4147-A177-3AD203B41FA5}">
-                      <a16:colId xmlns="" xmlns:a16="http://schemas.microsoft.com/office/drawing/2014/main" val="20001"/>
+                      <a16:colId xmlns:a16="http://schemas.microsoft.com/office/drawing/2014/main" val="20001"/>
                     </a:ext>
                   </a:extLst>
                 </a:gridCol>
                 <a:gridCol w="1057275">
                   <a:extLst>
                     <a:ext uri="{9D8B030D-6E8A-4147-A177-3AD203B41FA5}">
-                      <a16:colId xmlns="" xmlns:a16="http://schemas.microsoft.com/office/drawing/2014/main" val="20002"/>
+                      <a16:colId xmlns:a16="http://schemas.microsoft.com/office/drawing/2014/main" val="20002"/>
                     </a:ext>
                   </a:extLst>
                 </a:gridCol>
                 <a:gridCol w="1057275">
                   <a:extLst>
                     <a:ext uri="{9D8B030D-6E8A-4147-A177-3AD203B41FA5}">
-                      <a16:colId xmlns="" xmlns:a16="http://schemas.microsoft.com/office/drawing/2014/main" val="20003"/>
+                      <a16:colId xmlns:a16="http://schemas.microsoft.com/office/drawing/2014/main" val="20003"/>
                     </a:ext>
                   </a:extLst>
                 </a:gridCol>
                 <a:gridCol w="1057275">
                   <a:extLst>
                     <a:ext uri="{9D8B030D-6E8A-4147-A177-3AD203B41FA5}">
-                      <a16:colId xmlns="" xmlns:a16="http://schemas.microsoft.com/office/drawing/2014/main" val="20004"/>
+                      <a16:colId xmlns:a16="http://schemas.microsoft.com/office/drawing/2014/main" val="20004"/>
                     </a:ext>
                   </a:extLst>
                 </a:gridCol>
                 <a:gridCol w="1057275">
                   <a:extLst>
                     <a:ext uri="{9D8B030D-6E8A-4147-A177-3AD203B41FA5}">
-                      <a16:colId xmlns="" xmlns:a16="http://schemas.microsoft.com/office/drawing/2014/main" val="20005"/>
+                      <a16:colId xmlns:a16="http://schemas.microsoft.com/office/drawing/2014/main" val="20005"/>
                     </a:ext>
                   </a:extLst>
                 </a:gridCol>
                 <a:gridCol w="1057275">
                   <a:extLst>
                     <a:ext uri="{9D8B030D-6E8A-4147-A177-3AD203B41FA5}">
-                      <a16:colId xmlns="" xmlns:a16="http://schemas.microsoft.com/office/drawing/2014/main" val="20006"/>
+                      <a16:colId xmlns:a16="http://schemas.microsoft.com/office/drawing/2014/main" val="20006"/>
                     </a:ext>
                   </a:extLst>
                 </a:gridCol>
                 <a:gridCol w="1057275">
                   <a:extLst>
                     <a:ext uri="{9D8B030D-6E8A-4147-A177-3AD203B41FA5}">
-                      <a16:colId xmlns="" xmlns:a16="http://schemas.microsoft.com/office/drawing/2014/main" val="20007"/>
+                      <a16:colId xmlns:a16="http://schemas.microsoft.com/office/drawing/2014/main" val="20007"/>
                     </a:ext>
                   </a:extLst>
                 </a:gridCol>
@@ -11007,7 +10945,7 @@
                 </a:tc>
                 <a:extLst>
                   <a:ext uri="{0D108BD9-81ED-4DB2-BD59-A6C34878D82A}">
-                    <a16:rowId xmlns="" xmlns:a16="http://schemas.microsoft.com/office/drawing/2014/main" val="10000"/>
+                    <a16:rowId xmlns:a16="http://schemas.microsoft.com/office/drawing/2014/main" val="10000"/>
                   </a:ext>
                 </a:extLst>
               </a:tr>
@@ -11206,7 +11144,7 @@
                 </a:tc>
                 <a:extLst>
                   <a:ext uri="{0D108BD9-81ED-4DB2-BD59-A6C34878D82A}">
-                    <a16:rowId xmlns="" xmlns:a16="http://schemas.microsoft.com/office/drawing/2014/main" val="10001"/>
+                    <a16:rowId xmlns:a16="http://schemas.microsoft.com/office/drawing/2014/main" val="10001"/>
                   </a:ext>
                 </a:extLst>
               </a:tr>
@@ -11405,7 +11343,7 @@
                 </a:tc>
                 <a:extLst>
                   <a:ext uri="{0D108BD9-81ED-4DB2-BD59-A6C34878D82A}">
-                    <a16:rowId xmlns="" xmlns:a16="http://schemas.microsoft.com/office/drawing/2014/main" val="10002"/>
+                    <a16:rowId xmlns:a16="http://schemas.microsoft.com/office/drawing/2014/main" val="10002"/>
                   </a:ext>
                 </a:extLst>
               </a:tr>
@@ -11604,7 +11542,7 @@
                 </a:tc>
                 <a:extLst>
                   <a:ext uri="{0D108BD9-81ED-4DB2-BD59-A6C34878D82A}">
-                    <a16:rowId xmlns="" xmlns:a16="http://schemas.microsoft.com/office/drawing/2014/main" val="10003"/>
+                    <a16:rowId xmlns:a16="http://schemas.microsoft.com/office/drawing/2014/main" val="10003"/>
                   </a:ext>
                 </a:extLst>
               </a:tr>
@@ -11636,7 +11574,7 @@
               </a:spcAft>
             </a:pPr>
             <a:r>
-              <a:rPr lang="en-US" b="0" smtClean="0">
+              <a:rPr lang="en-US" b="0">
                 <a:ea typeface="MS PGothic" pitchFamily="34" charset="-128"/>
               </a:rPr>
               <a:t>OOPs using C++ (CS-102)</a:t>
@@ -11672,10 +11610,9 @@
               <a:defRPr/>
             </a:pPr>
             <a:r>
-              <a:rPr lang="en-US" smtClean="0"/>
+              <a:rPr lang="en-US"/>
               <a:t>Prabhjot Kaur- G4 &amp; G8</a:t>
             </a:r>
-            <a:endParaRPr lang="en-US"/>
           </a:p>
         </p:txBody>
       </p:sp>
@@ -11809,16 +11746,6 @@
                 <a:spcPct val="0"/>
               </a:spcAft>
             </a:pPr>
-            <a:r>
-              <a:rPr lang="en-US" dirty="0">
-                <a:solidFill>
-                  <a:prstClr val="black"/>
-                </a:solidFill>
-                <a:latin typeface="Arial" pitchFamily="34" charset="0"/>
-                <a:ea typeface="MS PGothic" pitchFamily="34" charset="-128"/>
-              </a:rPr>
-              <a:t/>
-            </a:r>
             <a:br>
               <a:rPr lang="en-US" dirty="0">
                 <a:solidFill>
@@ -11878,20 +11805,12 @@
           <a:bodyPr/>
           <a:lstStyle/>
           <a:p>
-            <a:r>
-              <a:rPr lang="en-US" b="1" dirty="0"/>
-              <a:t/>
-            </a:r>
             <a:br>
               <a:rPr lang="en-US" b="1" dirty="0"/>
             </a:br>
             <a:r>
               <a:rPr lang="en-US" dirty="0"/>
               <a:t>Data Types </a:t>
-            </a:r>
-            <a:r>
-              <a:rPr lang="en-US" b="1" dirty="0"/>
-              <a:t/>
             </a:r>
             <a:br>
               <a:rPr lang="en-US" b="1" dirty="0"/>
@@ -11920,7 +11839,6 @@
               <a:rPr lang="en-US" dirty="0"/>
               <a:t>A data type determines the type and the operations that can be performed on the data. C++ provides various data types and each data type is represented differently within the computer’s memory. </a:t>
             </a:r>
-            <a:endParaRPr lang="en-US" dirty="0" smtClean="0"/>
           </a:p>
           <a:p>
             <a:pPr algn="just"/>
@@ -11980,7 +11898,7 @@
               </a:spcAft>
             </a:pPr>
             <a:r>
-              <a:rPr lang="en-US" b="0" smtClean="0">
+              <a:rPr lang="en-US" b="0">
                 <a:ea typeface="MS PGothic" pitchFamily="34" charset="-128"/>
               </a:rPr>
               <a:t>OOPs using C++ (CS-102)</a:t>
@@ -12016,10 +11934,9 @@
               <a:defRPr/>
             </a:pPr>
             <a:r>
-              <a:rPr lang="en-US" smtClean="0"/>
+              <a:rPr lang="en-US"/>
               <a:t>Prabhjot Kaur- G4 &amp; G8</a:t>
             </a:r>
-            <a:endParaRPr lang="en-US"/>
           </a:p>
         </p:txBody>
       </p:sp>
@@ -12106,20 +12023,12 @@
           <a:bodyPr/>
           <a:lstStyle/>
           <a:p>
-            <a:r>
-              <a:rPr lang="en-US" b="1" dirty="0"/>
-              <a:t/>
-            </a:r>
             <a:br>
               <a:rPr lang="en-US" b="1" dirty="0"/>
             </a:br>
             <a:r>
               <a:rPr lang="en-US" dirty="0"/>
               <a:t>Data Types Contd.. </a:t>
-            </a:r>
-            <a:r>
-              <a:rPr lang="en-US" b="1" dirty="0"/>
-              <a:t/>
             </a:r>
             <a:br>
               <a:rPr lang="en-US" b="1" dirty="0"/>
@@ -12152,7 +12061,7 @@
               </a:spcAft>
             </a:pPr>
             <a:r>
-              <a:rPr lang="en-US" b="0" smtClean="0">
+              <a:rPr lang="en-US" b="0">
                 <a:ea typeface="MS PGothic" pitchFamily="34" charset="-128"/>
               </a:rPr>
               <a:t>OOPs using C++ (CS-102)</a:t>
@@ -12188,10 +12097,9 @@
               <a:defRPr/>
             </a:pPr>
             <a:r>
-              <a:rPr lang="en-US" smtClean="0"/>
+              <a:rPr lang="en-US"/>
               <a:t>Prabhjot Kaur- G4 &amp; G8</a:t>
             </a:r>
-            <a:endParaRPr lang="en-US"/>
           </a:p>
         </p:txBody>
       </p:sp>
@@ -12313,10 +12221,6 @@
           <a:bodyPr/>
           <a:lstStyle/>
           <a:p>
-            <a:r>
-              <a:rPr lang="en-US" b="1" dirty="0"/>
-              <a:t/>
-            </a:r>
             <a:br>
               <a:rPr lang="en-US" b="1" dirty="0"/>
             </a:br>
@@ -12397,7 +12301,7 @@
               </a:spcAft>
             </a:pPr>
             <a:r>
-              <a:rPr lang="en-US" b="0" smtClean="0">
+              <a:rPr lang="en-US" b="0">
                 <a:ea typeface="MS PGothic" pitchFamily="34" charset="-128"/>
               </a:rPr>
               <a:t>OOPs using C++ (CS-102)</a:t>
@@ -12433,10 +12337,9 @@
               <a:defRPr/>
             </a:pPr>
             <a:r>
-              <a:rPr lang="en-US" smtClean="0"/>
+              <a:rPr lang="en-US"/>
               <a:t>Prabhjot Kaur- G4 &amp; G8</a:t>
             </a:r>
-            <a:endParaRPr lang="en-US"/>
           </a:p>
         </p:txBody>
       </p:sp>
@@ -12556,20 +12459,12 @@
           <a:bodyPr/>
           <a:lstStyle/>
           <a:p>
-            <a:r>
-              <a:rPr lang="en-US" b="1" dirty="0"/>
-              <a:t/>
-            </a:r>
             <a:br>
               <a:rPr lang="en-US" b="1" dirty="0"/>
             </a:br>
             <a:r>
               <a:rPr lang="en-US" dirty="0"/>
               <a:t>Data Types Contd.. </a:t>
-            </a:r>
-            <a:r>
-              <a:rPr lang="en-US" b="1" dirty="0"/>
-              <a:t/>
             </a:r>
             <a:br>
               <a:rPr lang="en-US" b="1" dirty="0"/>
@@ -12607,21 +12502,21 @@
                 <a:gridCol w="2590800">
                   <a:extLst>
                     <a:ext uri="{9D8B030D-6E8A-4147-A177-3AD203B41FA5}">
-                      <a16:colId xmlns="" xmlns:a16="http://schemas.microsoft.com/office/drawing/2014/main" val="20000"/>
+                      <a16:colId xmlns:a16="http://schemas.microsoft.com/office/drawing/2014/main" val="20000"/>
                     </a:ext>
                   </a:extLst>
                 </a:gridCol>
                 <a:gridCol w="2590800">
                   <a:extLst>
                     <a:ext uri="{9D8B030D-6E8A-4147-A177-3AD203B41FA5}">
-                      <a16:colId xmlns="" xmlns:a16="http://schemas.microsoft.com/office/drawing/2014/main" val="20001"/>
+                      <a16:colId xmlns:a16="http://schemas.microsoft.com/office/drawing/2014/main" val="20001"/>
                     </a:ext>
                   </a:extLst>
                 </a:gridCol>
                 <a:gridCol w="2590800">
                   <a:extLst>
                     <a:ext uri="{9D8B030D-6E8A-4147-A177-3AD203B41FA5}">
-                      <a16:colId xmlns="" xmlns:a16="http://schemas.microsoft.com/office/drawing/2014/main" val="20002"/>
+                      <a16:colId xmlns:a16="http://schemas.microsoft.com/office/drawing/2014/main" val="20002"/>
                     </a:ext>
                   </a:extLst>
                 </a:gridCol>
@@ -12689,7 +12584,7 @@
                 </a:tc>
                 <a:extLst>
                   <a:ext uri="{0D108BD9-81ED-4DB2-BD59-A6C34878D82A}">
-                    <a16:rowId xmlns="" xmlns:a16="http://schemas.microsoft.com/office/drawing/2014/main" val="10000"/>
+                    <a16:rowId xmlns:a16="http://schemas.microsoft.com/office/drawing/2014/main" val="10000"/>
                   </a:ext>
                 </a:extLst>
               </a:tr>
@@ -12762,7 +12657,7 @@
                 </a:tc>
                 <a:extLst>
                   <a:ext uri="{0D108BD9-81ED-4DB2-BD59-A6C34878D82A}">
-                    <a16:rowId xmlns="" xmlns:a16="http://schemas.microsoft.com/office/drawing/2014/main" val="10001"/>
+                    <a16:rowId xmlns:a16="http://schemas.microsoft.com/office/drawing/2014/main" val="10001"/>
                   </a:ext>
                 </a:extLst>
               </a:tr>
@@ -12829,7 +12724,7 @@
                 </a:tc>
                 <a:extLst>
                   <a:ext uri="{0D108BD9-81ED-4DB2-BD59-A6C34878D82A}">
-                    <a16:rowId xmlns="" xmlns:a16="http://schemas.microsoft.com/office/drawing/2014/main" val="10002"/>
+                    <a16:rowId xmlns:a16="http://schemas.microsoft.com/office/drawing/2014/main" val="10002"/>
                   </a:ext>
                 </a:extLst>
               </a:tr>
@@ -12902,7 +12797,7 @@
                 </a:tc>
                 <a:extLst>
                   <a:ext uri="{0D108BD9-81ED-4DB2-BD59-A6C34878D82A}">
-                    <a16:rowId xmlns="" xmlns:a16="http://schemas.microsoft.com/office/drawing/2014/main" val="10003"/>
+                    <a16:rowId xmlns:a16="http://schemas.microsoft.com/office/drawing/2014/main" val="10003"/>
                   </a:ext>
                 </a:extLst>
               </a:tr>
@@ -12969,7 +12864,7 @@
                 </a:tc>
                 <a:extLst>
                   <a:ext uri="{0D108BD9-81ED-4DB2-BD59-A6C34878D82A}">
-                    <a16:rowId xmlns="" xmlns:a16="http://schemas.microsoft.com/office/drawing/2014/main" val="10004"/>
+                    <a16:rowId xmlns:a16="http://schemas.microsoft.com/office/drawing/2014/main" val="10004"/>
                   </a:ext>
                 </a:extLst>
               </a:tr>
@@ -13036,7 +12931,7 @@
                 </a:tc>
                 <a:extLst>
                   <a:ext uri="{0D108BD9-81ED-4DB2-BD59-A6C34878D82A}">
-                    <a16:rowId xmlns="" xmlns:a16="http://schemas.microsoft.com/office/drawing/2014/main" val="10005"/>
+                    <a16:rowId xmlns:a16="http://schemas.microsoft.com/office/drawing/2014/main" val="10005"/>
                   </a:ext>
                 </a:extLst>
               </a:tr>
@@ -13103,7 +12998,7 @@
                 </a:tc>
                 <a:extLst>
                   <a:ext uri="{0D108BD9-81ED-4DB2-BD59-A6C34878D82A}">
-                    <a16:rowId xmlns="" xmlns:a16="http://schemas.microsoft.com/office/drawing/2014/main" val="10006"/>
+                    <a16:rowId xmlns:a16="http://schemas.microsoft.com/office/drawing/2014/main" val="10006"/>
                   </a:ext>
                 </a:extLst>
               </a:tr>
@@ -13170,7 +13065,7 @@
                 </a:tc>
                 <a:extLst>
                   <a:ext uri="{0D108BD9-81ED-4DB2-BD59-A6C34878D82A}">
-                    <a16:rowId xmlns="" xmlns:a16="http://schemas.microsoft.com/office/drawing/2014/main" val="10007"/>
+                    <a16:rowId xmlns:a16="http://schemas.microsoft.com/office/drawing/2014/main" val="10007"/>
                   </a:ext>
                 </a:extLst>
               </a:tr>
@@ -13237,7 +13132,7 @@
                 </a:tc>
                 <a:extLst>
                   <a:ext uri="{0D108BD9-81ED-4DB2-BD59-A6C34878D82A}">
-                    <a16:rowId xmlns="" xmlns:a16="http://schemas.microsoft.com/office/drawing/2014/main" val="10008"/>
+                    <a16:rowId xmlns:a16="http://schemas.microsoft.com/office/drawing/2014/main" val="10008"/>
                   </a:ext>
                 </a:extLst>
               </a:tr>
@@ -13304,7 +13199,7 @@
                 </a:tc>
                 <a:extLst>
                   <a:ext uri="{0D108BD9-81ED-4DB2-BD59-A6C34878D82A}">
-                    <a16:rowId xmlns="" xmlns:a16="http://schemas.microsoft.com/office/drawing/2014/main" val="10009"/>
+                    <a16:rowId xmlns:a16="http://schemas.microsoft.com/office/drawing/2014/main" val="10009"/>
                   </a:ext>
                 </a:extLst>
               </a:tr>
@@ -13371,7 +13266,7 @@
                 </a:tc>
                 <a:extLst>
                   <a:ext uri="{0D108BD9-81ED-4DB2-BD59-A6C34878D82A}">
-                    <a16:rowId xmlns="" xmlns:a16="http://schemas.microsoft.com/office/drawing/2014/main" val="10010"/>
+                    <a16:rowId xmlns:a16="http://schemas.microsoft.com/office/drawing/2014/main" val="10010"/>
                   </a:ext>
                 </a:extLst>
               </a:tr>
@@ -13448,7 +13343,7 @@
                 </a:tc>
                 <a:extLst>
                   <a:ext uri="{0D108BD9-81ED-4DB2-BD59-A6C34878D82A}">
-                    <a16:rowId xmlns="" xmlns:a16="http://schemas.microsoft.com/office/drawing/2014/main" val="10011"/>
+                    <a16:rowId xmlns:a16="http://schemas.microsoft.com/office/drawing/2014/main" val="10011"/>
                   </a:ext>
                 </a:extLst>
               </a:tr>
@@ -13525,7 +13420,7 @@
                 </a:tc>
                 <a:extLst>
                   <a:ext uri="{0D108BD9-81ED-4DB2-BD59-A6C34878D82A}">
-                    <a16:rowId xmlns="" xmlns:a16="http://schemas.microsoft.com/office/drawing/2014/main" val="10012"/>
+                    <a16:rowId xmlns:a16="http://schemas.microsoft.com/office/drawing/2014/main" val="10012"/>
                   </a:ext>
                 </a:extLst>
               </a:tr>
@@ -13602,7 +13497,7 @@
                 </a:tc>
                 <a:extLst>
                   <a:ext uri="{0D108BD9-81ED-4DB2-BD59-A6C34878D82A}">
-                    <a16:rowId xmlns="" xmlns:a16="http://schemas.microsoft.com/office/drawing/2014/main" val="10013"/>
+                    <a16:rowId xmlns:a16="http://schemas.microsoft.com/office/drawing/2014/main" val="10013"/>
                   </a:ext>
                 </a:extLst>
               </a:tr>
@@ -13669,7 +13564,7 @@
                 </a:tc>
                 <a:extLst>
                   <a:ext uri="{0D108BD9-81ED-4DB2-BD59-A6C34878D82A}">
-                    <a16:rowId xmlns="" xmlns:a16="http://schemas.microsoft.com/office/drawing/2014/main" val="10014"/>
+                    <a16:rowId xmlns:a16="http://schemas.microsoft.com/office/drawing/2014/main" val="10014"/>
                   </a:ext>
                 </a:extLst>
               </a:tr>
@@ -13701,7 +13596,7 @@
               </a:spcAft>
             </a:pPr>
             <a:r>
-              <a:rPr lang="en-US" b="0" smtClean="0">
+              <a:rPr lang="en-US" b="0">
                 <a:ea typeface="MS PGothic" pitchFamily="34" charset="-128"/>
               </a:rPr>
               <a:t>OOPs using C++ (CS-102)</a:t>
@@ -13737,10 +13632,9 @@
               <a:defRPr/>
             </a:pPr>
             <a:r>
-              <a:rPr lang="en-US" smtClean="0"/>
+              <a:rPr lang="en-US"/>
               <a:t>Prabhjot Kaur- G4 &amp; G8</a:t>
             </a:r>
-            <a:endParaRPr lang="en-US"/>
           </a:p>
         </p:txBody>
       </p:sp>
@@ -13817,7 +13711,7 @@
           <p:cNvPr id="2" name="Title 1">
             <a:extLst>
               <a:ext uri="{FF2B5EF4-FFF2-40B4-BE49-F238E27FC236}">
-                <a16:creationId xmlns="" xmlns:a16="http://schemas.microsoft.com/office/drawing/2014/main" id="{37D7018F-33B5-4794-B9A1-591403146C76}"/>
+                <a16:creationId xmlns:a16="http://schemas.microsoft.com/office/drawing/2014/main" id="{37D7018F-33B5-4794-B9A1-591403146C76}"/>
               </a:ext>
             </a:extLst>
           </p:cNvPr>
@@ -13851,7 +13745,7 @@
           <p:cNvPr id="3" name="Content Placeholder 2">
             <a:extLst>
               <a:ext uri="{FF2B5EF4-FFF2-40B4-BE49-F238E27FC236}">
-                <a16:creationId xmlns="" xmlns:a16="http://schemas.microsoft.com/office/drawing/2014/main" id="{377436E4-C1F7-432B-A1D2-D8F57F67C19F}"/>
+                <a16:creationId xmlns:a16="http://schemas.microsoft.com/office/drawing/2014/main" id="{377436E4-C1F7-432B-A1D2-D8F57F67C19F}"/>
               </a:ext>
             </a:extLst>
           </p:cNvPr>
@@ -13924,7 +13818,7 @@
           <p:cNvPr id="4" name="Date Placeholder 3">
             <a:extLst>
               <a:ext uri="{FF2B5EF4-FFF2-40B4-BE49-F238E27FC236}">
-                <a16:creationId xmlns="" xmlns:a16="http://schemas.microsoft.com/office/drawing/2014/main" id="{240CCCD0-4BB4-48BB-958E-23C18CE2E60E}"/>
+                <a16:creationId xmlns:a16="http://schemas.microsoft.com/office/drawing/2014/main" id="{240CCCD0-4BB4-48BB-958E-23C18CE2E60E}"/>
               </a:ext>
             </a:extLst>
           </p:cNvPr>
@@ -13949,14 +13843,11 @@
               </a:spcAft>
             </a:pPr>
             <a:r>
-              <a:rPr lang="en-US" smtClean="0">
+              <a:rPr lang="en-US">
                 <a:ea typeface="MS PGothic" pitchFamily="34" charset="-128"/>
               </a:rPr>
               <a:t>OOPs using C++ (CS-102)</a:t>
             </a:r>
-            <a:endParaRPr lang="en-US">
-              <a:ea typeface="MS PGothic" pitchFamily="34" charset="-128"/>
-            </a:endParaRPr>
           </a:p>
         </p:txBody>
       </p:sp>
@@ -13965,7 +13856,7 @@
           <p:cNvPr id="5" name="Footer Placeholder 4">
             <a:extLst>
               <a:ext uri="{FF2B5EF4-FFF2-40B4-BE49-F238E27FC236}">
-                <a16:creationId xmlns="" xmlns:a16="http://schemas.microsoft.com/office/drawing/2014/main" id="{C203E20C-9FF8-46EF-AF49-32C76833382A}"/>
+                <a16:creationId xmlns:a16="http://schemas.microsoft.com/office/drawing/2014/main" id="{C203E20C-9FF8-46EF-AF49-32C76833382A}"/>
               </a:ext>
             </a:extLst>
           </p:cNvPr>
@@ -13991,10 +13882,9 @@
               <a:defRPr/>
             </a:pPr>
             <a:r>
-              <a:rPr lang="en-US" smtClean="0"/>
+              <a:rPr lang="en-US"/>
               <a:t>Prabhjot Kaur- G4 &amp; G8</a:t>
             </a:r>
-            <a:endParaRPr lang="en-US"/>
           </a:p>
         </p:txBody>
       </p:sp>
@@ -14003,7 +13893,7 @@
           <p:cNvPr id="6" name="Slide Number Placeholder 5">
             <a:extLst>
               <a:ext uri="{FF2B5EF4-FFF2-40B4-BE49-F238E27FC236}">
-                <a16:creationId xmlns="" xmlns:a16="http://schemas.microsoft.com/office/drawing/2014/main" id="{768213FB-44B7-4078-B63A-3F5DC6058757}"/>
+                <a16:creationId xmlns:a16="http://schemas.microsoft.com/office/drawing/2014/main" id="{768213FB-44B7-4078-B63A-3F5DC6058757}"/>
               </a:ext>
             </a:extLst>
           </p:cNvPr>
@@ -14052,7 +13942,7 @@
           <p:cNvPr id="8" name="Picture 7">
             <a:extLst>
               <a:ext uri="{FF2B5EF4-FFF2-40B4-BE49-F238E27FC236}">
-                <a16:creationId xmlns="" xmlns:a16="http://schemas.microsoft.com/office/drawing/2014/main" id="{D6B06FE0-D0C8-4279-9146-8B8BA3D87BD0}"/>
+                <a16:creationId xmlns:a16="http://schemas.microsoft.com/office/drawing/2014/main" id="{D6B06FE0-D0C8-4279-9146-8B8BA3D87BD0}"/>
               </a:ext>
             </a:extLst>
           </p:cNvPr>
@@ -14128,17 +14018,9 @@
           <a:bodyPr/>
           <a:lstStyle/>
           <a:p>
-            <a:r>
-              <a:rPr lang="en-US" dirty="0"/>
-              <a:t/>
-            </a:r>
             <a:br>
               <a:rPr lang="en-US" dirty="0"/>
             </a:br>
-            <a:r>
-              <a:rPr lang="en-US" dirty="0"/>
-              <a:t/>
-            </a:r>
             <a:br>
               <a:rPr lang="en-US" dirty="0"/>
             </a:br>
@@ -14149,10 +14031,6 @@
             <a:br>
               <a:rPr lang="en-US" dirty="0"/>
             </a:br>
-            <a:r>
-              <a:rPr lang="en-US" dirty="0"/>
-              <a:t/>
-            </a:r>
             <a:br>
               <a:rPr lang="en-US" dirty="0"/>
             </a:br>
@@ -14184,9 +14062,6 @@
               </a:rPr>
               <a:t>A variable is a name given to a memory location. It is the basic unit of storage in a program. </a:t>
             </a:r>
-            <a:endParaRPr lang="en-US" b="0" i="0" dirty="0" smtClean="0">
-              <a:effectLst/>
-            </a:endParaRPr>
           </a:p>
           <a:p>
             <a:pPr marL="0" indent="0">
@@ -14213,7 +14088,7 @@
               <a:buFont typeface="Arial" panose="020B0604020202020204" pitchFamily="34" charset="0"/>
               <a:buChar char="•"/>
             </a:pPr>
-            <a:endParaRPr lang="en-US" b="0" i="0" dirty="0" smtClean="0">
+            <a:endParaRPr lang="en-US" b="0" i="0" dirty="0">
               <a:effectLst/>
             </a:endParaRPr>
           </a:p>
@@ -14223,16 +14098,10 @@
               <a:buChar char="•"/>
             </a:pPr>
             <a:r>
-              <a:rPr lang="en-US" b="0" i="0" dirty="0" smtClean="0">
-                <a:effectLst/>
-              </a:rPr>
-              <a:t>A </a:t>
-            </a:r>
-            <a:r>
               <a:rPr lang="en-US" b="0" i="0" dirty="0">
                 <a:effectLst/>
               </a:rPr>
-              <a:t>variable is only a name given to a memory location, all the operations done on the variable effects that memory location.</a:t>
+              <a:t>A variable is only a name given to a memory location, all the operations done on the variable effects that memory location.</a:t>
             </a:r>
           </a:p>
           <a:p>
@@ -14240,7 +14109,7 @@
               <a:buFont typeface="Arial" panose="020B0604020202020204" pitchFamily="34" charset="0"/>
               <a:buChar char="•"/>
             </a:pPr>
-            <a:endParaRPr lang="en-US" b="0" i="0" dirty="0" smtClean="0">
+            <a:endParaRPr lang="en-US" b="0" i="0" dirty="0">
               <a:effectLst/>
             </a:endParaRPr>
           </a:p>
@@ -14250,16 +14119,10 @@
               <a:buChar char="•"/>
             </a:pPr>
             <a:r>
-              <a:rPr lang="en-US" b="0" i="0" dirty="0" smtClean="0">
-                <a:effectLst/>
-              </a:rPr>
-              <a:t>In </a:t>
-            </a:r>
-            <a:r>
               <a:rPr lang="en-US" b="0" i="0" dirty="0">
                 <a:effectLst/>
               </a:rPr>
-              <a:t>C++, all the variables must be declared before use.</a:t>
+              <a:t>In C++, all the variables must be declared before use.</a:t>
             </a:r>
           </a:p>
           <a:p>
@@ -14294,14 +14157,11 @@
               </a:spcAft>
             </a:pPr>
             <a:r>
-              <a:rPr lang="en-US" smtClean="0">
+              <a:rPr lang="en-US">
                 <a:ea typeface="MS PGothic" pitchFamily="34" charset="-128"/>
               </a:rPr>
               <a:t>OOPs using C++ (CS-102)</a:t>
             </a:r>
-            <a:endParaRPr lang="en-US">
-              <a:ea typeface="MS PGothic" pitchFamily="34" charset="-128"/>
-            </a:endParaRPr>
           </a:p>
         </p:txBody>
       </p:sp>
@@ -14330,10 +14190,9 @@
               <a:defRPr/>
             </a:pPr>
             <a:r>
-              <a:rPr lang="en-US" smtClean="0"/>
+              <a:rPr lang="en-US"/>
               <a:t>Prabhjot Kaur- G4 &amp; G8</a:t>
             </a:r>
-            <a:endParaRPr lang="en-US"/>
           </a:p>
         </p:txBody>
       </p:sp>
@@ -14510,36 +14369,41 @@
                   <a:srgbClr val="FFFF00"/>
                 </a:highlight>
               </a:rPr>
-              <a:t>type variable1_name, variable2_name, variable3_name</a:t>
-            </a:r>
-            <a:r>
-              <a:rPr lang="en-US" sz="1600" dirty="0" smtClean="0">
+              <a:t>type variable1_name, variable2_name, variable3_name;</a:t>
+            </a:r>
+          </a:p>
+          <a:p>
+            <a:pPr marL="0" indent="0">
+              <a:buNone/>
+            </a:pPr>
+            <a:r>
+              <a:rPr lang="en-US" sz="2400" dirty="0" err="1">
                 <a:highlight>
                   <a:srgbClr val="FFFF00"/>
                 </a:highlight>
               </a:rPr>
-              <a:t>;</a:t>
-            </a:r>
-          </a:p>
-          <a:p>
-            <a:pPr marL="0" indent="0">
-              <a:buNone/>
-            </a:pPr>
-            <a:r>
-              <a:rPr lang="en-US" sz="2400" dirty="0" err="1" smtClean="0">
+              <a:t>int</a:t>
+            </a:r>
+            <a:r>
+              <a:rPr lang="en-US" sz="2400" dirty="0">
                 <a:highlight>
                   <a:srgbClr val="FFFF00"/>
                 </a:highlight>
               </a:rPr>
-              <a:t>int</a:t>
-            </a:r>
-            <a:r>
-              <a:rPr lang="en-US" sz="2400" dirty="0" smtClean="0">
+              <a:t> x;</a:t>
+            </a:r>
+          </a:p>
+          <a:p>
+            <a:pPr marL="0" indent="0">
+              <a:buNone/>
+            </a:pPr>
+            <a:r>
+              <a:rPr lang="en-US" sz="2400" dirty="0">
                 <a:highlight>
                   <a:srgbClr val="FFFF00"/>
                 </a:highlight>
               </a:rPr>
-              <a:t> x;</a:t>
+              <a:t>Int X;</a:t>
             </a:r>
           </a:p>
           <a:p>
@@ -14547,82 +14411,69 @@
               <a:buNone/>
             </a:pPr>
             <a:r>
-              <a:rPr lang="en-US" sz="2400" dirty="0" smtClean="0">
+              <a:rPr lang="en-US" sz="2400" dirty="0" err="1">
                 <a:highlight>
                   <a:srgbClr val="FFFF00"/>
                 </a:highlight>
               </a:rPr>
-              <a:t>Int X;</a:t>
-            </a:r>
-          </a:p>
-          <a:p>
-            <a:pPr marL="0" indent="0">
-              <a:buNone/>
-            </a:pPr>
-            <a:r>
-              <a:rPr lang="en-US" sz="2400" dirty="0" err="1" smtClean="0">
+              <a:t>int</a:t>
+            </a:r>
+            <a:r>
+              <a:rPr lang="en-US" sz="2400" dirty="0">
                 <a:highlight>
                   <a:srgbClr val="FFFF00"/>
                 </a:highlight>
               </a:rPr>
-              <a:t>int</a:t>
-            </a:r>
-            <a:r>
-              <a:rPr lang="en-US" sz="2400" dirty="0" smtClean="0">
+              <a:t> roll no;  (not valid)</a:t>
+            </a:r>
+          </a:p>
+          <a:p>
+            <a:pPr marL="0" indent="0">
+              <a:buNone/>
+            </a:pPr>
+            <a:r>
+              <a:rPr lang="en-US" sz="2400" dirty="0">
                 <a:highlight>
                   <a:srgbClr val="FFFF00"/>
                 </a:highlight>
               </a:rPr>
-              <a:t> roll no;  (not valid)</a:t>
-            </a:r>
-          </a:p>
-          <a:p>
-            <a:pPr marL="0" indent="0">
-              <a:buNone/>
-            </a:pPr>
-            <a:r>
-              <a:rPr lang="en-US" sz="2400" dirty="0" smtClean="0">
+              <a:t>Int </a:t>
+            </a:r>
+            <a:r>
+              <a:rPr lang="en-US" sz="2400" dirty="0" err="1">
                 <a:highlight>
                   <a:srgbClr val="FFFF00"/>
                 </a:highlight>
               </a:rPr>
-              <a:t>Int </a:t>
-            </a:r>
-            <a:r>
-              <a:rPr lang="en-US" sz="2400" dirty="0" err="1" smtClean="0">
+              <a:t>roll_no</a:t>
+            </a:r>
+            <a:r>
+              <a:rPr lang="en-US" sz="2400" dirty="0">
                 <a:highlight>
                   <a:srgbClr val="FFFF00"/>
                 </a:highlight>
               </a:rPr>
-              <a:t>roll_no</a:t>
-            </a:r>
-            <a:r>
-              <a:rPr lang="en-US" sz="2400" dirty="0" smtClean="0">
+              <a:t>;   </a:t>
+            </a:r>
+          </a:p>
+          <a:p>
+            <a:pPr marL="0" indent="0">
+              <a:buNone/>
+            </a:pPr>
+            <a:r>
+              <a:rPr lang="en-US" sz="2400" dirty="0" err="1">
                 <a:highlight>
                   <a:srgbClr val="FFFF00"/>
                 </a:highlight>
               </a:rPr>
-              <a:t>;   </a:t>
-            </a:r>
-          </a:p>
-          <a:p>
-            <a:pPr marL="0" indent="0">
-              <a:buNone/>
-            </a:pPr>
-            <a:r>
-              <a:rPr lang="en-US" sz="2400" dirty="0" err="1" smtClean="0">
+              <a:t>int</a:t>
+            </a:r>
+            <a:r>
+              <a:rPr lang="en-US" sz="2400" dirty="0">
                 <a:highlight>
                   <a:srgbClr val="FFFF00"/>
                 </a:highlight>
               </a:rPr>
-              <a:t>int</a:t>
-            </a:r>
-            <a:r>
-              <a:rPr lang="en-US" sz="2400" dirty="0" smtClean="0">
-                <a:highlight>
-                  <a:srgbClr val="FFFF00"/>
-                </a:highlight>
-              </a:rPr>
               <a:t> x1;</a:t>
             </a:r>
           </a:p>
@@ -14631,7 +14482,7 @@
               <a:buNone/>
             </a:pPr>
             <a:r>
-              <a:rPr lang="en-US" sz="2400" dirty="0" smtClean="0">
+              <a:rPr lang="en-US" sz="2400" dirty="0">
                 <a:highlight>
                   <a:srgbClr val="FFFF00"/>
                 </a:highlight>
@@ -14683,14 +14534,11 @@
               </a:spcAft>
             </a:pPr>
             <a:r>
-              <a:rPr lang="en-US" smtClean="0">
+              <a:rPr lang="en-US">
                 <a:ea typeface="MS PGothic" pitchFamily="34" charset="-128"/>
               </a:rPr>
               <a:t>OOPs using C++ (CS-102)</a:t>
             </a:r>
-            <a:endParaRPr lang="en-US">
-              <a:ea typeface="MS PGothic" pitchFamily="34" charset="-128"/>
-            </a:endParaRPr>
           </a:p>
         </p:txBody>
       </p:sp>
@@ -14719,10 +14567,9 @@
               <a:defRPr/>
             </a:pPr>
             <a:r>
-              <a:rPr lang="en-US" smtClean="0"/>
+              <a:rPr lang="en-US"/>
               <a:t>Prabhjot Kaur- G4 &amp; G8</a:t>
             </a:r>
-            <a:endParaRPr lang="en-US"/>
           </a:p>
         </p:txBody>
       </p:sp>
@@ -14774,7 +14621,7 @@
           <p:cNvPr id="10" name="Title 1">
             <a:extLst>
               <a:ext uri="{FF2B5EF4-FFF2-40B4-BE49-F238E27FC236}">
-                <a16:creationId xmlns="" xmlns:a16="http://schemas.microsoft.com/office/drawing/2014/main" id="{F5F21A28-5131-4DD8-868C-CA04E0159CA4}"/>
+                <a16:creationId xmlns:a16="http://schemas.microsoft.com/office/drawing/2014/main" id="{F5F21A28-5131-4DD8-868C-CA04E0159CA4}"/>
               </a:ext>
             </a:extLst>
           </p:cNvPr>
@@ -14838,7 +14685,7 @@
           <p:cNvPr id="4" name="Date Placeholder 3">
             <a:extLst>
               <a:ext uri="{FF2B5EF4-FFF2-40B4-BE49-F238E27FC236}">
-                <a16:creationId xmlns="" xmlns:a16="http://schemas.microsoft.com/office/drawing/2014/main" id="{31E43014-2B22-4EBD-98D3-E7662EFC05CB}"/>
+                <a16:creationId xmlns:a16="http://schemas.microsoft.com/office/drawing/2014/main" id="{31E43014-2B22-4EBD-98D3-E7662EFC05CB}"/>
               </a:ext>
             </a:extLst>
           </p:cNvPr>
@@ -14863,14 +14710,11 @@
               </a:spcAft>
             </a:pPr>
             <a:r>
-              <a:rPr lang="en-US" smtClean="0">
+              <a:rPr lang="en-US">
                 <a:ea typeface="MS PGothic" pitchFamily="34" charset="-128"/>
               </a:rPr>
               <a:t>OOPs using C++ (CS-102)</a:t>
             </a:r>
-            <a:endParaRPr lang="en-US">
-              <a:ea typeface="MS PGothic" pitchFamily="34" charset="-128"/>
-            </a:endParaRPr>
           </a:p>
         </p:txBody>
       </p:sp>
@@ -14879,7 +14723,7 @@
           <p:cNvPr id="5" name="Footer Placeholder 4">
             <a:extLst>
               <a:ext uri="{FF2B5EF4-FFF2-40B4-BE49-F238E27FC236}">
-                <a16:creationId xmlns="" xmlns:a16="http://schemas.microsoft.com/office/drawing/2014/main" id="{87D30AD4-6FFF-4182-AC90-A92F2BB76AAD}"/>
+                <a16:creationId xmlns:a16="http://schemas.microsoft.com/office/drawing/2014/main" id="{87D30AD4-6FFF-4182-AC90-A92F2BB76AAD}"/>
               </a:ext>
             </a:extLst>
           </p:cNvPr>
@@ -14905,10 +14749,9 @@
               <a:defRPr/>
             </a:pPr>
             <a:r>
-              <a:rPr lang="en-US" smtClean="0"/>
+              <a:rPr lang="en-US"/>
               <a:t>Prabhjot Kaur- G4 &amp; G8</a:t>
             </a:r>
-            <a:endParaRPr lang="en-US"/>
           </a:p>
         </p:txBody>
       </p:sp>
@@ -14917,7 +14760,7 @@
           <p:cNvPr id="6" name="Slide Number Placeholder 5">
             <a:extLst>
               <a:ext uri="{FF2B5EF4-FFF2-40B4-BE49-F238E27FC236}">
-                <a16:creationId xmlns="" xmlns:a16="http://schemas.microsoft.com/office/drawing/2014/main" id="{9DDC204E-29FD-444F-992E-CACD05A2CD71}"/>
+                <a16:creationId xmlns:a16="http://schemas.microsoft.com/office/drawing/2014/main" id="{9DDC204E-29FD-444F-992E-CACD05A2CD71}"/>
               </a:ext>
             </a:extLst>
           </p:cNvPr>
@@ -14966,7 +14809,7 @@
           <p:cNvPr id="7" name="Title 1">
             <a:extLst>
               <a:ext uri="{FF2B5EF4-FFF2-40B4-BE49-F238E27FC236}">
-                <a16:creationId xmlns="" xmlns:a16="http://schemas.microsoft.com/office/drawing/2014/main" id="{CBD4D07A-13BC-432B-AF3F-1D4C9DA4767E}"/>
+                <a16:creationId xmlns:a16="http://schemas.microsoft.com/office/drawing/2014/main" id="{CBD4D07A-13BC-432B-AF3F-1D4C9DA4767E}"/>
               </a:ext>
             </a:extLst>
           </p:cNvPr>
@@ -15000,7 +14843,7 @@
           <p:cNvPr id="2" name="Object 1">
             <a:extLst>
               <a:ext uri="{FF2B5EF4-FFF2-40B4-BE49-F238E27FC236}">
-                <a16:creationId xmlns="" xmlns:a16="http://schemas.microsoft.com/office/drawing/2014/main" id="{B35C430B-607C-4908-9B99-7EC387892265}"/>
+                <a16:creationId xmlns:a16="http://schemas.microsoft.com/office/drawing/2014/main" id="{B35C430B-607C-4908-9B99-7EC387892265}"/>
               </a:ext>
             </a:extLst>
           </p:cNvPr>
@@ -15017,7 +14860,7 @@
           <a:graphicData uri="http://schemas.openxmlformats.org/presentationml/2006/ole">
             <mc:AlternateContent xmlns:mc="http://schemas.openxmlformats.org/markup-compatibility/2006">
               <mc:Choice xmlns:v="urn:schemas-microsoft-com:vml" Requires="v">
-                <p:oleObj spid="_x0000_s1099" name="Bitmap Image" r:id="rId3" imgW="4863960" imgH="3213000" progId="Paint.Picture">
+                <p:oleObj spid="_x0000_s1100" name="Bitmap Image" r:id="rId3" imgW="4863960" imgH="3213000" progId="Paint.Picture">
                   <p:embed/>
                 </p:oleObj>
               </mc:Choice>
@@ -15029,7 +14872,7 @@
                       <p:cNvPr id="2" name="Object 1">
                         <a:extLst>
                           <a:ext uri="{FF2B5EF4-FFF2-40B4-BE49-F238E27FC236}">
-                            <a16:creationId xmlns="" xmlns:a16="http://schemas.microsoft.com/office/drawing/2014/main" id="{B35C430B-607C-4908-9B99-7EC387892265}"/>
+                            <a16:creationId xmlns:a16="http://schemas.microsoft.com/office/drawing/2014/main" id="{B35C430B-607C-4908-9B99-7EC387892265}"/>
                           </a:ext>
                         </a:extLst>
                       </p:cNvPr>
@@ -15093,7 +14936,7 @@
           <p:cNvPr id="2" name="Title 1">
             <a:extLst>
               <a:ext uri="{FF2B5EF4-FFF2-40B4-BE49-F238E27FC236}">
-                <a16:creationId xmlns="" xmlns:a16="http://schemas.microsoft.com/office/drawing/2014/main" id="{FE3B9F29-7CC4-4128-A9F6-35998E58245A}"/>
+                <a16:creationId xmlns:a16="http://schemas.microsoft.com/office/drawing/2014/main" id="{FE3B9F29-7CC4-4128-A9F6-35998E58245A}"/>
               </a:ext>
             </a:extLst>
           </p:cNvPr>
@@ -15122,7 +14965,7 @@
           <p:cNvPr id="3" name="Content Placeholder 2">
             <a:extLst>
               <a:ext uri="{FF2B5EF4-FFF2-40B4-BE49-F238E27FC236}">
-                <a16:creationId xmlns="" xmlns:a16="http://schemas.microsoft.com/office/drawing/2014/main" id="{81C449BA-BD6F-4E7E-A141-2A1F607C9A73}"/>
+                <a16:creationId xmlns:a16="http://schemas.microsoft.com/office/drawing/2014/main" id="{81C449BA-BD6F-4E7E-A141-2A1F607C9A73}"/>
               </a:ext>
             </a:extLst>
           </p:cNvPr>
@@ -15152,15 +14995,7 @@
                   <a:srgbClr val="273239"/>
                 </a:solidFill>
               </a:rPr>
-              <a:t>Scope of </a:t>
-            </a:r>
-            <a:r>
-              <a:rPr lang="en-US" sz="2400" b="1" dirty="0" smtClean="0">
-                <a:solidFill>
-                  <a:srgbClr val="273239"/>
-                </a:solidFill>
-              </a:rPr>
-              <a:t>Variables</a:t>
+              <a:t>Scope of Variables</a:t>
             </a:r>
           </a:p>
           <a:p>
@@ -15185,11 +15020,6 @@
               </a:rPr>
               <a:t>In general, the scope is defined as the extent up to which something can be worked with. In programming also the scope of a variable is defined as the extent of the program code within which the variable can we accessed or declared or worked with. </a:t>
             </a:r>
-            <a:endParaRPr lang="en-US" sz="2400" dirty="0" smtClean="0">
-              <a:solidFill>
-                <a:srgbClr val="273239"/>
-              </a:solidFill>
-            </a:endParaRPr>
           </a:p>
           <a:p>
             <a:pPr marL="0" indent="0" algn="just">
@@ -15206,20 +15036,12 @@
               <a:buNone/>
             </a:pPr>
             <a:r>
-              <a:rPr lang="en-US" sz="2400" dirty="0" smtClean="0">
-                <a:solidFill>
-                  <a:srgbClr val="273239"/>
-                </a:solidFill>
-              </a:rPr>
-              <a:t>There </a:t>
-            </a:r>
-            <a:r>
               <a:rPr lang="en-US" sz="2400" dirty="0">
                 <a:solidFill>
                   <a:srgbClr val="273239"/>
                 </a:solidFill>
               </a:rPr>
-              <a:t>are mainly two types of variable scopes:</a:t>
+              <a:t>There are mainly two types of variable scopes:</a:t>
             </a:r>
           </a:p>
           <a:p>
@@ -15267,7 +15089,7 @@
           <p:cNvPr id="4" name="Date Placeholder 3">
             <a:extLst>
               <a:ext uri="{FF2B5EF4-FFF2-40B4-BE49-F238E27FC236}">
-                <a16:creationId xmlns="" xmlns:a16="http://schemas.microsoft.com/office/drawing/2014/main" id="{3FCB64D4-837E-49D3-B66B-F4D7141E9D39}"/>
+                <a16:creationId xmlns:a16="http://schemas.microsoft.com/office/drawing/2014/main" id="{3FCB64D4-837E-49D3-B66B-F4D7141E9D39}"/>
               </a:ext>
             </a:extLst>
           </p:cNvPr>
@@ -15292,14 +15114,11 @@
               </a:spcAft>
             </a:pPr>
             <a:r>
-              <a:rPr lang="en-US" smtClean="0">
+              <a:rPr lang="en-US">
                 <a:ea typeface="MS PGothic" pitchFamily="34" charset="-128"/>
               </a:rPr>
               <a:t>OOPs using C++ (CS-102)</a:t>
             </a:r>
-            <a:endParaRPr lang="en-US">
-              <a:ea typeface="MS PGothic" pitchFamily="34" charset="-128"/>
-            </a:endParaRPr>
           </a:p>
         </p:txBody>
       </p:sp>
@@ -15308,7 +15127,7 @@
           <p:cNvPr id="5" name="Footer Placeholder 4">
             <a:extLst>
               <a:ext uri="{FF2B5EF4-FFF2-40B4-BE49-F238E27FC236}">
-                <a16:creationId xmlns="" xmlns:a16="http://schemas.microsoft.com/office/drawing/2014/main" id="{C1AA2E0B-F594-4AB8-9B51-20EC75F9A0CE}"/>
+                <a16:creationId xmlns:a16="http://schemas.microsoft.com/office/drawing/2014/main" id="{C1AA2E0B-F594-4AB8-9B51-20EC75F9A0CE}"/>
               </a:ext>
             </a:extLst>
           </p:cNvPr>
@@ -15334,10 +15153,9 @@
               <a:defRPr/>
             </a:pPr>
             <a:r>
-              <a:rPr lang="en-US" smtClean="0"/>
+              <a:rPr lang="en-US"/>
               <a:t>Prabhjot Kaur- G4 &amp; G8</a:t>
             </a:r>
-            <a:endParaRPr lang="en-US"/>
           </a:p>
         </p:txBody>
       </p:sp>
@@ -15346,7 +15164,7 @@
           <p:cNvPr id="6" name="Slide Number Placeholder 5">
             <a:extLst>
               <a:ext uri="{FF2B5EF4-FFF2-40B4-BE49-F238E27FC236}">
-                <a16:creationId xmlns="" xmlns:a16="http://schemas.microsoft.com/office/drawing/2014/main" id="{8708F6CC-EAE9-4F2C-BE2A-D7F574445632}"/>
+                <a16:creationId xmlns:a16="http://schemas.microsoft.com/office/drawing/2014/main" id="{8708F6CC-EAE9-4F2C-BE2A-D7F574445632}"/>
               </a:ext>
             </a:extLst>
           </p:cNvPr>
@@ -15425,7 +15243,7 @@
           <p:cNvPr id="2" name="Title 1">
             <a:extLst>
               <a:ext uri="{FF2B5EF4-FFF2-40B4-BE49-F238E27FC236}">
-                <a16:creationId xmlns="" xmlns:a16="http://schemas.microsoft.com/office/drawing/2014/main" id="{5B513681-65CE-403D-8EA8-C592A62F357D}"/>
+                <a16:creationId xmlns:a16="http://schemas.microsoft.com/office/drawing/2014/main" id="{5B513681-65CE-403D-8EA8-C592A62F357D}"/>
               </a:ext>
             </a:extLst>
           </p:cNvPr>
@@ -15454,7 +15272,7 @@
           <p:cNvPr id="3" name="Content Placeholder 2">
             <a:extLst>
               <a:ext uri="{FF2B5EF4-FFF2-40B4-BE49-F238E27FC236}">
-                <a16:creationId xmlns="" xmlns:a16="http://schemas.microsoft.com/office/drawing/2014/main" id="{76106FA1-4DC1-4108-88DF-E74042608FC0}"/>
+                <a16:creationId xmlns:a16="http://schemas.microsoft.com/office/drawing/2014/main" id="{76106FA1-4DC1-4108-88DF-E74042608FC0}"/>
               </a:ext>
             </a:extLst>
           </p:cNvPr>
@@ -15480,16 +15298,7 @@
                 </a:solidFill>
                 <a:effectLst/>
               </a:rPr>
-              <a:t>Local </a:t>
-            </a:r>
-            <a:r>
-              <a:rPr lang="en-US" b="1" i="0" dirty="0" smtClean="0">
-                <a:solidFill>
-                  <a:srgbClr val="273239"/>
-                </a:solidFill>
-                <a:effectLst/>
-              </a:rPr>
-              <a:t>Variables</a:t>
+              <a:t>Local Variables</a:t>
             </a:r>
           </a:p>
           <a:p>
@@ -15507,22 +15316,13 @@
               <a:buNone/>
             </a:pPr>
             <a:r>
-              <a:rPr lang="en-US" b="0" i="0" dirty="0" smtClean="0">
-                <a:solidFill>
-                  <a:srgbClr val="273239"/>
-                </a:solidFill>
-                <a:effectLst/>
-              </a:rPr>
-              <a:t>Variables </a:t>
-            </a:r>
-            <a:r>
               <a:rPr lang="en-US" b="0" i="0" dirty="0">
                 <a:solidFill>
                   <a:srgbClr val="273239"/>
                 </a:solidFill>
                 <a:effectLst/>
               </a:rPr>
-              <a:t>defined within a function or block are said to be local to those functions.  </a:t>
+              <a:t>Variables defined within a function or block are said to be local to those functions.  </a:t>
             </a:r>
           </a:p>
           <a:p>
@@ -15530,7 +15330,7 @@
               <a:buFont typeface="Arial" panose="020B0604020202020204" pitchFamily="34" charset="0"/>
               <a:buChar char="•"/>
             </a:pPr>
-            <a:endParaRPr lang="en-US" b="0" i="0" dirty="0" smtClean="0">
+            <a:endParaRPr lang="en-US" b="0" i="0" dirty="0">
               <a:solidFill>
                 <a:srgbClr val="273239"/>
               </a:solidFill>
@@ -15543,22 +15343,13 @@
               <a:buChar char="•"/>
             </a:pPr>
             <a:r>
-              <a:rPr lang="en-US" b="0" i="0" dirty="0" smtClean="0">
-                <a:solidFill>
-                  <a:srgbClr val="273239"/>
-                </a:solidFill>
-                <a:effectLst/>
-              </a:rPr>
-              <a:t>Anything </a:t>
-            </a:r>
-            <a:r>
               <a:rPr lang="en-US" b="0" i="0" dirty="0">
                 <a:solidFill>
                   <a:srgbClr val="273239"/>
                 </a:solidFill>
                 <a:effectLst/>
               </a:rPr>
-              <a:t>between ‘{‘ and ‘}’ is said to inside a block.</a:t>
+              <a:t>Anything between ‘{‘ and ‘}’ is said to inside a block.</a:t>
             </a:r>
           </a:p>
           <a:p>
@@ -15566,7 +15357,7 @@
               <a:buFont typeface="Arial" panose="020B0604020202020204" pitchFamily="34" charset="0"/>
               <a:buChar char="•"/>
             </a:pPr>
-            <a:endParaRPr lang="en-US" b="0" i="0" dirty="0" smtClean="0">
+            <a:endParaRPr lang="en-US" b="0" i="0" dirty="0">
               <a:solidFill>
                 <a:srgbClr val="273239"/>
               </a:solidFill>
@@ -15579,22 +15370,13 @@
               <a:buChar char="•"/>
             </a:pPr>
             <a:r>
-              <a:rPr lang="en-US" b="0" i="0" dirty="0" smtClean="0">
-                <a:solidFill>
-                  <a:srgbClr val="273239"/>
-                </a:solidFill>
-                <a:effectLst/>
-              </a:rPr>
-              <a:t>Local </a:t>
-            </a:r>
-            <a:r>
               <a:rPr lang="en-US" b="0" i="0" dirty="0">
                 <a:solidFill>
                   <a:srgbClr val="273239"/>
                 </a:solidFill>
                 <a:effectLst/>
               </a:rPr>
-              <a:t>variables do not exist outside the block in which they are declared, i.e. they </a:t>
+              <a:t>Local variables do not exist outside the block in which they are declared, i.e. they </a:t>
             </a:r>
             <a:r>
               <a:rPr lang="en-US" b="1" i="0" dirty="0">
@@ -15620,7 +15402,7 @@
               <a:buFont typeface="Arial" panose="020B0604020202020204" pitchFamily="34" charset="0"/>
               <a:buChar char="•"/>
             </a:pPr>
-            <a:endParaRPr lang="en-US" b="1" i="0" dirty="0" smtClean="0">
+            <a:endParaRPr lang="en-US" b="1" i="0" dirty="0">
               <a:solidFill>
                 <a:srgbClr val="273239"/>
               </a:solidFill>
@@ -15633,22 +15415,13 @@
               <a:buChar char="•"/>
             </a:pPr>
             <a:r>
-              <a:rPr lang="en-US" b="1" i="0" dirty="0" smtClean="0">
-                <a:solidFill>
-                  <a:srgbClr val="273239"/>
-                </a:solidFill>
-                <a:effectLst/>
-              </a:rPr>
-              <a:t>Declaring </a:t>
-            </a:r>
-            <a:r>
               <a:rPr lang="en-US" b="1" i="0" dirty="0">
                 <a:solidFill>
                   <a:srgbClr val="273239"/>
                 </a:solidFill>
                 <a:effectLst/>
               </a:rPr>
-              <a:t>local variables</a:t>
+              <a:t>Declaring local variables</a:t>
             </a:r>
             <a:r>
               <a:rPr lang="en-US" b="0" i="0" dirty="0">
@@ -15673,7 +15446,7 @@
           <p:cNvPr id="4" name="Date Placeholder 3">
             <a:extLst>
               <a:ext uri="{FF2B5EF4-FFF2-40B4-BE49-F238E27FC236}">
-                <a16:creationId xmlns="" xmlns:a16="http://schemas.microsoft.com/office/drawing/2014/main" id="{2ABC0730-B013-4043-AE09-5E7389B2559C}"/>
+                <a16:creationId xmlns:a16="http://schemas.microsoft.com/office/drawing/2014/main" id="{2ABC0730-B013-4043-AE09-5E7389B2559C}"/>
               </a:ext>
             </a:extLst>
           </p:cNvPr>
@@ -15698,14 +15471,11 @@
               </a:spcAft>
             </a:pPr>
             <a:r>
-              <a:rPr lang="en-US" smtClean="0">
+              <a:rPr lang="en-US">
                 <a:ea typeface="MS PGothic" pitchFamily="34" charset="-128"/>
               </a:rPr>
               <a:t>OOPs using C++ (CS-102)</a:t>
             </a:r>
-            <a:endParaRPr lang="en-US">
-              <a:ea typeface="MS PGothic" pitchFamily="34" charset="-128"/>
-            </a:endParaRPr>
           </a:p>
         </p:txBody>
       </p:sp>
@@ -15714,7 +15484,7 @@
           <p:cNvPr id="5" name="Footer Placeholder 4">
             <a:extLst>
               <a:ext uri="{FF2B5EF4-FFF2-40B4-BE49-F238E27FC236}">
-                <a16:creationId xmlns="" xmlns:a16="http://schemas.microsoft.com/office/drawing/2014/main" id="{9E185E17-A676-423F-91F5-478F7072BA02}"/>
+                <a16:creationId xmlns:a16="http://schemas.microsoft.com/office/drawing/2014/main" id="{9E185E17-A676-423F-91F5-478F7072BA02}"/>
               </a:ext>
             </a:extLst>
           </p:cNvPr>
@@ -15740,10 +15510,9 @@
               <a:defRPr/>
             </a:pPr>
             <a:r>
-              <a:rPr lang="en-US" smtClean="0"/>
+              <a:rPr lang="en-US"/>
               <a:t>Prabhjot Kaur- G4 &amp; G8</a:t>
             </a:r>
-            <a:endParaRPr lang="en-US"/>
           </a:p>
         </p:txBody>
       </p:sp>
@@ -15752,7 +15521,7 @@
           <p:cNvPr id="6" name="Slide Number Placeholder 5">
             <a:extLst>
               <a:ext uri="{FF2B5EF4-FFF2-40B4-BE49-F238E27FC236}">
-                <a16:creationId xmlns="" xmlns:a16="http://schemas.microsoft.com/office/drawing/2014/main" id="{12971D3B-71FD-4044-84FD-1E6F101FA827}"/>
+                <a16:creationId xmlns:a16="http://schemas.microsoft.com/office/drawing/2014/main" id="{12971D3B-71FD-4044-84FD-1E6F101FA827}"/>
               </a:ext>
             </a:extLst>
           </p:cNvPr>
@@ -15831,7 +15600,7 @@
           <p:cNvPr id="2" name="Title 1">
             <a:extLst>
               <a:ext uri="{FF2B5EF4-FFF2-40B4-BE49-F238E27FC236}">
-                <a16:creationId xmlns="" xmlns:a16="http://schemas.microsoft.com/office/drawing/2014/main" id="{4CE9D3E9-0664-4E69-957D-E27AA2C13B7D}"/>
+                <a16:creationId xmlns:a16="http://schemas.microsoft.com/office/drawing/2014/main" id="{4CE9D3E9-0664-4E69-957D-E27AA2C13B7D}"/>
               </a:ext>
             </a:extLst>
           </p:cNvPr>
@@ -15860,7 +15629,7 @@
           <p:cNvPr id="3" name="Content Placeholder 2">
             <a:extLst>
               <a:ext uri="{FF2B5EF4-FFF2-40B4-BE49-F238E27FC236}">
-                <a16:creationId xmlns="" xmlns:a16="http://schemas.microsoft.com/office/drawing/2014/main" id="{D365AFAA-4AD2-4134-90B6-74FEFCDF0456}"/>
+                <a16:creationId xmlns:a16="http://schemas.microsoft.com/office/drawing/2014/main" id="{D365AFAA-4AD2-4134-90B6-74FEFCDF0456}"/>
               </a:ext>
             </a:extLst>
           </p:cNvPr>
@@ -15915,10 +15684,9 @@
               <a:t>std</a:t>
             </a:r>
             <a:r>
-              <a:rPr lang="en-IN" sz="1400" dirty="0" smtClean="0"/>
+              <a:rPr lang="en-IN" sz="1400" dirty="0"/>
               <a:t>;</a:t>
             </a:r>
-            <a:endParaRPr lang="en-IN" sz="1400" dirty="0"/>
           </a:p>
           <a:p>
             <a:pPr marL="0" indent="0">
@@ -15926,13 +15694,8 @@
             </a:pPr>
             <a:r>
               <a:rPr lang="en-IN" sz="1400" dirty="0"/>
-              <a:t>void test</a:t>
-            </a:r>
-            <a:r>
-              <a:rPr lang="en-IN" sz="1400" dirty="0" smtClean="0"/>
-              <a:t>();</a:t>
-            </a:r>
-            <a:endParaRPr lang="en-IN" sz="1400" dirty="0"/>
+              <a:t>void test();</a:t>
+            </a:r>
           </a:p>
           <a:p>
             <a:pPr marL="0" indent="0">
@@ -15983,13 +15746,8 @@
             </a:r>
             <a:r>
               <a:rPr lang="en-IN" sz="3200" dirty="0"/>
-              <a:t> var = 5</a:t>
-            </a:r>
-            <a:r>
-              <a:rPr lang="en-IN" sz="3200" dirty="0" smtClean="0"/>
-              <a:t>;</a:t>
-            </a:r>
-            <a:endParaRPr lang="en-IN" sz="3200" dirty="0"/>
+              <a:t> var = 5;</a:t>
+            </a:r>
           </a:p>
           <a:p>
             <a:pPr marL="0" indent="0">
@@ -15997,13 +15755,8 @@
             </a:pPr>
             <a:r>
               <a:rPr lang="en-IN" sz="1200" dirty="0"/>
-              <a:t>    test</a:t>
-            </a:r>
-            <a:r>
-              <a:rPr lang="en-IN" sz="1200" dirty="0" smtClean="0"/>
-              <a:t>();  //call the function</a:t>
-            </a:r>
-            <a:endParaRPr lang="en-IN" sz="1200" dirty="0"/>
+              <a:t>    test();  //call the function</a:t>
+            </a:r>
           </a:p>
           <a:p>
             <a:pPr marL="0" indent="0">
@@ -16028,10 +15781,9 @@
               <a:buNone/>
             </a:pPr>
             <a:r>
-              <a:rPr lang="en-IN" sz="1600" dirty="0" smtClean="0"/>
+              <a:rPr lang="en-IN" sz="1600" dirty="0"/>
               <a:t>}</a:t>
             </a:r>
-            <a:endParaRPr lang="en-IN" sz="1600" dirty="0"/>
           </a:p>
           <a:p>
             <a:pPr marL="0" indent="0">
@@ -16087,13 +15839,8 @@
             </a:r>
             <a:r>
               <a:rPr lang="en-IN" sz="2400" dirty="0"/>
-              <a:t>var1 = 6</a:t>
-            </a:r>
-            <a:r>
-              <a:rPr lang="en-IN" sz="2400" dirty="0" smtClean="0"/>
-              <a:t>;</a:t>
-            </a:r>
-            <a:endParaRPr lang="en-IN" sz="2400" dirty="0"/>
+              <a:t>var1 = 6;</a:t>
+            </a:r>
           </a:p>
           <a:p>
             <a:pPr marL="0" indent="0">
@@ -16137,7 +15884,7 @@
           <p:cNvPr id="4" name="Date Placeholder 3">
             <a:extLst>
               <a:ext uri="{FF2B5EF4-FFF2-40B4-BE49-F238E27FC236}">
-                <a16:creationId xmlns="" xmlns:a16="http://schemas.microsoft.com/office/drawing/2014/main" id="{19C1E1BD-C097-4DDC-AC5D-E82A761F51D3}"/>
+                <a16:creationId xmlns:a16="http://schemas.microsoft.com/office/drawing/2014/main" id="{19C1E1BD-C097-4DDC-AC5D-E82A761F51D3}"/>
               </a:ext>
             </a:extLst>
           </p:cNvPr>
@@ -16162,14 +15909,11 @@
               </a:spcAft>
             </a:pPr>
             <a:r>
-              <a:rPr lang="en-US" smtClean="0">
+              <a:rPr lang="en-US">
                 <a:ea typeface="MS PGothic" pitchFamily="34" charset="-128"/>
               </a:rPr>
               <a:t>OOPs using C++ (CS-102)</a:t>
             </a:r>
-            <a:endParaRPr lang="en-US">
-              <a:ea typeface="MS PGothic" pitchFamily="34" charset="-128"/>
-            </a:endParaRPr>
           </a:p>
         </p:txBody>
       </p:sp>
@@ -16178,7 +15922,7 @@
           <p:cNvPr id="5" name="Footer Placeholder 4">
             <a:extLst>
               <a:ext uri="{FF2B5EF4-FFF2-40B4-BE49-F238E27FC236}">
-                <a16:creationId xmlns="" xmlns:a16="http://schemas.microsoft.com/office/drawing/2014/main" id="{B0CADF26-CE02-4E45-8983-BA31185837A6}"/>
+                <a16:creationId xmlns:a16="http://schemas.microsoft.com/office/drawing/2014/main" id="{B0CADF26-CE02-4E45-8983-BA31185837A6}"/>
               </a:ext>
             </a:extLst>
           </p:cNvPr>
@@ -16204,10 +15948,9 @@
               <a:defRPr/>
             </a:pPr>
             <a:r>
-              <a:rPr lang="en-US" smtClean="0"/>
+              <a:rPr lang="en-US"/>
               <a:t>Prabhjot Kaur- G4 &amp; G8</a:t>
             </a:r>
-            <a:endParaRPr lang="en-US"/>
           </a:p>
         </p:txBody>
       </p:sp>
@@ -16216,7 +15959,7 @@
           <p:cNvPr id="6" name="Slide Number Placeholder 5">
             <a:extLst>
               <a:ext uri="{FF2B5EF4-FFF2-40B4-BE49-F238E27FC236}">
-                <a16:creationId xmlns="" xmlns:a16="http://schemas.microsoft.com/office/drawing/2014/main" id="{9FF5141B-CF0E-4850-BE72-ED886494CEB1}"/>
+                <a16:creationId xmlns:a16="http://schemas.microsoft.com/office/drawing/2014/main" id="{9FF5141B-CF0E-4850-BE72-ED886494CEB1}"/>
               </a:ext>
             </a:extLst>
           </p:cNvPr>
@@ -16295,7 +16038,7 @@
           <p:cNvPr id="2" name="Title 1">
             <a:extLst>
               <a:ext uri="{FF2B5EF4-FFF2-40B4-BE49-F238E27FC236}">
-                <a16:creationId xmlns="" xmlns:a16="http://schemas.microsoft.com/office/drawing/2014/main" id="{77470D4A-CDE5-4A0F-B9DC-1151D401D307}"/>
+                <a16:creationId xmlns:a16="http://schemas.microsoft.com/office/drawing/2014/main" id="{77470D4A-CDE5-4A0F-B9DC-1151D401D307}"/>
               </a:ext>
             </a:extLst>
           </p:cNvPr>
@@ -16324,7 +16067,7 @@
           <p:cNvPr id="3" name="Content Placeholder 2">
             <a:extLst>
               <a:ext uri="{FF2B5EF4-FFF2-40B4-BE49-F238E27FC236}">
-                <a16:creationId xmlns="" xmlns:a16="http://schemas.microsoft.com/office/drawing/2014/main" id="{2DA16F74-616B-4A8E-8AAC-45A8AE514545}"/>
+                <a16:creationId xmlns:a16="http://schemas.microsoft.com/office/drawing/2014/main" id="{2DA16F74-616B-4A8E-8AAC-45A8AE514545}"/>
               </a:ext>
             </a:extLst>
           </p:cNvPr>
@@ -16369,16 +16112,7 @@
                 </a:solidFill>
                 <a:effectLst/>
               </a:rPr>
-              <a:t>As the name suggests, Global Variables can be accessed from any part of the program</a:t>
-            </a:r>
-            <a:r>
-              <a:rPr lang="en-US" sz="2400" b="0" i="0" dirty="0" smtClean="0">
-                <a:solidFill>
-                  <a:srgbClr val="273239"/>
-                </a:solidFill>
-                <a:effectLst/>
-              </a:rPr>
-              <a:t>.</a:t>
+              <a:t>As the name suggests, Global Variables can be accessed from any part of the program.</a:t>
             </a:r>
           </a:p>
           <a:p>
@@ -16412,7 +16146,7 @@
               <a:buFont typeface="Arial" panose="020B0604020202020204" pitchFamily="34" charset="0"/>
               <a:buChar char="•"/>
             </a:pPr>
-            <a:endParaRPr lang="en-US" sz="2400" b="0" i="0" dirty="0" smtClean="0">
+            <a:endParaRPr lang="en-US" sz="2400" b="0" i="0" dirty="0">
               <a:solidFill>
                 <a:srgbClr val="273239"/>
               </a:solidFill>
@@ -16425,22 +16159,13 @@
               <a:buChar char="•"/>
             </a:pPr>
             <a:r>
-              <a:rPr lang="en-US" sz="2400" b="0" i="0" dirty="0" smtClean="0">
-                <a:solidFill>
-                  <a:srgbClr val="273239"/>
-                </a:solidFill>
-                <a:effectLst/>
-              </a:rPr>
-              <a:t>They </a:t>
-            </a:r>
-            <a:r>
               <a:rPr lang="en-US" sz="2400" b="0" i="0" dirty="0">
                 <a:solidFill>
                   <a:srgbClr val="273239"/>
                 </a:solidFill>
                 <a:effectLst/>
               </a:rPr>
-              <a:t>are declared at the top of the program outside all of the functions or blocks.</a:t>
+              <a:t>They are declared at the top of the program outside all of the functions or blocks.</a:t>
             </a:r>
           </a:p>
           <a:p>
@@ -16448,7 +16173,7 @@
               <a:buFont typeface="Arial" panose="020B0604020202020204" pitchFamily="34" charset="0"/>
               <a:buChar char="•"/>
             </a:pPr>
-            <a:endParaRPr lang="en-US" sz="2400" b="1" i="0" dirty="0" smtClean="0">
+            <a:endParaRPr lang="en-US" sz="2400" b="1" i="0" dirty="0">
               <a:solidFill>
                 <a:srgbClr val="273239"/>
               </a:solidFill>
@@ -16461,22 +16186,13 @@
               <a:buChar char="•"/>
             </a:pPr>
             <a:r>
-              <a:rPr lang="en-US" sz="2400" b="1" i="0" dirty="0" smtClean="0">
-                <a:solidFill>
-                  <a:srgbClr val="273239"/>
-                </a:solidFill>
-                <a:effectLst/>
-              </a:rPr>
-              <a:t>Declaring </a:t>
-            </a:r>
-            <a:r>
               <a:rPr lang="en-US" sz="2400" b="1" i="0" dirty="0">
                 <a:solidFill>
                   <a:srgbClr val="273239"/>
                 </a:solidFill>
                 <a:effectLst/>
               </a:rPr>
-              <a:t>global variables</a:t>
+              <a:t>Declaring global variables</a:t>
             </a:r>
             <a:r>
               <a:rPr lang="en-US" sz="2400" b="0" i="0" dirty="0">
@@ -16495,7 +16211,7 @@
           <p:cNvPr id="4" name="Date Placeholder 3">
             <a:extLst>
               <a:ext uri="{FF2B5EF4-FFF2-40B4-BE49-F238E27FC236}">
-                <a16:creationId xmlns="" xmlns:a16="http://schemas.microsoft.com/office/drawing/2014/main" id="{1B9885E4-D573-4DAD-9C46-358E19E252E0}"/>
+                <a16:creationId xmlns:a16="http://schemas.microsoft.com/office/drawing/2014/main" id="{1B9885E4-D573-4DAD-9C46-358E19E252E0}"/>
               </a:ext>
             </a:extLst>
           </p:cNvPr>
@@ -16520,14 +16236,11 @@
               </a:spcAft>
             </a:pPr>
             <a:r>
-              <a:rPr lang="en-US" smtClean="0">
+              <a:rPr lang="en-US">
                 <a:ea typeface="MS PGothic" pitchFamily="34" charset="-128"/>
               </a:rPr>
               <a:t>OOPs using C++ (CS-102)</a:t>
             </a:r>
-            <a:endParaRPr lang="en-US">
-              <a:ea typeface="MS PGothic" pitchFamily="34" charset="-128"/>
-            </a:endParaRPr>
           </a:p>
         </p:txBody>
       </p:sp>
@@ -16536,7 +16249,7 @@
           <p:cNvPr id="5" name="Footer Placeholder 4">
             <a:extLst>
               <a:ext uri="{FF2B5EF4-FFF2-40B4-BE49-F238E27FC236}">
-                <a16:creationId xmlns="" xmlns:a16="http://schemas.microsoft.com/office/drawing/2014/main" id="{F42EDD55-6017-40FB-BD2D-E4CEB99152F6}"/>
+                <a16:creationId xmlns:a16="http://schemas.microsoft.com/office/drawing/2014/main" id="{F42EDD55-6017-40FB-BD2D-E4CEB99152F6}"/>
               </a:ext>
             </a:extLst>
           </p:cNvPr>
@@ -16562,10 +16275,9 @@
               <a:defRPr/>
             </a:pPr>
             <a:r>
-              <a:rPr lang="en-US" smtClean="0"/>
+              <a:rPr lang="en-US"/>
               <a:t>Prabhjot Kaur- G4 &amp; G8</a:t>
             </a:r>
-            <a:endParaRPr lang="en-US"/>
           </a:p>
         </p:txBody>
       </p:sp>
@@ -16574,7 +16286,7 @@
           <p:cNvPr id="6" name="Slide Number Placeholder 5">
             <a:extLst>
               <a:ext uri="{FF2B5EF4-FFF2-40B4-BE49-F238E27FC236}">
-                <a16:creationId xmlns="" xmlns:a16="http://schemas.microsoft.com/office/drawing/2014/main" id="{A5A7732B-BA21-4468-810D-20A62909E4E9}"/>
+                <a16:creationId xmlns:a16="http://schemas.microsoft.com/office/drawing/2014/main" id="{A5A7732B-BA21-4468-810D-20A62909E4E9}"/>
               </a:ext>
             </a:extLst>
           </p:cNvPr>
@@ -16653,7 +16365,7 @@
           <p:cNvPr id="2" name="Title 1">
             <a:extLst>
               <a:ext uri="{FF2B5EF4-FFF2-40B4-BE49-F238E27FC236}">
-                <a16:creationId xmlns="" xmlns:a16="http://schemas.microsoft.com/office/drawing/2014/main" id="{C93AD6ED-E7E5-405C-AE13-A4C925A9196B}"/>
+                <a16:creationId xmlns:a16="http://schemas.microsoft.com/office/drawing/2014/main" id="{C93AD6ED-E7E5-405C-AE13-A4C925A9196B}"/>
               </a:ext>
             </a:extLst>
           </p:cNvPr>
@@ -16682,7 +16394,7 @@
           <p:cNvPr id="3" name="Content Placeholder 2">
             <a:extLst>
               <a:ext uri="{FF2B5EF4-FFF2-40B4-BE49-F238E27FC236}">
-                <a16:creationId xmlns="" xmlns:a16="http://schemas.microsoft.com/office/drawing/2014/main" id="{04736F8B-DF8E-4827-8116-85F703C2E438}"/>
+                <a16:creationId xmlns:a16="http://schemas.microsoft.com/office/drawing/2014/main" id="{04736F8B-DF8E-4827-8116-85F703C2E438}"/>
               </a:ext>
             </a:extLst>
           </p:cNvPr>
@@ -16731,13 +16443,8 @@
             </a:pPr>
             <a:r>
               <a:rPr lang="en-IN" sz="1800" dirty="0"/>
-              <a:t>int global = 5</a:t>
-            </a:r>
-            <a:r>
-              <a:rPr lang="en-IN" sz="1800" dirty="0" smtClean="0"/>
-              <a:t>;    //Global variables</a:t>
-            </a:r>
-            <a:endParaRPr lang="en-IN" sz="1800" dirty="0"/>
+              <a:t>int global = 5;    //Global variables</a:t>
+            </a:r>
           </a:p>
           <a:p>
             <a:pPr marL="0" indent="0">
@@ -16815,17 +16522,12 @@
             </a:pPr>
             <a:r>
               <a:rPr lang="en-IN" sz="2000" dirty="0"/>
-              <a:t>	display</a:t>
-            </a:r>
-            <a:r>
-              <a:rPr lang="en-IN" sz="2000" dirty="0" smtClean="0"/>
-              <a:t>();   //calling of function   </a:t>
-            </a:r>
-            <a:r>
-              <a:rPr lang="en-IN" sz="2000" b="1" dirty="0" smtClean="0"/>
+              <a:t>	display();   //calling of function   </a:t>
+            </a:r>
+            <a:r>
+              <a:rPr lang="en-IN" sz="2000" b="1" dirty="0"/>
               <a:t>//5</a:t>
             </a:r>
-            <a:endParaRPr lang="en-IN" sz="2000" b="1" dirty="0"/>
           </a:p>
           <a:p>
             <a:pPr marL="0" indent="0">
@@ -16851,13 +16553,8 @@
             </a:pPr>
             <a:r>
               <a:rPr lang="en-IN" sz="2000" dirty="0"/>
-              <a:t>	display</a:t>
-            </a:r>
-            <a:r>
-              <a:rPr lang="en-IN" sz="2000" dirty="0" smtClean="0"/>
-              <a:t>();    //10</a:t>
-            </a:r>
-            <a:endParaRPr lang="en-IN" sz="2000" dirty="0"/>
+              <a:t>	display();    //10</a:t>
+            </a:r>
           </a:p>
           <a:p>
             <a:pPr marL="0" indent="0">
@@ -16878,7 +16575,7 @@
           <p:cNvPr id="4" name="Date Placeholder 3">
             <a:extLst>
               <a:ext uri="{FF2B5EF4-FFF2-40B4-BE49-F238E27FC236}">
-                <a16:creationId xmlns="" xmlns:a16="http://schemas.microsoft.com/office/drawing/2014/main" id="{3DFDF059-D1CF-412D-97EA-1D209D29A1D1}"/>
+                <a16:creationId xmlns:a16="http://schemas.microsoft.com/office/drawing/2014/main" id="{3DFDF059-D1CF-412D-97EA-1D209D29A1D1}"/>
               </a:ext>
             </a:extLst>
           </p:cNvPr>
@@ -16903,14 +16600,11 @@
               </a:spcAft>
             </a:pPr>
             <a:r>
-              <a:rPr lang="en-US" smtClean="0">
+              <a:rPr lang="en-US">
                 <a:ea typeface="MS PGothic" pitchFamily="34" charset="-128"/>
               </a:rPr>
               <a:t>OOPs using C++ (CS-102)</a:t>
             </a:r>
-            <a:endParaRPr lang="en-US">
-              <a:ea typeface="MS PGothic" pitchFamily="34" charset="-128"/>
-            </a:endParaRPr>
           </a:p>
         </p:txBody>
       </p:sp>
@@ -16919,7 +16613,7 @@
           <p:cNvPr id="5" name="Footer Placeholder 4">
             <a:extLst>
               <a:ext uri="{FF2B5EF4-FFF2-40B4-BE49-F238E27FC236}">
-                <a16:creationId xmlns="" xmlns:a16="http://schemas.microsoft.com/office/drawing/2014/main" id="{1DD845B7-5F4B-4E57-8431-966387945DA0}"/>
+                <a16:creationId xmlns:a16="http://schemas.microsoft.com/office/drawing/2014/main" id="{1DD845B7-5F4B-4E57-8431-966387945DA0}"/>
               </a:ext>
             </a:extLst>
           </p:cNvPr>
@@ -16945,10 +16639,9 @@
               <a:defRPr/>
             </a:pPr>
             <a:r>
-              <a:rPr lang="en-US" smtClean="0"/>
+              <a:rPr lang="en-US"/>
               <a:t>Prabhjot Kaur- G4 &amp; G8</a:t>
             </a:r>
-            <a:endParaRPr lang="en-US"/>
           </a:p>
         </p:txBody>
       </p:sp>
@@ -16957,7 +16650,7 @@
           <p:cNvPr id="6" name="Slide Number Placeholder 5">
             <a:extLst>
               <a:ext uri="{FF2B5EF4-FFF2-40B4-BE49-F238E27FC236}">
-                <a16:creationId xmlns="" xmlns:a16="http://schemas.microsoft.com/office/drawing/2014/main" id="{50A2B154-5B07-4F2C-9220-9529E46D41B2}"/>
+                <a16:creationId xmlns:a16="http://schemas.microsoft.com/office/drawing/2014/main" id="{50A2B154-5B07-4F2C-9220-9529E46D41B2}"/>
               </a:ext>
             </a:extLst>
           </p:cNvPr>
@@ -17072,21 +16765,16 @@
           <a:p>
             <a:r>
               <a:rPr lang="en-IN" sz="1600" dirty="0"/>
-              <a:t>#</a:t>
-            </a:r>
-            <a:r>
-              <a:rPr lang="en-IN" sz="1600" dirty="0" smtClean="0"/>
-              <a:t>include&lt;</a:t>
-            </a:r>
-            <a:r>
-              <a:rPr lang="en-IN" sz="1600" dirty="0" err="1" smtClean="0"/>
+              <a:t>#include&lt;</a:t>
+            </a:r>
+            <a:r>
+              <a:rPr lang="en-IN" sz="1600" dirty="0" err="1"/>
               <a:t>iostream</a:t>
             </a:r>
             <a:r>
-              <a:rPr lang="en-IN" sz="1600" dirty="0" smtClean="0"/>
+              <a:rPr lang="en-IN" sz="1600" dirty="0"/>
               <a:t>&gt;</a:t>
             </a:r>
-            <a:endParaRPr lang="en-IN" sz="1600" dirty="0"/>
           </a:p>
           <a:p>
             <a:r>
@@ -17098,10 +16786,9 @@
               <a:t>std</a:t>
             </a:r>
             <a:r>
-              <a:rPr lang="en-IN" sz="2800" dirty="0" smtClean="0"/>
+              <a:rPr lang="en-IN" sz="2800" dirty="0"/>
               <a:t>;</a:t>
             </a:r>
-            <a:endParaRPr lang="en-IN" sz="2800" dirty="0"/>
           </a:p>
           <a:p>
             <a:r>
@@ -17116,24 +16803,14 @@
             </a:r>
             <a:r>
               <a:rPr lang="en-IN" sz="2000" b="1" dirty="0"/>
-              <a:t> c = 12</a:t>
-            </a:r>
-            <a:r>
-              <a:rPr lang="en-IN" sz="2000" b="1" dirty="0" smtClean="0"/>
-              <a:t>;</a:t>
-            </a:r>
-            <a:endParaRPr lang="en-IN" sz="2000" b="1" dirty="0"/>
+              <a:t> c = 12;</a:t>
+            </a:r>
           </a:p>
           <a:p>
             <a:r>
               <a:rPr lang="en-IN" sz="1600" dirty="0"/>
-              <a:t>void test</a:t>
-            </a:r>
-            <a:r>
-              <a:rPr lang="en-IN" sz="1600" dirty="0" smtClean="0"/>
-              <a:t>();</a:t>
-            </a:r>
-            <a:endParaRPr lang="en-IN" sz="1600" dirty="0"/>
+              <a:t>void test();</a:t>
+            </a:r>
           </a:p>
           <a:p>
             <a:r>
@@ -17158,21 +16835,16 @@
             </a:r>
             <a:r>
               <a:rPr lang="en-IN" sz="2400" dirty="0"/>
-              <a:t> ++c</a:t>
-            </a:r>
-            <a:r>
-              <a:rPr lang="en-IN" sz="2400" dirty="0" smtClean="0"/>
-              <a:t>;  </a:t>
-            </a:r>
-            <a:r>
-              <a:rPr lang="en-IN" sz="2400" dirty="0" err="1" smtClean="0"/>
+              <a:t> ++c;  </a:t>
+            </a:r>
+            <a:r>
+              <a:rPr lang="en-IN" sz="2400" dirty="0" err="1"/>
               <a:t>c++</a:t>
             </a:r>
             <a:r>
-              <a:rPr lang="en-IN" sz="2400" dirty="0" smtClean="0"/>
+              <a:rPr lang="en-IN" sz="2400" dirty="0"/>
               <a:t>;</a:t>
             </a:r>
-            <a:endParaRPr lang="en-IN" sz="2400" dirty="0"/>
           </a:p>
           <a:p>
             <a:r>
@@ -17182,16 +16854,12 @@
           </a:p>
           <a:p>
             <a:r>
-              <a:rPr lang="en-IN" sz="3200" dirty="0" err="1" smtClean="0"/>
+              <a:rPr lang="en-IN" sz="3200" dirty="0" err="1"/>
               <a:t>cout</a:t>
             </a:r>
             <a:r>
-              <a:rPr lang="en-IN" sz="3200" dirty="0" smtClean="0"/>
-              <a:t> </a:t>
-            </a:r>
-            <a:r>
               <a:rPr lang="en-IN" sz="3200" dirty="0"/>
-              <a:t>&lt;&lt; c &lt;&lt;</a:t>
+              <a:t> &lt;&lt; c &lt;&lt;</a:t>
             </a:r>
             <a:r>
               <a:rPr lang="en-IN" sz="3200" dirty="0" err="1"/>
@@ -17206,13 +16874,8 @@
           <a:p>
             <a:r>
               <a:rPr lang="en-IN" sz="1600" dirty="0"/>
-              <a:t>    test</a:t>
-            </a:r>
-            <a:r>
-              <a:rPr lang="en-IN" sz="1600" dirty="0" smtClean="0"/>
-              <a:t>();</a:t>
-            </a:r>
-            <a:endParaRPr lang="en-IN" sz="1600" dirty="0"/>
+              <a:t>    test();</a:t>
+            </a:r>
           </a:p>
           <a:p>
             <a:r>
@@ -17222,10 +16885,9 @@
           </a:p>
           <a:p>
             <a:r>
-              <a:rPr lang="en-IN" sz="1600" dirty="0" smtClean="0"/>
+              <a:rPr lang="en-IN" sz="1600" dirty="0"/>
               <a:t>}</a:t>
             </a:r>
-            <a:endParaRPr lang="en-IN" sz="1600" dirty="0"/>
           </a:p>
           <a:p>
             <a:r>
@@ -17242,13 +16904,8 @@
           <a:p>
             <a:r>
               <a:rPr lang="en-IN" sz="1600" dirty="0"/>
-              <a:t>    ++c</a:t>
-            </a:r>
-            <a:r>
-              <a:rPr lang="en-IN" sz="1600" dirty="0" smtClean="0"/>
-              <a:t>;</a:t>
-            </a:r>
-            <a:endParaRPr lang="en-IN" sz="1600" dirty="0"/>
+              <a:t>    ++c;</a:t>
+            </a:r>
           </a:p>
           <a:p>
             <a:r>
@@ -17294,10 +16951,9 @@
           <a:lstStyle/>
           <a:p>
             <a:r>
-              <a:rPr lang="en-US" smtClean="0"/>
+              <a:rPr lang="en-US"/>
               <a:t>OOPs using C++ (CS-102)</a:t>
             </a:r>
-            <a:endParaRPr lang="en-US"/>
           </a:p>
         </p:txBody>
       </p:sp>
@@ -17320,10 +16976,9 @@
               <a:defRPr/>
             </a:pPr>
             <a:r>
-              <a:rPr lang="en-US" smtClean="0"/>
+              <a:rPr lang="en-US"/>
               <a:t>Prabhjot Kaur- G4 &amp; G8</a:t>
             </a:r>
-            <a:endParaRPr lang="en-US"/>
           </a:p>
         </p:txBody>
       </p:sp>
@@ -17396,20 +17051,12 @@
           <a:bodyPr/>
           <a:lstStyle/>
           <a:p>
-            <a:r>
-              <a:rPr lang="en-US" b="1" dirty="0"/>
-              <a:t/>
-            </a:r>
             <a:br>
               <a:rPr lang="en-US" b="1" dirty="0"/>
             </a:br>
             <a:r>
               <a:rPr lang="en-US" dirty="0"/>
               <a:t>C++ Operators</a:t>
-            </a:r>
-            <a:r>
-              <a:rPr lang="en-US" b="1" dirty="0"/>
-              <a:t/>
             </a:r>
             <a:br>
               <a:rPr lang="en-US" b="1" dirty="0"/>
@@ -17496,6 +17143,136 @@
               <a:rPr lang="en-US" b="1" dirty="0"/>
               <a:t>Special Operators</a:t>
             </a:r>
+          </a:p>
+          <a:p>
+            <a:pPr>
+              <a:buFont typeface="Wingdings" pitchFamily="2" charset="2"/>
+              <a:buChar char="Ø"/>
+            </a:pPr>
+            <a:r>
+              <a:rPr lang="en-US" dirty="0"/>
+              <a:t>#include&lt;iostream&gt;using namespace </a:t>
+            </a:r>
+            <a:r>
+              <a:rPr lang="en-US" dirty="0" err="1"/>
+              <a:t>std;class</a:t>
+            </a:r>
+            <a:r>
+              <a:rPr lang="en-US" dirty="0"/>
+              <a:t> patient{	public:		int </a:t>
+            </a:r>
+            <a:r>
+              <a:rPr lang="en-US" dirty="0" err="1"/>
+              <a:t>srno</a:t>
+            </a:r>
+            <a:r>
+              <a:rPr lang="en-US" dirty="0"/>
+              <a:t>;		int fees;		void fun(int </a:t>
+            </a:r>
+            <a:r>
+              <a:rPr lang="en-US" dirty="0" err="1"/>
+              <a:t>x,int</a:t>
+            </a:r>
+            <a:r>
+              <a:rPr lang="en-US" dirty="0"/>
+              <a:t> y){			x=</a:t>
+            </a:r>
+            <a:r>
+              <a:rPr lang="en-US" dirty="0" err="1"/>
+              <a:t>srno</a:t>
+            </a:r>
+            <a:r>
+              <a:rPr lang="en-US" dirty="0"/>
+              <a:t>;						y=fees;					}		};class doctor{	public:				int </a:t>
+            </a:r>
+            <a:r>
+              <a:rPr lang="en-US" dirty="0" err="1"/>
+              <a:t>srno,salary</a:t>
+            </a:r>
+            <a:r>
+              <a:rPr lang="en-US" dirty="0"/>
+              <a:t>;		void fun(int </a:t>
+            </a:r>
+            <a:r>
+              <a:rPr lang="en-US" dirty="0" err="1"/>
+              <a:t>x,int</a:t>
+            </a:r>
+            <a:r>
+              <a:rPr lang="en-US" dirty="0"/>
+              <a:t> y){			x=</a:t>
+            </a:r>
+            <a:r>
+              <a:rPr lang="en-US" dirty="0" err="1"/>
+              <a:t>srno</a:t>
+            </a:r>
+            <a:r>
+              <a:rPr lang="en-US" dirty="0"/>
+              <a:t>;			y=salary;			</a:t>
+            </a:r>
+            <a:r>
+              <a:rPr lang="en-US" dirty="0" err="1"/>
+              <a:t>cout</a:t>
+            </a:r>
+            <a:r>
+              <a:rPr lang="en-US" dirty="0"/>
+              <a:t>&lt;&lt;x&lt;&lt;y;		}};int main(){	patient obj;	int </a:t>
+            </a:r>
+            <a:r>
+              <a:rPr lang="en-US" dirty="0" err="1"/>
+              <a:t>x,y,z,m,n</a:t>
+            </a:r>
+            <a:r>
+              <a:rPr lang="en-US" dirty="0"/>
+              <a:t>;	</a:t>
+            </a:r>
+            <a:r>
+              <a:rPr lang="en-US" dirty="0" err="1"/>
+              <a:t>cin</a:t>
+            </a:r>
+            <a:r>
+              <a:rPr lang="en-US" dirty="0"/>
+              <a:t>&gt;&gt;x&gt;&gt;y;		</a:t>
+            </a:r>
+            <a:r>
+              <a:rPr lang="en-US" dirty="0" err="1"/>
+              <a:t>obj.fun</a:t>
+            </a:r>
+            <a:r>
+              <a:rPr lang="en-US" dirty="0"/>
+              <a:t>(</a:t>
+            </a:r>
+            <a:r>
+              <a:rPr lang="en-US" dirty="0" err="1"/>
+              <a:t>x,y</a:t>
+            </a:r>
+            <a:r>
+              <a:rPr lang="en-US" dirty="0"/>
+              <a:t>);	doctor obj1;	</a:t>
+            </a:r>
+            <a:r>
+              <a:rPr lang="en-US" dirty="0" err="1"/>
+              <a:t>cin</a:t>
+            </a:r>
+            <a:r>
+              <a:rPr lang="en-US" dirty="0"/>
+              <a:t>&gt;&gt;m&gt;&gt;n;	obj1.fun(</a:t>
+            </a:r>
+            <a:r>
+              <a:rPr lang="en-US" dirty="0" err="1"/>
+              <a:t>m,n</a:t>
+            </a:r>
+            <a:r>
+              <a:rPr lang="en-US" dirty="0"/>
+              <a:t>);	</a:t>
+            </a:r>
+            <a:r>
+              <a:rPr lang="en-US" dirty="0" err="1"/>
+              <a:t>cout</a:t>
+            </a:r>
+            <a:r>
+              <a:rPr lang="en-US"/>
+              <a:t>&lt;&lt;m&lt;&lt;n;	}</a:t>
+            </a:r>
             <a:endParaRPr lang="en-US" dirty="0"/>
           </a:p>
         </p:txBody>
@@ -17524,7 +17301,7 @@
               </a:spcAft>
             </a:pPr>
             <a:r>
-              <a:rPr lang="en-US" b="0" smtClean="0">
+              <a:rPr lang="en-US" b="0">
                 <a:ea typeface="MS PGothic" pitchFamily="34" charset="-128"/>
               </a:rPr>
               <a:t>OOPs using C++ (CS-102)</a:t>
@@ -17560,10 +17337,9 @@
               <a:defRPr/>
             </a:pPr>
             <a:r>
-              <a:rPr lang="en-US" smtClean="0"/>
+              <a:rPr lang="en-US"/>
               <a:t>Prabhjot Kaur- G4 &amp; G8</a:t>
             </a:r>
-            <a:endParaRPr lang="en-US"/>
           </a:p>
         </p:txBody>
       </p:sp>
@@ -17640,7 +17416,7 @@
           <p:cNvPr id="2" name="Title 1">
             <a:extLst>
               <a:ext uri="{FF2B5EF4-FFF2-40B4-BE49-F238E27FC236}">
-                <a16:creationId xmlns="" xmlns:a16="http://schemas.microsoft.com/office/drawing/2014/main" id="{0F9D1B42-1C3C-482E-9DD7-2DE4937CAC2E}"/>
+                <a16:creationId xmlns:a16="http://schemas.microsoft.com/office/drawing/2014/main" id="{0F9D1B42-1C3C-482E-9DD7-2DE4937CAC2E}"/>
               </a:ext>
             </a:extLst>
           </p:cNvPr>
@@ -17674,7 +17450,7 @@
           <p:cNvPr id="3" name="Content Placeholder 2">
             <a:extLst>
               <a:ext uri="{FF2B5EF4-FFF2-40B4-BE49-F238E27FC236}">
-                <a16:creationId xmlns="" xmlns:a16="http://schemas.microsoft.com/office/drawing/2014/main" id="{EFBBDBC4-4A63-43A1-8AAD-442F42B6F6B6}"/>
+                <a16:creationId xmlns:a16="http://schemas.microsoft.com/office/drawing/2014/main" id="{EFBBDBC4-4A63-43A1-8AAD-442F42B6F6B6}"/>
               </a:ext>
             </a:extLst>
           </p:cNvPr>
@@ -17716,21 +17492,16 @@
             </a:r>
             <a:r>
               <a:rPr lang="en-US" dirty="0"/>
-              <a:t>. In object oriented programming, computer programs are designed using the concept of objects that interact with real world</a:t>
-            </a:r>
-            <a:r>
-              <a:rPr lang="en-US" dirty="0" smtClean="0"/>
-              <a:t>. (</a:t>
-            </a:r>
-            <a:r>
-              <a:rPr lang="en-US" b="1" dirty="0" smtClean="0"/>
+              <a:t>. In object oriented programming, computer programs are designed using the concept of objects that interact with real world. (</a:t>
+            </a:r>
+            <a:r>
+              <a:rPr lang="en-US" b="1" dirty="0"/>
               <a:t>behavior shows the functionality of object</a:t>
             </a:r>
             <a:r>
-              <a:rPr lang="en-US" dirty="0" smtClean="0"/>
+              <a:rPr lang="en-US" dirty="0"/>
               <a:t>)</a:t>
             </a:r>
-            <a:endParaRPr lang="en-US" dirty="0"/>
           </a:p>
           <a:p>
             <a:pPr algn="just"/>
@@ -17752,17 +17523,13 @@
             </a:r>
             <a:r>
               <a:rPr lang="en-US" dirty="0"/>
-              <a:t>, which also determine their types</a:t>
-            </a:r>
-            <a:r>
-              <a:rPr lang="en-US" dirty="0" smtClean="0"/>
-              <a:t>.</a:t>
+              <a:t>, which also determine their types.</a:t>
             </a:r>
           </a:p>
           <a:p>
             <a:pPr algn="just"/>
             <a:r>
-              <a:rPr lang="en-US" b="1" dirty="0" smtClean="0">
+              <a:rPr lang="en-US" b="1" dirty="0">
                 <a:solidFill>
                   <a:srgbClr val="FF0000"/>
                 </a:solidFill>
@@ -17770,7 +17537,7 @@
               <a:t>Class is a group of similar objects. (Student)----S1, S2, S3----</a:t>
             </a:r>
             <a:r>
-              <a:rPr lang="en-US" dirty="0" err="1" smtClean="0">
+              <a:rPr lang="en-US" dirty="0" err="1">
                 <a:solidFill>
                   <a:srgbClr val="FF0000"/>
                 </a:solidFill>
@@ -17778,18 +17545,13 @@
               <a:t>Roll_no</a:t>
             </a:r>
             <a:r>
-              <a:rPr lang="en-US" dirty="0" smtClean="0">
+              <a:rPr lang="en-US" dirty="0">
                 <a:solidFill>
                   <a:srgbClr val="FF0000"/>
                 </a:solidFill>
               </a:rPr>
               <a:t>, Name</a:t>
             </a:r>
-            <a:endParaRPr lang="en-US" dirty="0">
-              <a:solidFill>
-                <a:srgbClr val="FF0000"/>
-              </a:solidFill>
-            </a:endParaRPr>
           </a:p>
           <a:p>
             <a:pPr marL="0" indent="0" algn="just">
@@ -17858,7 +17620,7 @@
           <p:cNvPr id="4" name="Date Placeholder 3">
             <a:extLst>
               <a:ext uri="{FF2B5EF4-FFF2-40B4-BE49-F238E27FC236}">
-                <a16:creationId xmlns="" xmlns:a16="http://schemas.microsoft.com/office/drawing/2014/main" id="{E8759630-15EE-4E54-B877-49A8809C99CF}"/>
+                <a16:creationId xmlns:a16="http://schemas.microsoft.com/office/drawing/2014/main" id="{E8759630-15EE-4E54-B877-49A8809C99CF}"/>
               </a:ext>
             </a:extLst>
           </p:cNvPr>
@@ -17883,14 +17645,11 @@
               </a:spcAft>
             </a:pPr>
             <a:r>
-              <a:rPr lang="en-US" smtClean="0">
+              <a:rPr lang="en-US">
                 <a:ea typeface="MS PGothic" pitchFamily="34" charset="-128"/>
               </a:rPr>
               <a:t>OOPs using C++ (CS-102)</a:t>
             </a:r>
-            <a:endParaRPr lang="en-US">
-              <a:ea typeface="MS PGothic" pitchFamily="34" charset="-128"/>
-            </a:endParaRPr>
           </a:p>
         </p:txBody>
       </p:sp>
@@ -17899,7 +17658,7 @@
           <p:cNvPr id="5" name="Footer Placeholder 4">
             <a:extLst>
               <a:ext uri="{FF2B5EF4-FFF2-40B4-BE49-F238E27FC236}">
-                <a16:creationId xmlns="" xmlns:a16="http://schemas.microsoft.com/office/drawing/2014/main" id="{9771F095-3739-4BF3-9B2D-ABD39DFB37E9}"/>
+                <a16:creationId xmlns:a16="http://schemas.microsoft.com/office/drawing/2014/main" id="{9771F095-3739-4BF3-9B2D-ABD39DFB37E9}"/>
               </a:ext>
             </a:extLst>
           </p:cNvPr>
@@ -17925,10 +17684,9 @@
               <a:defRPr/>
             </a:pPr>
             <a:r>
-              <a:rPr lang="en-US" smtClean="0"/>
+              <a:rPr lang="en-US"/>
               <a:t>Prabhjot Kaur- G4 &amp; G8</a:t>
             </a:r>
-            <a:endParaRPr lang="en-US"/>
           </a:p>
         </p:txBody>
       </p:sp>
@@ -17937,7 +17695,7 @@
           <p:cNvPr id="6" name="Slide Number Placeholder 5">
             <a:extLst>
               <a:ext uri="{FF2B5EF4-FFF2-40B4-BE49-F238E27FC236}">
-                <a16:creationId xmlns="" xmlns:a16="http://schemas.microsoft.com/office/drawing/2014/main" id="{5AB6BF77-29E0-4703-80C8-73D718D9E77D}"/>
+                <a16:creationId xmlns:a16="http://schemas.microsoft.com/office/drawing/2014/main" id="{5AB6BF77-29E0-4703-80C8-73D718D9E77D}"/>
               </a:ext>
             </a:extLst>
           </p:cNvPr>
@@ -18214,7 +17972,7 @@
               </a:spcAft>
             </a:pPr>
             <a:r>
-              <a:rPr lang="en-US" b="0" smtClean="0">
+              <a:rPr lang="en-US" b="0">
                 <a:ea typeface="MS PGothic" pitchFamily="34" charset="-128"/>
               </a:rPr>
               <a:t>OOPs using C++ (CS-102)</a:t>
@@ -18250,10 +18008,9 @@
               <a:defRPr/>
             </a:pPr>
             <a:r>
-              <a:rPr lang="en-US" smtClean="0"/>
+              <a:rPr lang="en-US"/>
               <a:t>Prabhjot Kaur- G4 &amp; G8</a:t>
             </a:r>
-            <a:endParaRPr lang="en-US"/>
           </a:p>
         </p:txBody>
       </p:sp>
@@ -18330,7 +18087,7 @@
           <p:cNvPr id="2" name="Title 1">
             <a:extLst>
               <a:ext uri="{FF2B5EF4-FFF2-40B4-BE49-F238E27FC236}">
-                <a16:creationId xmlns="" xmlns:a16="http://schemas.microsoft.com/office/drawing/2014/main" id="{C0245AEE-E041-42B2-ADE3-4A8FB96B6137}"/>
+                <a16:creationId xmlns:a16="http://schemas.microsoft.com/office/drawing/2014/main" id="{C0245AEE-E041-42B2-ADE3-4A8FB96B6137}"/>
               </a:ext>
             </a:extLst>
           </p:cNvPr>
@@ -18359,7 +18116,7 @@
           <p:cNvPr id="3" name="Content Placeholder 2">
             <a:extLst>
               <a:ext uri="{FF2B5EF4-FFF2-40B4-BE49-F238E27FC236}">
-                <a16:creationId xmlns="" xmlns:a16="http://schemas.microsoft.com/office/drawing/2014/main" id="{6DB58456-D2F8-453E-BE8D-F8A87298B201}"/>
+                <a16:creationId xmlns:a16="http://schemas.microsoft.com/office/drawing/2014/main" id="{6DB58456-D2F8-453E-BE8D-F8A87298B201}"/>
               </a:ext>
             </a:extLst>
           </p:cNvPr>
@@ -18403,7 +18160,7 @@
           <p:cNvPr id="4" name="Date Placeholder 3">
             <a:extLst>
               <a:ext uri="{FF2B5EF4-FFF2-40B4-BE49-F238E27FC236}">
-                <a16:creationId xmlns="" xmlns:a16="http://schemas.microsoft.com/office/drawing/2014/main" id="{B507DE0E-1F00-4E47-B842-FDF58ED5C0D8}"/>
+                <a16:creationId xmlns:a16="http://schemas.microsoft.com/office/drawing/2014/main" id="{B507DE0E-1F00-4E47-B842-FDF58ED5C0D8}"/>
               </a:ext>
             </a:extLst>
           </p:cNvPr>
@@ -18428,14 +18185,11 @@
               </a:spcAft>
             </a:pPr>
             <a:r>
-              <a:rPr lang="en-US" smtClean="0">
+              <a:rPr lang="en-US">
                 <a:ea typeface="MS PGothic" pitchFamily="34" charset="-128"/>
               </a:rPr>
               <a:t>OOPs using C++ (CS-102)</a:t>
             </a:r>
-            <a:endParaRPr lang="en-US">
-              <a:ea typeface="MS PGothic" pitchFamily="34" charset="-128"/>
-            </a:endParaRPr>
           </a:p>
         </p:txBody>
       </p:sp>
@@ -18444,7 +18198,7 @@
           <p:cNvPr id="5" name="Footer Placeholder 4">
             <a:extLst>
               <a:ext uri="{FF2B5EF4-FFF2-40B4-BE49-F238E27FC236}">
-                <a16:creationId xmlns="" xmlns:a16="http://schemas.microsoft.com/office/drawing/2014/main" id="{ED988315-21EC-4B71-9DE8-6E15831026E6}"/>
+                <a16:creationId xmlns:a16="http://schemas.microsoft.com/office/drawing/2014/main" id="{ED988315-21EC-4B71-9DE8-6E15831026E6}"/>
               </a:ext>
             </a:extLst>
           </p:cNvPr>
@@ -18470,10 +18224,9 @@
               <a:defRPr/>
             </a:pPr>
             <a:r>
-              <a:rPr lang="en-US" smtClean="0"/>
+              <a:rPr lang="en-US"/>
               <a:t>Prabhjot Kaur- G4 &amp; G8</a:t>
             </a:r>
-            <a:endParaRPr lang="en-US"/>
           </a:p>
         </p:txBody>
       </p:sp>
@@ -18482,7 +18235,7 @@
           <p:cNvPr id="6" name="Slide Number Placeholder 5">
             <a:extLst>
               <a:ext uri="{FF2B5EF4-FFF2-40B4-BE49-F238E27FC236}">
-                <a16:creationId xmlns="" xmlns:a16="http://schemas.microsoft.com/office/drawing/2014/main" id="{E50E2E09-BBBA-4095-B0C4-E436D0EBB50E}"/>
+                <a16:creationId xmlns:a16="http://schemas.microsoft.com/office/drawing/2014/main" id="{E50E2E09-BBBA-4095-B0C4-E436D0EBB50E}"/>
               </a:ext>
             </a:extLst>
           </p:cNvPr>
@@ -18531,7 +18284,7 @@
           <p:cNvPr id="7" name="Table 6">
             <a:extLst>
               <a:ext uri="{FF2B5EF4-FFF2-40B4-BE49-F238E27FC236}">
-                <a16:creationId xmlns="" xmlns:a16="http://schemas.microsoft.com/office/drawing/2014/main" id="{670A05F4-47AA-40B3-B3E7-7073385374AF}"/>
+                <a16:creationId xmlns:a16="http://schemas.microsoft.com/office/drawing/2014/main" id="{670A05F4-47AA-40B3-B3E7-7073385374AF}"/>
               </a:ext>
             </a:extLst>
           </p:cNvPr>
@@ -18554,35 +18307,35 @@
                 <a:gridCol w="1645920">
                   <a:extLst>
                     <a:ext uri="{9D8B030D-6E8A-4147-A177-3AD203B41FA5}">
-                      <a16:colId xmlns="" xmlns:a16="http://schemas.microsoft.com/office/drawing/2014/main" val="3439608087"/>
+                      <a16:colId xmlns:a16="http://schemas.microsoft.com/office/drawing/2014/main" val="3439608087"/>
                     </a:ext>
                   </a:extLst>
                 </a:gridCol>
                 <a:gridCol w="1645920">
                   <a:extLst>
                     <a:ext uri="{9D8B030D-6E8A-4147-A177-3AD203B41FA5}">
-                      <a16:colId xmlns="" xmlns:a16="http://schemas.microsoft.com/office/drawing/2014/main" val="2985989312"/>
+                      <a16:colId xmlns:a16="http://schemas.microsoft.com/office/drawing/2014/main" val="2985989312"/>
                     </a:ext>
                   </a:extLst>
                 </a:gridCol>
                 <a:gridCol w="1645920">
                   <a:extLst>
                     <a:ext uri="{9D8B030D-6E8A-4147-A177-3AD203B41FA5}">
-                      <a16:colId xmlns="" xmlns:a16="http://schemas.microsoft.com/office/drawing/2014/main" val="1682237867"/>
+                      <a16:colId xmlns:a16="http://schemas.microsoft.com/office/drawing/2014/main" val="1682237867"/>
                     </a:ext>
                   </a:extLst>
                 </a:gridCol>
                 <a:gridCol w="1645920">
                   <a:extLst>
                     <a:ext uri="{9D8B030D-6E8A-4147-A177-3AD203B41FA5}">
-                      <a16:colId xmlns="" xmlns:a16="http://schemas.microsoft.com/office/drawing/2014/main" val="3267626114"/>
+                      <a16:colId xmlns:a16="http://schemas.microsoft.com/office/drawing/2014/main" val="3267626114"/>
                     </a:ext>
                   </a:extLst>
                 </a:gridCol>
                 <a:gridCol w="1645920">
                   <a:extLst>
                     <a:ext uri="{9D8B030D-6E8A-4147-A177-3AD203B41FA5}">
-                      <a16:colId xmlns="" xmlns:a16="http://schemas.microsoft.com/office/drawing/2014/main" val="3321811563"/>
+                      <a16:colId xmlns:a16="http://schemas.microsoft.com/office/drawing/2014/main" val="3321811563"/>
                     </a:ext>
                   </a:extLst>
                 </a:gridCol>
@@ -18670,7 +18423,7 @@
                 </a:tc>
                 <a:extLst>
                   <a:ext uri="{0D108BD9-81ED-4DB2-BD59-A6C34878D82A}">
-                    <a16:rowId xmlns="" xmlns:a16="http://schemas.microsoft.com/office/drawing/2014/main" val="1705780606"/>
+                    <a16:rowId xmlns:a16="http://schemas.microsoft.com/office/drawing/2014/main" val="1705780606"/>
                   </a:ext>
                 </a:extLst>
               </a:tr>
@@ -18747,7 +18500,7 @@
                 </a:tc>
                 <a:extLst>
                   <a:ext uri="{0D108BD9-81ED-4DB2-BD59-A6C34878D82A}">
-                    <a16:rowId xmlns="" xmlns:a16="http://schemas.microsoft.com/office/drawing/2014/main" val="1129194418"/>
+                    <a16:rowId xmlns:a16="http://schemas.microsoft.com/office/drawing/2014/main" val="1129194418"/>
                   </a:ext>
                 </a:extLst>
               </a:tr>
@@ -18824,7 +18577,7 @@
                 </a:tc>
                 <a:extLst>
                   <a:ext uri="{0D108BD9-81ED-4DB2-BD59-A6C34878D82A}">
-                    <a16:rowId xmlns="" xmlns:a16="http://schemas.microsoft.com/office/drawing/2014/main" val="4203342609"/>
+                    <a16:rowId xmlns:a16="http://schemas.microsoft.com/office/drawing/2014/main" val="4203342609"/>
                   </a:ext>
                 </a:extLst>
               </a:tr>
@@ -18901,7 +18654,7 @@
                 </a:tc>
                 <a:extLst>
                   <a:ext uri="{0D108BD9-81ED-4DB2-BD59-A6C34878D82A}">
-                    <a16:rowId xmlns="" xmlns:a16="http://schemas.microsoft.com/office/drawing/2014/main" val="2984173338"/>
+                    <a16:rowId xmlns:a16="http://schemas.microsoft.com/office/drawing/2014/main" val="2984173338"/>
                   </a:ext>
                 </a:extLst>
               </a:tr>
@@ -18978,7 +18731,7 @@
                 </a:tc>
                 <a:extLst>
                   <a:ext uri="{0D108BD9-81ED-4DB2-BD59-A6C34878D82A}">
-                    <a16:rowId xmlns="" xmlns:a16="http://schemas.microsoft.com/office/drawing/2014/main" val="861109267"/>
+                    <a16:rowId xmlns:a16="http://schemas.microsoft.com/office/drawing/2014/main" val="861109267"/>
                   </a:ext>
                 </a:extLst>
               </a:tr>
@@ -19021,7 +18774,7 @@
           <p:cNvPr id="2" name="Title 1">
             <a:extLst>
               <a:ext uri="{FF2B5EF4-FFF2-40B4-BE49-F238E27FC236}">
-                <a16:creationId xmlns="" xmlns:a16="http://schemas.microsoft.com/office/drawing/2014/main" id="{BBE10CE0-BF30-4617-85CB-48D780A21D9C}"/>
+                <a16:creationId xmlns:a16="http://schemas.microsoft.com/office/drawing/2014/main" id="{BBE10CE0-BF30-4617-85CB-48D780A21D9C}"/>
               </a:ext>
             </a:extLst>
           </p:cNvPr>
@@ -19050,7 +18803,7 @@
           <p:cNvPr id="3" name="Content Placeholder 2">
             <a:extLst>
               <a:ext uri="{FF2B5EF4-FFF2-40B4-BE49-F238E27FC236}">
-                <a16:creationId xmlns="" xmlns:a16="http://schemas.microsoft.com/office/drawing/2014/main" id="{7C8BBD08-C3B3-4640-98FA-9377A6419ED7}"/>
+                <a16:creationId xmlns:a16="http://schemas.microsoft.com/office/drawing/2014/main" id="{7C8BBD08-C3B3-4640-98FA-9377A6419ED7}"/>
               </a:ext>
             </a:extLst>
           </p:cNvPr>
@@ -19084,7 +18837,7 @@
           <p:cNvPr id="4" name="Date Placeholder 3">
             <a:extLst>
               <a:ext uri="{FF2B5EF4-FFF2-40B4-BE49-F238E27FC236}">
-                <a16:creationId xmlns="" xmlns:a16="http://schemas.microsoft.com/office/drawing/2014/main" id="{523E05BB-89F8-43A2-BBD7-FE27CFE5B7BE}"/>
+                <a16:creationId xmlns:a16="http://schemas.microsoft.com/office/drawing/2014/main" id="{523E05BB-89F8-43A2-BBD7-FE27CFE5B7BE}"/>
               </a:ext>
             </a:extLst>
           </p:cNvPr>
@@ -19109,14 +18862,11 @@
               </a:spcAft>
             </a:pPr>
             <a:r>
-              <a:rPr lang="en-US" smtClean="0">
+              <a:rPr lang="en-US">
                 <a:ea typeface="MS PGothic" pitchFamily="34" charset="-128"/>
               </a:rPr>
               <a:t>OOPs using C++ (CS-102)</a:t>
             </a:r>
-            <a:endParaRPr lang="en-US">
-              <a:ea typeface="MS PGothic" pitchFamily="34" charset="-128"/>
-            </a:endParaRPr>
           </a:p>
         </p:txBody>
       </p:sp>
@@ -19125,7 +18875,7 @@
           <p:cNvPr id="5" name="Footer Placeholder 4">
             <a:extLst>
               <a:ext uri="{FF2B5EF4-FFF2-40B4-BE49-F238E27FC236}">
-                <a16:creationId xmlns="" xmlns:a16="http://schemas.microsoft.com/office/drawing/2014/main" id="{1C038289-4D86-4AEF-B172-F5C016BA1C08}"/>
+                <a16:creationId xmlns:a16="http://schemas.microsoft.com/office/drawing/2014/main" id="{1C038289-4D86-4AEF-B172-F5C016BA1C08}"/>
               </a:ext>
             </a:extLst>
           </p:cNvPr>
@@ -19151,10 +18901,9 @@
               <a:defRPr/>
             </a:pPr>
             <a:r>
-              <a:rPr lang="en-US" smtClean="0"/>
+              <a:rPr lang="en-US"/>
               <a:t>Prabhjot Kaur- G4 &amp; G8</a:t>
             </a:r>
-            <a:endParaRPr lang="en-US"/>
           </a:p>
         </p:txBody>
       </p:sp>
@@ -19163,7 +18912,7 @@
           <p:cNvPr id="6" name="Slide Number Placeholder 5">
             <a:extLst>
               <a:ext uri="{FF2B5EF4-FFF2-40B4-BE49-F238E27FC236}">
-                <a16:creationId xmlns="" xmlns:a16="http://schemas.microsoft.com/office/drawing/2014/main" id="{817FA019-63D9-4E0F-B56C-D0ACA929B77A}"/>
+                <a16:creationId xmlns:a16="http://schemas.microsoft.com/office/drawing/2014/main" id="{817FA019-63D9-4E0F-B56C-D0ACA929B77A}"/>
               </a:ext>
             </a:extLst>
           </p:cNvPr>
@@ -19212,7 +18961,7 @@
           <p:cNvPr id="7" name="Table 6">
             <a:extLst>
               <a:ext uri="{FF2B5EF4-FFF2-40B4-BE49-F238E27FC236}">
-                <a16:creationId xmlns="" xmlns:a16="http://schemas.microsoft.com/office/drawing/2014/main" id="{D02C6D2E-AD6B-47F1-99A6-EF589AF025F7}"/>
+                <a16:creationId xmlns:a16="http://schemas.microsoft.com/office/drawing/2014/main" id="{D02C6D2E-AD6B-47F1-99A6-EF589AF025F7}"/>
               </a:ext>
             </a:extLst>
           </p:cNvPr>
@@ -19235,21 +18984,21 @@
                 <a:gridCol w="838200">
                   <a:extLst>
                     <a:ext uri="{9D8B030D-6E8A-4147-A177-3AD203B41FA5}">
-                      <a16:colId xmlns="" xmlns:a16="http://schemas.microsoft.com/office/drawing/2014/main" val="1913155348"/>
+                      <a16:colId xmlns:a16="http://schemas.microsoft.com/office/drawing/2014/main" val="1913155348"/>
                     </a:ext>
                   </a:extLst>
                 </a:gridCol>
                 <a:gridCol w="3676386">
                   <a:extLst>
                     <a:ext uri="{9D8B030D-6E8A-4147-A177-3AD203B41FA5}">
-                      <a16:colId xmlns="" xmlns:a16="http://schemas.microsoft.com/office/drawing/2014/main" val="193113116"/>
+                      <a16:colId xmlns:a16="http://schemas.microsoft.com/office/drawing/2014/main" val="193113116"/>
                     </a:ext>
                   </a:extLst>
                 </a:gridCol>
                 <a:gridCol w="3486414">
                   <a:extLst>
                     <a:ext uri="{9D8B030D-6E8A-4147-A177-3AD203B41FA5}">
-                      <a16:colId xmlns="" xmlns:a16="http://schemas.microsoft.com/office/drawing/2014/main" val="1912833517"/>
+                      <a16:colId xmlns:a16="http://schemas.microsoft.com/office/drawing/2014/main" val="1912833517"/>
                     </a:ext>
                   </a:extLst>
                 </a:gridCol>
@@ -19305,7 +19054,7 @@
                 </a:tc>
                 <a:extLst>
                   <a:ext uri="{0D108BD9-81ED-4DB2-BD59-A6C34878D82A}">
-                    <a16:rowId xmlns="" xmlns:a16="http://schemas.microsoft.com/office/drawing/2014/main" val="1983577074"/>
+                    <a16:rowId xmlns:a16="http://schemas.microsoft.com/office/drawing/2014/main" val="1983577074"/>
                   </a:ext>
                 </a:extLst>
               </a:tr>
@@ -19354,7 +19103,7 @@
                 </a:tc>
                 <a:extLst>
                   <a:ext uri="{0D108BD9-81ED-4DB2-BD59-A6C34878D82A}">
-                    <a16:rowId xmlns="" xmlns:a16="http://schemas.microsoft.com/office/drawing/2014/main" val="1113504567"/>
+                    <a16:rowId xmlns:a16="http://schemas.microsoft.com/office/drawing/2014/main" val="1113504567"/>
                   </a:ext>
                 </a:extLst>
               </a:tr>
@@ -19400,7 +19149,7 @@
                 </a:tc>
                 <a:extLst>
                   <a:ext uri="{0D108BD9-81ED-4DB2-BD59-A6C34878D82A}">
-                    <a16:rowId xmlns="" xmlns:a16="http://schemas.microsoft.com/office/drawing/2014/main" val="1086258844"/>
+                    <a16:rowId xmlns:a16="http://schemas.microsoft.com/office/drawing/2014/main" val="1086258844"/>
                   </a:ext>
                 </a:extLst>
               </a:tr>
@@ -19449,7 +19198,7 @@
                 </a:tc>
                 <a:extLst>
                   <a:ext uri="{0D108BD9-81ED-4DB2-BD59-A6C34878D82A}">
-                    <a16:rowId xmlns="" xmlns:a16="http://schemas.microsoft.com/office/drawing/2014/main" val="586419217"/>
+                    <a16:rowId xmlns:a16="http://schemas.microsoft.com/office/drawing/2014/main" val="586419217"/>
                   </a:ext>
                 </a:extLst>
               </a:tr>
@@ -19495,7 +19244,7 @@
                 </a:tc>
                 <a:extLst>
                   <a:ext uri="{0D108BD9-81ED-4DB2-BD59-A6C34878D82A}">
-                    <a16:rowId xmlns="" xmlns:a16="http://schemas.microsoft.com/office/drawing/2014/main" val="2528534849"/>
+                    <a16:rowId xmlns:a16="http://schemas.microsoft.com/office/drawing/2014/main" val="2528534849"/>
                   </a:ext>
                 </a:extLst>
               </a:tr>
@@ -19544,7 +19293,7 @@
                 </a:tc>
                 <a:extLst>
                   <a:ext uri="{0D108BD9-81ED-4DB2-BD59-A6C34878D82A}">
-                    <a16:rowId xmlns="" xmlns:a16="http://schemas.microsoft.com/office/drawing/2014/main" val="1520631251"/>
+                    <a16:rowId xmlns:a16="http://schemas.microsoft.com/office/drawing/2014/main" val="1520631251"/>
                   </a:ext>
                 </a:extLst>
               </a:tr>
@@ -19593,7 +19342,7 @@
                 </a:tc>
                 <a:extLst>
                   <a:ext uri="{0D108BD9-81ED-4DB2-BD59-A6C34878D82A}">
-                    <a16:rowId xmlns="" xmlns:a16="http://schemas.microsoft.com/office/drawing/2014/main" val="2707818417"/>
+                    <a16:rowId xmlns:a16="http://schemas.microsoft.com/office/drawing/2014/main" val="2707818417"/>
                   </a:ext>
                 </a:extLst>
               </a:tr>
@@ -19636,7 +19385,7 @@
           <p:cNvPr id="2" name="Title 1">
             <a:extLst>
               <a:ext uri="{FF2B5EF4-FFF2-40B4-BE49-F238E27FC236}">
-                <a16:creationId xmlns="" xmlns:a16="http://schemas.microsoft.com/office/drawing/2014/main" id="{C1D264E6-1B26-46CF-B179-871D8CFFE633}"/>
+                <a16:creationId xmlns:a16="http://schemas.microsoft.com/office/drawing/2014/main" id="{C1D264E6-1B26-46CF-B179-871D8CFFE633}"/>
               </a:ext>
             </a:extLst>
           </p:cNvPr>
@@ -19665,7 +19414,7 @@
           <p:cNvPr id="3" name="Content Placeholder 2">
             <a:extLst>
               <a:ext uri="{FF2B5EF4-FFF2-40B4-BE49-F238E27FC236}">
-                <a16:creationId xmlns="" xmlns:a16="http://schemas.microsoft.com/office/drawing/2014/main" id="{66AE528C-44A8-4F6E-BD56-15DBF418F925}"/>
+                <a16:creationId xmlns:a16="http://schemas.microsoft.com/office/drawing/2014/main" id="{66AE528C-44A8-4F6E-BD56-15DBF418F925}"/>
               </a:ext>
             </a:extLst>
           </p:cNvPr>
@@ -19708,7 +19457,7 @@
           <p:cNvPr id="4" name="Date Placeholder 3">
             <a:extLst>
               <a:ext uri="{FF2B5EF4-FFF2-40B4-BE49-F238E27FC236}">
-                <a16:creationId xmlns="" xmlns:a16="http://schemas.microsoft.com/office/drawing/2014/main" id="{2E850625-562A-478A-9074-4B03718804D7}"/>
+                <a16:creationId xmlns:a16="http://schemas.microsoft.com/office/drawing/2014/main" id="{2E850625-562A-478A-9074-4B03718804D7}"/>
               </a:ext>
             </a:extLst>
           </p:cNvPr>
@@ -19733,14 +19482,11 @@
               </a:spcAft>
             </a:pPr>
             <a:r>
-              <a:rPr lang="en-US" smtClean="0">
+              <a:rPr lang="en-US">
                 <a:ea typeface="MS PGothic" pitchFamily="34" charset="-128"/>
               </a:rPr>
               <a:t>OOPs using C++ (CS-102)</a:t>
             </a:r>
-            <a:endParaRPr lang="en-US">
-              <a:ea typeface="MS PGothic" pitchFamily="34" charset="-128"/>
-            </a:endParaRPr>
           </a:p>
         </p:txBody>
       </p:sp>
@@ -19749,7 +19495,7 @@
           <p:cNvPr id="5" name="Footer Placeholder 4">
             <a:extLst>
               <a:ext uri="{FF2B5EF4-FFF2-40B4-BE49-F238E27FC236}">
-                <a16:creationId xmlns="" xmlns:a16="http://schemas.microsoft.com/office/drawing/2014/main" id="{C8A5C856-1459-4688-9652-818C24171C0F}"/>
+                <a16:creationId xmlns:a16="http://schemas.microsoft.com/office/drawing/2014/main" id="{C8A5C856-1459-4688-9652-818C24171C0F}"/>
               </a:ext>
             </a:extLst>
           </p:cNvPr>
@@ -19775,10 +19521,9 @@
               <a:defRPr/>
             </a:pPr>
             <a:r>
-              <a:rPr lang="en-US" smtClean="0"/>
+              <a:rPr lang="en-US"/>
               <a:t>Prabhjot Kaur- G4 &amp; G8</a:t>
             </a:r>
-            <a:endParaRPr lang="en-US"/>
           </a:p>
         </p:txBody>
       </p:sp>
@@ -19787,7 +19532,7 @@
           <p:cNvPr id="6" name="Slide Number Placeholder 5">
             <a:extLst>
               <a:ext uri="{FF2B5EF4-FFF2-40B4-BE49-F238E27FC236}">
-                <a16:creationId xmlns="" xmlns:a16="http://schemas.microsoft.com/office/drawing/2014/main" id="{C544457A-047B-4BDA-AA4B-028D4FBB6A16}"/>
+                <a16:creationId xmlns:a16="http://schemas.microsoft.com/office/drawing/2014/main" id="{C544457A-047B-4BDA-AA4B-028D4FBB6A16}"/>
               </a:ext>
             </a:extLst>
           </p:cNvPr>
@@ -19836,7 +19581,7 @@
           <p:cNvPr id="7" name="Table 6">
             <a:extLst>
               <a:ext uri="{FF2B5EF4-FFF2-40B4-BE49-F238E27FC236}">
-                <a16:creationId xmlns="" xmlns:a16="http://schemas.microsoft.com/office/drawing/2014/main" id="{520E81C9-2755-4275-BEBD-7896EEDEB639}"/>
+                <a16:creationId xmlns:a16="http://schemas.microsoft.com/office/drawing/2014/main" id="{520E81C9-2755-4275-BEBD-7896EEDEB639}"/>
               </a:ext>
             </a:extLst>
           </p:cNvPr>
@@ -19859,21 +19604,21 @@
                 <a:gridCol w="1157591">
                   <a:extLst>
                     <a:ext uri="{9D8B030D-6E8A-4147-A177-3AD203B41FA5}">
-                      <a16:colId xmlns="" xmlns:a16="http://schemas.microsoft.com/office/drawing/2014/main" val="3171581009"/>
+                      <a16:colId xmlns:a16="http://schemas.microsoft.com/office/drawing/2014/main" val="3171581009"/>
                     </a:ext>
                   </a:extLst>
                 </a:gridCol>
                 <a:gridCol w="3157217">
                   <a:extLst>
                     <a:ext uri="{9D8B030D-6E8A-4147-A177-3AD203B41FA5}">
-                      <a16:colId xmlns="" xmlns:a16="http://schemas.microsoft.com/office/drawing/2014/main" val="3793018193"/>
+                      <a16:colId xmlns:a16="http://schemas.microsoft.com/office/drawing/2014/main" val="3793018193"/>
                     </a:ext>
                   </a:extLst>
                 </a:gridCol>
                 <a:gridCol w="3457592">
                   <a:extLst>
                     <a:ext uri="{9D8B030D-6E8A-4147-A177-3AD203B41FA5}">
-                      <a16:colId xmlns="" xmlns:a16="http://schemas.microsoft.com/office/drawing/2014/main" val="2734542459"/>
+                      <a16:colId xmlns:a16="http://schemas.microsoft.com/office/drawing/2014/main" val="2734542459"/>
                     </a:ext>
                   </a:extLst>
                 </a:gridCol>
@@ -19929,7 +19674,7 @@
                 </a:tc>
                 <a:extLst>
                   <a:ext uri="{0D108BD9-81ED-4DB2-BD59-A6C34878D82A}">
-                    <a16:rowId xmlns="" xmlns:a16="http://schemas.microsoft.com/office/drawing/2014/main" val="2791120990"/>
+                    <a16:rowId xmlns:a16="http://schemas.microsoft.com/office/drawing/2014/main" val="2791120990"/>
                   </a:ext>
                 </a:extLst>
               </a:tr>
@@ -19978,7 +19723,7 @@
                 </a:tc>
                 <a:extLst>
                   <a:ext uri="{0D108BD9-81ED-4DB2-BD59-A6C34878D82A}">
-                    <a16:rowId xmlns="" xmlns:a16="http://schemas.microsoft.com/office/drawing/2014/main" val="3088451587"/>
+                    <a16:rowId xmlns:a16="http://schemas.microsoft.com/office/drawing/2014/main" val="3088451587"/>
                   </a:ext>
                 </a:extLst>
               </a:tr>
@@ -20027,7 +19772,7 @@
                 </a:tc>
                 <a:extLst>
                   <a:ext uri="{0D108BD9-81ED-4DB2-BD59-A6C34878D82A}">
-                    <a16:rowId xmlns="" xmlns:a16="http://schemas.microsoft.com/office/drawing/2014/main" val="3753035182"/>
+                    <a16:rowId xmlns:a16="http://schemas.microsoft.com/office/drawing/2014/main" val="3753035182"/>
                   </a:ext>
                 </a:extLst>
               </a:tr>
@@ -20076,7 +19821,7 @@
                 </a:tc>
                 <a:extLst>
                   <a:ext uri="{0D108BD9-81ED-4DB2-BD59-A6C34878D82A}">
-                    <a16:rowId xmlns="" xmlns:a16="http://schemas.microsoft.com/office/drawing/2014/main" val="1199288345"/>
+                    <a16:rowId xmlns:a16="http://schemas.microsoft.com/office/drawing/2014/main" val="1199288345"/>
                   </a:ext>
                 </a:extLst>
               </a:tr>
@@ -20119,7 +19864,7 @@
           <p:cNvPr id="2" name="Title 1">
             <a:extLst>
               <a:ext uri="{FF2B5EF4-FFF2-40B4-BE49-F238E27FC236}">
-                <a16:creationId xmlns="" xmlns:a16="http://schemas.microsoft.com/office/drawing/2014/main" id="{6DAFA847-16A2-45DE-9109-36B29ECB191C}"/>
+                <a16:creationId xmlns:a16="http://schemas.microsoft.com/office/drawing/2014/main" id="{6DAFA847-16A2-45DE-9109-36B29ECB191C}"/>
               </a:ext>
             </a:extLst>
           </p:cNvPr>
@@ -20136,10 +19881,9 @@
           <a:lstStyle/>
           <a:p>
             <a:r>
-              <a:rPr lang="en-IN" b="1" dirty="0" smtClean="0"/>
+              <a:rPr lang="en-IN" b="1" dirty="0"/>
               <a:t>Assignment-1(Submit on 10-03-2022)</a:t>
             </a:r>
-            <a:endParaRPr lang="en-IN" b="1" dirty="0"/>
           </a:p>
         </p:txBody>
       </p:sp>
@@ -20148,7 +19892,7 @@
           <p:cNvPr id="3" name="Content Placeholder 2">
             <a:extLst>
               <a:ext uri="{FF2B5EF4-FFF2-40B4-BE49-F238E27FC236}">
-                <a16:creationId xmlns="" xmlns:a16="http://schemas.microsoft.com/office/drawing/2014/main" id="{49460229-9E07-4F92-ACBD-37F9E05BB1E2}"/>
+                <a16:creationId xmlns:a16="http://schemas.microsoft.com/office/drawing/2014/main" id="{49460229-9E07-4F92-ACBD-37F9E05BB1E2}"/>
               </a:ext>
             </a:extLst>
           </p:cNvPr>
@@ -20226,7 +19970,7 @@
           <p:cNvPr id="4" name="Date Placeholder 3">
             <a:extLst>
               <a:ext uri="{FF2B5EF4-FFF2-40B4-BE49-F238E27FC236}">
-                <a16:creationId xmlns="" xmlns:a16="http://schemas.microsoft.com/office/drawing/2014/main" id="{BA149A48-8162-4E6B-951A-70527D1C81DA}"/>
+                <a16:creationId xmlns:a16="http://schemas.microsoft.com/office/drawing/2014/main" id="{BA149A48-8162-4E6B-951A-70527D1C81DA}"/>
               </a:ext>
             </a:extLst>
           </p:cNvPr>
@@ -20251,14 +19995,11 @@
               </a:spcAft>
             </a:pPr>
             <a:r>
-              <a:rPr lang="en-US" smtClean="0">
+              <a:rPr lang="en-US">
                 <a:ea typeface="MS PGothic" pitchFamily="34" charset="-128"/>
               </a:rPr>
               <a:t>OOPs using C++ (CS-102)</a:t>
             </a:r>
-            <a:endParaRPr lang="en-US">
-              <a:ea typeface="MS PGothic" pitchFamily="34" charset="-128"/>
-            </a:endParaRPr>
           </a:p>
         </p:txBody>
       </p:sp>
@@ -20267,7 +20008,7 @@
           <p:cNvPr id="5" name="Footer Placeholder 4">
             <a:extLst>
               <a:ext uri="{FF2B5EF4-FFF2-40B4-BE49-F238E27FC236}">
-                <a16:creationId xmlns="" xmlns:a16="http://schemas.microsoft.com/office/drawing/2014/main" id="{1EBBB64A-BEE2-4980-AD28-647CE9936C07}"/>
+                <a16:creationId xmlns:a16="http://schemas.microsoft.com/office/drawing/2014/main" id="{1EBBB64A-BEE2-4980-AD28-647CE9936C07}"/>
               </a:ext>
             </a:extLst>
           </p:cNvPr>
@@ -20293,10 +20034,9 @@
               <a:defRPr/>
             </a:pPr>
             <a:r>
-              <a:rPr lang="en-US" smtClean="0"/>
+              <a:rPr lang="en-US"/>
               <a:t>Prabhjot Kaur- G4 &amp; G8</a:t>
             </a:r>
-            <a:endParaRPr lang="en-US"/>
           </a:p>
         </p:txBody>
       </p:sp>
@@ -20305,7 +20045,7 @@
           <p:cNvPr id="6" name="Slide Number Placeholder 5">
             <a:extLst>
               <a:ext uri="{FF2B5EF4-FFF2-40B4-BE49-F238E27FC236}">
-                <a16:creationId xmlns="" xmlns:a16="http://schemas.microsoft.com/office/drawing/2014/main" id="{D876E5C0-79FF-4E0B-812B-F60BC843A2C3}"/>
+                <a16:creationId xmlns:a16="http://schemas.microsoft.com/office/drawing/2014/main" id="{D876E5C0-79FF-4E0B-812B-F60BC843A2C3}"/>
               </a:ext>
             </a:extLst>
           </p:cNvPr>
@@ -20384,7 +20124,7 @@
           <p:cNvPr id="3" name="Content Placeholder 2">
             <a:extLst>
               <a:ext uri="{FF2B5EF4-FFF2-40B4-BE49-F238E27FC236}">
-                <a16:creationId xmlns="" xmlns:a16="http://schemas.microsoft.com/office/drawing/2014/main" id="{25DC1BE1-053B-482D-9758-C3B92F4B816B}"/>
+                <a16:creationId xmlns:a16="http://schemas.microsoft.com/office/drawing/2014/main" id="{25DC1BE1-053B-482D-9758-C3B92F4B816B}"/>
               </a:ext>
             </a:extLst>
           </p:cNvPr>
@@ -20422,7 +20162,7 @@
           <p:cNvPr id="4" name="Date Placeholder 3">
             <a:extLst>
               <a:ext uri="{FF2B5EF4-FFF2-40B4-BE49-F238E27FC236}">
-                <a16:creationId xmlns="" xmlns:a16="http://schemas.microsoft.com/office/drawing/2014/main" id="{A11A9CCA-0B5C-46BC-83A6-591DB619D0F4}"/>
+                <a16:creationId xmlns:a16="http://schemas.microsoft.com/office/drawing/2014/main" id="{A11A9CCA-0B5C-46BC-83A6-591DB619D0F4}"/>
               </a:ext>
             </a:extLst>
           </p:cNvPr>
@@ -20447,14 +20187,11 @@
               </a:spcAft>
             </a:pPr>
             <a:r>
-              <a:rPr lang="en-US" smtClean="0">
+              <a:rPr lang="en-US">
                 <a:ea typeface="MS PGothic" pitchFamily="34" charset="-128"/>
               </a:rPr>
               <a:t>OOPs using C++ (CS-102)</a:t>
             </a:r>
-            <a:endParaRPr lang="en-US">
-              <a:ea typeface="MS PGothic" pitchFamily="34" charset="-128"/>
-            </a:endParaRPr>
           </a:p>
         </p:txBody>
       </p:sp>
@@ -20463,7 +20200,7 @@
           <p:cNvPr id="5" name="Footer Placeholder 4">
             <a:extLst>
               <a:ext uri="{FF2B5EF4-FFF2-40B4-BE49-F238E27FC236}">
-                <a16:creationId xmlns="" xmlns:a16="http://schemas.microsoft.com/office/drawing/2014/main" id="{04FDCD83-20BD-4113-9D2A-776FEF1E09DE}"/>
+                <a16:creationId xmlns:a16="http://schemas.microsoft.com/office/drawing/2014/main" id="{04FDCD83-20BD-4113-9D2A-776FEF1E09DE}"/>
               </a:ext>
             </a:extLst>
           </p:cNvPr>
@@ -20489,10 +20226,9 @@
               <a:defRPr/>
             </a:pPr>
             <a:r>
-              <a:rPr lang="en-US" smtClean="0"/>
+              <a:rPr lang="en-US"/>
               <a:t>Prabhjot Kaur- G4 &amp; G8</a:t>
             </a:r>
-            <a:endParaRPr lang="en-US"/>
           </a:p>
         </p:txBody>
       </p:sp>
@@ -20501,7 +20237,7 @@
           <p:cNvPr id="6" name="Slide Number Placeholder 5">
             <a:extLst>
               <a:ext uri="{FF2B5EF4-FFF2-40B4-BE49-F238E27FC236}">
-                <a16:creationId xmlns="" xmlns:a16="http://schemas.microsoft.com/office/drawing/2014/main" id="{66F585A5-3508-4A0C-9726-AD9B330761DD}"/>
+                <a16:creationId xmlns:a16="http://schemas.microsoft.com/office/drawing/2014/main" id="{66F585A5-3508-4A0C-9726-AD9B330761DD}"/>
               </a:ext>
             </a:extLst>
           </p:cNvPr>
@@ -20580,7 +20316,7 @@
           <p:cNvPr id="2" name="Title 1">
             <a:extLst>
               <a:ext uri="{FF2B5EF4-FFF2-40B4-BE49-F238E27FC236}">
-                <a16:creationId xmlns="" xmlns:a16="http://schemas.microsoft.com/office/drawing/2014/main" id="{75F56ACC-30F9-4F75-BE0F-AA45EC1D53AE}"/>
+                <a16:creationId xmlns:a16="http://schemas.microsoft.com/office/drawing/2014/main" id="{75F56ACC-30F9-4F75-BE0F-AA45EC1D53AE}"/>
               </a:ext>
             </a:extLst>
           </p:cNvPr>
@@ -20608,7 +20344,7 @@
           <p:cNvPr id="3" name="Content Placeholder 2">
             <a:extLst>
               <a:ext uri="{FF2B5EF4-FFF2-40B4-BE49-F238E27FC236}">
-                <a16:creationId xmlns="" xmlns:a16="http://schemas.microsoft.com/office/drawing/2014/main" id="{1B0376F9-CA0F-4F53-9BBB-EFC79FA1609E}"/>
+                <a16:creationId xmlns:a16="http://schemas.microsoft.com/office/drawing/2014/main" id="{1B0376F9-CA0F-4F53-9BBB-EFC79FA1609E}"/>
               </a:ext>
             </a:extLst>
           </p:cNvPr>
@@ -20726,7 +20462,7 @@
           <p:cNvPr id="4" name="Date Placeholder 3">
             <a:extLst>
               <a:ext uri="{FF2B5EF4-FFF2-40B4-BE49-F238E27FC236}">
-                <a16:creationId xmlns="" xmlns:a16="http://schemas.microsoft.com/office/drawing/2014/main" id="{096977E1-C615-4FA6-9974-7A1BF9FDBCF1}"/>
+                <a16:creationId xmlns:a16="http://schemas.microsoft.com/office/drawing/2014/main" id="{096977E1-C615-4FA6-9974-7A1BF9FDBCF1}"/>
               </a:ext>
             </a:extLst>
           </p:cNvPr>
@@ -20751,14 +20487,11 @@
               </a:spcAft>
             </a:pPr>
             <a:r>
-              <a:rPr lang="en-US" smtClean="0">
+              <a:rPr lang="en-US">
                 <a:ea typeface="MS PGothic" pitchFamily="34" charset="-128"/>
               </a:rPr>
               <a:t>OOPs using C++ (CS-102)</a:t>
             </a:r>
-            <a:endParaRPr lang="en-US">
-              <a:ea typeface="MS PGothic" pitchFamily="34" charset="-128"/>
-            </a:endParaRPr>
           </a:p>
         </p:txBody>
       </p:sp>
@@ -20767,7 +20500,7 @@
           <p:cNvPr id="5" name="Footer Placeholder 4">
             <a:extLst>
               <a:ext uri="{FF2B5EF4-FFF2-40B4-BE49-F238E27FC236}">
-                <a16:creationId xmlns="" xmlns:a16="http://schemas.microsoft.com/office/drawing/2014/main" id="{B036B5DF-5523-4246-A13E-628914110F2E}"/>
+                <a16:creationId xmlns:a16="http://schemas.microsoft.com/office/drawing/2014/main" id="{B036B5DF-5523-4246-A13E-628914110F2E}"/>
               </a:ext>
             </a:extLst>
           </p:cNvPr>
@@ -20793,10 +20526,9 @@
               <a:defRPr/>
             </a:pPr>
             <a:r>
-              <a:rPr lang="en-US" smtClean="0"/>
+              <a:rPr lang="en-US"/>
               <a:t>Prabhjot Kaur- G4 &amp; G8</a:t>
             </a:r>
-            <a:endParaRPr lang="en-US"/>
           </a:p>
         </p:txBody>
       </p:sp>
@@ -20805,7 +20537,7 @@
           <p:cNvPr id="6" name="Slide Number Placeholder 5">
             <a:extLst>
               <a:ext uri="{FF2B5EF4-FFF2-40B4-BE49-F238E27FC236}">
-                <a16:creationId xmlns="" xmlns:a16="http://schemas.microsoft.com/office/drawing/2014/main" id="{6F51AEE6-74BC-48D0-8AAD-6C1F51EF6855}"/>
+                <a16:creationId xmlns:a16="http://schemas.microsoft.com/office/drawing/2014/main" id="{6F51AEE6-74BC-48D0-8AAD-6C1F51EF6855}"/>
               </a:ext>
             </a:extLst>
           </p:cNvPr>
@@ -20884,7 +20616,7 @@
           <p:cNvPr id="2" name="Title 1">
             <a:extLst>
               <a:ext uri="{FF2B5EF4-FFF2-40B4-BE49-F238E27FC236}">
-                <a16:creationId xmlns="" xmlns:a16="http://schemas.microsoft.com/office/drawing/2014/main" id="{2F4F628E-5DB5-4B27-9CAC-A34DBBC39983}"/>
+                <a16:creationId xmlns:a16="http://schemas.microsoft.com/office/drawing/2014/main" id="{2F4F628E-5DB5-4B27-9CAC-A34DBBC39983}"/>
               </a:ext>
             </a:extLst>
           </p:cNvPr>
@@ -20912,7 +20644,7 @@
           <p:cNvPr id="4" name="Date Placeholder 3">
             <a:extLst>
               <a:ext uri="{FF2B5EF4-FFF2-40B4-BE49-F238E27FC236}">
-                <a16:creationId xmlns="" xmlns:a16="http://schemas.microsoft.com/office/drawing/2014/main" id="{CF76CBEE-557E-481D-9257-FFBACCEF3870}"/>
+                <a16:creationId xmlns:a16="http://schemas.microsoft.com/office/drawing/2014/main" id="{CF76CBEE-557E-481D-9257-FFBACCEF3870}"/>
               </a:ext>
             </a:extLst>
           </p:cNvPr>
@@ -20937,14 +20669,11 @@
               </a:spcAft>
             </a:pPr>
             <a:r>
-              <a:rPr lang="en-US" smtClean="0">
+              <a:rPr lang="en-US">
                 <a:ea typeface="MS PGothic" pitchFamily="34" charset="-128"/>
               </a:rPr>
               <a:t>OOPs using C++ (CS-102)</a:t>
             </a:r>
-            <a:endParaRPr lang="en-US">
-              <a:ea typeface="MS PGothic" pitchFamily="34" charset="-128"/>
-            </a:endParaRPr>
           </a:p>
         </p:txBody>
       </p:sp>
@@ -20953,7 +20682,7 @@
           <p:cNvPr id="5" name="Footer Placeholder 4">
             <a:extLst>
               <a:ext uri="{FF2B5EF4-FFF2-40B4-BE49-F238E27FC236}">
-                <a16:creationId xmlns="" xmlns:a16="http://schemas.microsoft.com/office/drawing/2014/main" id="{ADBCD8B8-2CDD-4B70-9211-7471A4696513}"/>
+                <a16:creationId xmlns:a16="http://schemas.microsoft.com/office/drawing/2014/main" id="{ADBCD8B8-2CDD-4B70-9211-7471A4696513}"/>
               </a:ext>
             </a:extLst>
           </p:cNvPr>
@@ -20979,10 +20708,9 @@
               <a:defRPr/>
             </a:pPr>
             <a:r>
-              <a:rPr lang="en-US" smtClean="0"/>
+              <a:rPr lang="en-US"/>
               <a:t>Prabhjot Kaur- G4 &amp; G8</a:t>
             </a:r>
-            <a:endParaRPr lang="en-US"/>
           </a:p>
         </p:txBody>
       </p:sp>
@@ -20991,7 +20719,7 @@
           <p:cNvPr id="6" name="Slide Number Placeholder 5">
             <a:extLst>
               <a:ext uri="{FF2B5EF4-FFF2-40B4-BE49-F238E27FC236}">
-                <a16:creationId xmlns="" xmlns:a16="http://schemas.microsoft.com/office/drawing/2014/main" id="{D21C3544-636B-4A5F-87B7-E626FF7953E2}"/>
+                <a16:creationId xmlns:a16="http://schemas.microsoft.com/office/drawing/2014/main" id="{D21C3544-636B-4A5F-87B7-E626FF7953E2}"/>
               </a:ext>
             </a:extLst>
           </p:cNvPr>
@@ -21040,7 +20768,7 @@
           <p:cNvPr id="7" name="Table 6">
             <a:extLst>
               <a:ext uri="{FF2B5EF4-FFF2-40B4-BE49-F238E27FC236}">
-                <a16:creationId xmlns="" xmlns:a16="http://schemas.microsoft.com/office/drawing/2014/main" id="{7D2BC36A-1E0C-4F05-AF95-F3A54EB32577}"/>
+                <a16:creationId xmlns:a16="http://schemas.microsoft.com/office/drawing/2014/main" id="{7D2BC36A-1E0C-4F05-AF95-F3A54EB32577}"/>
               </a:ext>
             </a:extLst>
           </p:cNvPr>
@@ -21069,14 +20797,14 @@
                 <a:gridCol w="5099180">
                   <a:extLst>
                     <a:ext uri="{9D8B030D-6E8A-4147-A177-3AD203B41FA5}">
-                      <a16:colId xmlns="" xmlns:a16="http://schemas.microsoft.com/office/drawing/2014/main" val="377892574"/>
+                      <a16:colId xmlns:a16="http://schemas.microsoft.com/office/drawing/2014/main" val="377892574"/>
                     </a:ext>
                   </a:extLst>
                 </a:gridCol>
                 <a:gridCol w="5099180">
                   <a:extLst>
                     <a:ext uri="{9D8B030D-6E8A-4147-A177-3AD203B41FA5}">
-                      <a16:colId xmlns="" xmlns:a16="http://schemas.microsoft.com/office/drawing/2014/main" val="414611783"/>
+                      <a16:colId xmlns:a16="http://schemas.microsoft.com/office/drawing/2014/main" val="414611783"/>
                     </a:ext>
                   </a:extLst>
                 </a:gridCol>
@@ -21116,7 +20844,7 @@
                 </a:tc>
                 <a:extLst>
                   <a:ext uri="{0D108BD9-81ED-4DB2-BD59-A6C34878D82A}">
-                    <a16:rowId xmlns="" xmlns:a16="http://schemas.microsoft.com/office/drawing/2014/main" val="3700422919"/>
+                    <a16:rowId xmlns:a16="http://schemas.microsoft.com/office/drawing/2014/main" val="3700422919"/>
                   </a:ext>
                 </a:extLst>
               </a:tr>
@@ -21167,7 +20895,7 @@
                 </a:tc>
                 <a:extLst>
                   <a:ext uri="{0D108BD9-81ED-4DB2-BD59-A6C34878D82A}">
-                    <a16:rowId xmlns="" xmlns:a16="http://schemas.microsoft.com/office/drawing/2014/main" val="2026790400"/>
+                    <a16:rowId xmlns:a16="http://schemas.microsoft.com/office/drawing/2014/main" val="2026790400"/>
                   </a:ext>
                 </a:extLst>
               </a:tr>
@@ -21218,7 +20946,7 @@
                 </a:tc>
                 <a:extLst>
                   <a:ext uri="{0D108BD9-81ED-4DB2-BD59-A6C34878D82A}">
-                    <a16:rowId xmlns="" xmlns:a16="http://schemas.microsoft.com/office/drawing/2014/main" val="1053667896"/>
+                    <a16:rowId xmlns:a16="http://schemas.microsoft.com/office/drawing/2014/main" val="1053667896"/>
                   </a:ext>
                 </a:extLst>
               </a:tr>
@@ -21253,7 +20981,7 @@
                 </a:tc>
                 <a:extLst>
                   <a:ext uri="{0D108BD9-81ED-4DB2-BD59-A6C34878D82A}">
-                    <a16:rowId xmlns="" xmlns:a16="http://schemas.microsoft.com/office/drawing/2014/main" val="195162064"/>
+                    <a16:rowId xmlns:a16="http://schemas.microsoft.com/office/drawing/2014/main" val="195162064"/>
                   </a:ext>
                 </a:extLst>
               </a:tr>
@@ -21288,7 +21016,7 @@
                 </a:tc>
                 <a:extLst>
                   <a:ext uri="{0D108BD9-81ED-4DB2-BD59-A6C34878D82A}">
-                    <a16:rowId xmlns="" xmlns:a16="http://schemas.microsoft.com/office/drawing/2014/main" val="70849553"/>
+                    <a16:rowId xmlns:a16="http://schemas.microsoft.com/office/drawing/2014/main" val="70849553"/>
                   </a:ext>
                 </a:extLst>
               </a:tr>
@@ -21339,7 +21067,7 @@
                 </a:tc>
                 <a:extLst>
                   <a:ext uri="{0D108BD9-81ED-4DB2-BD59-A6C34878D82A}">
-                    <a16:rowId xmlns="" xmlns:a16="http://schemas.microsoft.com/office/drawing/2014/main" val="1964461873"/>
+                    <a16:rowId xmlns:a16="http://schemas.microsoft.com/office/drawing/2014/main" val="1964461873"/>
                   </a:ext>
                 </a:extLst>
               </a:tr>
@@ -21374,7 +21102,7 @@
                 </a:tc>
                 <a:extLst>
                   <a:ext uri="{0D108BD9-81ED-4DB2-BD59-A6C34878D82A}">
-                    <a16:rowId xmlns="" xmlns:a16="http://schemas.microsoft.com/office/drawing/2014/main" val="757000567"/>
+                    <a16:rowId xmlns:a16="http://schemas.microsoft.com/office/drawing/2014/main" val="757000567"/>
                   </a:ext>
                 </a:extLst>
               </a:tr>
@@ -21409,7 +21137,7 @@
                 </a:tc>
                 <a:extLst>
                   <a:ext uri="{0D108BD9-81ED-4DB2-BD59-A6C34878D82A}">
-                    <a16:rowId xmlns="" xmlns:a16="http://schemas.microsoft.com/office/drawing/2014/main" val="799017594"/>
+                    <a16:rowId xmlns:a16="http://schemas.microsoft.com/office/drawing/2014/main" val="799017594"/>
                   </a:ext>
                 </a:extLst>
               </a:tr>
@@ -21460,7 +21188,7 @@
                 </a:tc>
                 <a:extLst>
                   <a:ext uri="{0D108BD9-81ED-4DB2-BD59-A6C34878D82A}">
-                    <a16:rowId xmlns="" xmlns:a16="http://schemas.microsoft.com/office/drawing/2014/main" val="868583991"/>
+                    <a16:rowId xmlns:a16="http://schemas.microsoft.com/office/drawing/2014/main" val="868583991"/>
                   </a:ext>
                 </a:extLst>
               </a:tr>
@@ -21499,7 +21227,7 @@
                 </a:tc>
                 <a:extLst>
                   <a:ext uri="{0D108BD9-81ED-4DB2-BD59-A6C34878D82A}">
-                    <a16:rowId xmlns="" xmlns:a16="http://schemas.microsoft.com/office/drawing/2014/main" val="1738698313"/>
+                    <a16:rowId xmlns:a16="http://schemas.microsoft.com/office/drawing/2014/main" val="1738698313"/>
                   </a:ext>
                 </a:extLst>
               </a:tr>
@@ -21542,7 +21270,7 @@
           <p:cNvPr id="2" name="Title 1">
             <a:extLst>
               <a:ext uri="{FF2B5EF4-FFF2-40B4-BE49-F238E27FC236}">
-                <a16:creationId xmlns="" xmlns:a16="http://schemas.microsoft.com/office/drawing/2014/main" id="{2F4F628E-5DB5-4B27-9CAC-A34DBBC39983}"/>
+                <a16:creationId xmlns:a16="http://schemas.microsoft.com/office/drawing/2014/main" id="{2F4F628E-5DB5-4B27-9CAC-A34DBBC39983}"/>
               </a:ext>
             </a:extLst>
           </p:cNvPr>
@@ -21570,7 +21298,7 @@
           <p:cNvPr id="4" name="Date Placeholder 3">
             <a:extLst>
               <a:ext uri="{FF2B5EF4-FFF2-40B4-BE49-F238E27FC236}">
-                <a16:creationId xmlns="" xmlns:a16="http://schemas.microsoft.com/office/drawing/2014/main" id="{CF76CBEE-557E-481D-9257-FFBACCEF3870}"/>
+                <a16:creationId xmlns:a16="http://schemas.microsoft.com/office/drawing/2014/main" id="{CF76CBEE-557E-481D-9257-FFBACCEF3870}"/>
               </a:ext>
             </a:extLst>
           </p:cNvPr>
@@ -21595,14 +21323,11 @@
               </a:spcAft>
             </a:pPr>
             <a:r>
-              <a:rPr lang="en-US" smtClean="0">
+              <a:rPr lang="en-US">
                 <a:ea typeface="MS PGothic" pitchFamily="34" charset="-128"/>
               </a:rPr>
               <a:t>OOPs using C++ (CS-102)</a:t>
             </a:r>
-            <a:endParaRPr lang="en-US">
-              <a:ea typeface="MS PGothic" pitchFamily="34" charset="-128"/>
-            </a:endParaRPr>
           </a:p>
         </p:txBody>
       </p:sp>
@@ -21611,7 +21336,7 @@
           <p:cNvPr id="5" name="Footer Placeholder 4">
             <a:extLst>
               <a:ext uri="{FF2B5EF4-FFF2-40B4-BE49-F238E27FC236}">
-                <a16:creationId xmlns="" xmlns:a16="http://schemas.microsoft.com/office/drawing/2014/main" id="{ADBCD8B8-2CDD-4B70-9211-7471A4696513}"/>
+                <a16:creationId xmlns:a16="http://schemas.microsoft.com/office/drawing/2014/main" id="{ADBCD8B8-2CDD-4B70-9211-7471A4696513}"/>
               </a:ext>
             </a:extLst>
           </p:cNvPr>
@@ -21637,10 +21362,9 @@
               <a:defRPr/>
             </a:pPr>
             <a:r>
-              <a:rPr lang="en-US" smtClean="0"/>
+              <a:rPr lang="en-US"/>
               <a:t>Prabhjot Kaur- G4 &amp; G8</a:t>
             </a:r>
-            <a:endParaRPr lang="en-US"/>
           </a:p>
         </p:txBody>
       </p:sp>
@@ -21649,7 +21373,7 @@
           <p:cNvPr id="6" name="Slide Number Placeholder 5">
             <a:extLst>
               <a:ext uri="{FF2B5EF4-FFF2-40B4-BE49-F238E27FC236}">
-                <a16:creationId xmlns="" xmlns:a16="http://schemas.microsoft.com/office/drawing/2014/main" id="{D21C3544-636B-4A5F-87B7-E626FF7953E2}"/>
+                <a16:creationId xmlns:a16="http://schemas.microsoft.com/office/drawing/2014/main" id="{D21C3544-636B-4A5F-87B7-E626FF7953E2}"/>
               </a:ext>
             </a:extLst>
           </p:cNvPr>
@@ -21698,7 +21422,7 @@
           <p:cNvPr id="11" name="Picture 10">
             <a:extLst>
               <a:ext uri="{FF2B5EF4-FFF2-40B4-BE49-F238E27FC236}">
-                <a16:creationId xmlns="" xmlns:a16="http://schemas.microsoft.com/office/drawing/2014/main" id="{32D02F97-E166-4424-9017-742A5EC0AEA9}"/>
+                <a16:creationId xmlns:a16="http://schemas.microsoft.com/office/drawing/2014/main" id="{32D02F97-E166-4424-9017-742A5EC0AEA9}"/>
               </a:ext>
             </a:extLst>
           </p:cNvPr>
@@ -21764,7 +21488,7 @@
           <p:cNvPr id="2" name="Title 1">
             <a:extLst>
               <a:ext uri="{FF2B5EF4-FFF2-40B4-BE49-F238E27FC236}">
-                <a16:creationId xmlns="" xmlns:a16="http://schemas.microsoft.com/office/drawing/2014/main" id="{E80959A1-DBA7-4FC2-8F1E-6E8F4D8E1328}"/>
+                <a16:creationId xmlns:a16="http://schemas.microsoft.com/office/drawing/2014/main" id="{E80959A1-DBA7-4FC2-8F1E-6E8F4D8E1328}"/>
               </a:ext>
             </a:extLst>
           </p:cNvPr>
@@ -21792,7 +21516,7 @@
           <p:cNvPr id="4" name="Date Placeholder 3">
             <a:extLst>
               <a:ext uri="{FF2B5EF4-FFF2-40B4-BE49-F238E27FC236}">
-                <a16:creationId xmlns="" xmlns:a16="http://schemas.microsoft.com/office/drawing/2014/main" id="{7D19BC39-3194-49EF-A4E6-1C33D50DB865}"/>
+                <a16:creationId xmlns:a16="http://schemas.microsoft.com/office/drawing/2014/main" id="{7D19BC39-3194-49EF-A4E6-1C33D50DB865}"/>
               </a:ext>
             </a:extLst>
           </p:cNvPr>
@@ -21817,14 +21541,11 @@
               </a:spcAft>
             </a:pPr>
             <a:r>
-              <a:rPr lang="en-US" smtClean="0">
+              <a:rPr lang="en-US">
                 <a:ea typeface="MS PGothic" pitchFamily="34" charset="-128"/>
               </a:rPr>
               <a:t>OOPs using C++ (CS-102)</a:t>
             </a:r>
-            <a:endParaRPr lang="en-US">
-              <a:ea typeface="MS PGothic" pitchFamily="34" charset="-128"/>
-            </a:endParaRPr>
           </a:p>
         </p:txBody>
       </p:sp>
@@ -21833,7 +21554,7 @@
           <p:cNvPr id="5" name="Footer Placeholder 4">
             <a:extLst>
               <a:ext uri="{FF2B5EF4-FFF2-40B4-BE49-F238E27FC236}">
-                <a16:creationId xmlns="" xmlns:a16="http://schemas.microsoft.com/office/drawing/2014/main" id="{7AB8C320-D1BC-404A-93F5-D2A8CF767FCB}"/>
+                <a16:creationId xmlns:a16="http://schemas.microsoft.com/office/drawing/2014/main" id="{7AB8C320-D1BC-404A-93F5-D2A8CF767FCB}"/>
               </a:ext>
             </a:extLst>
           </p:cNvPr>
@@ -21859,10 +21580,9 @@
               <a:defRPr/>
             </a:pPr>
             <a:r>
-              <a:rPr lang="en-US" smtClean="0"/>
+              <a:rPr lang="en-US"/>
               <a:t>Prabhjot Kaur- G4 &amp; G8</a:t>
             </a:r>
-            <a:endParaRPr lang="en-US"/>
           </a:p>
         </p:txBody>
       </p:sp>
@@ -21871,7 +21591,7 @@
           <p:cNvPr id="6" name="Slide Number Placeholder 5">
             <a:extLst>
               <a:ext uri="{FF2B5EF4-FFF2-40B4-BE49-F238E27FC236}">
-                <a16:creationId xmlns="" xmlns:a16="http://schemas.microsoft.com/office/drawing/2014/main" id="{C40B4B71-9273-4939-B7A0-A2943EEB6AA1}"/>
+                <a16:creationId xmlns:a16="http://schemas.microsoft.com/office/drawing/2014/main" id="{C40B4B71-9273-4939-B7A0-A2943EEB6AA1}"/>
               </a:ext>
             </a:extLst>
           </p:cNvPr>
@@ -21920,7 +21640,7 @@
           <p:cNvPr id="9" name="Table 8">
             <a:extLst>
               <a:ext uri="{FF2B5EF4-FFF2-40B4-BE49-F238E27FC236}">
-                <a16:creationId xmlns="" xmlns:a16="http://schemas.microsoft.com/office/drawing/2014/main" id="{B73059C8-BD71-4894-B965-AEEC09C22A6C}"/>
+                <a16:creationId xmlns:a16="http://schemas.microsoft.com/office/drawing/2014/main" id="{B73059C8-BD71-4894-B965-AEEC09C22A6C}"/>
               </a:ext>
             </a:extLst>
           </p:cNvPr>
@@ -21943,14 +21663,14 @@
                 <a:gridCol w="4114800">
                   <a:extLst>
                     <a:ext uri="{9D8B030D-6E8A-4147-A177-3AD203B41FA5}">
-                      <a16:colId xmlns="" xmlns:a16="http://schemas.microsoft.com/office/drawing/2014/main" val="598267517"/>
+                      <a16:colId xmlns:a16="http://schemas.microsoft.com/office/drawing/2014/main" val="598267517"/>
                     </a:ext>
                   </a:extLst>
                 </a:gridCol>
                 <a:gridCol w="4114800">
                   <a:extLst>
                     <a:ext uri="{9D8B030D-6E8A-4147-A177-3AD203B41FA5}">
-                      <a16:colId xmlns="" xmlns:a16="http://schemas.microsoft.com/office/drawing/2014/main" val="1395584304"/>
+                      <a16:colId xmlns:a16="http://schemas.microsoft.com/office/drawing/2014/main" val="1395584304"/>
                     </a:ext>
                   </a:extLst>
                 </a:gridCol>
@@ -21990,7 +21710,7 @@
                 </a:tc>
                 <a:extLst>
                   <a:ext uri="{0D108BD9-81ED-4DB2-BD59-A6C34878D82A}">
-                    <a16:rowId xmlns="" xmlns:a16="http://schemas.microsoft.com/office/drawing/2014/main" val="2596097911"/>
+                    <a16:rowId xmlns:a16="http://schemas.microsoft.com/office/drawing/2014/main" val="2596097911"/>
                   </a:ext>
                 </a:extLst>
               </a:tr>
@@ -22025,7 +21745,7 @@
                 </a:tc>
                 <a:extLst>
                   <a:ext uri="{0D108BD9-81ED-4DB2-BD59-A6C34878D82A}">
-                    <a16:rowId xmlns="" xmlns:a16="http://schemas.microsoft.com/office/drawing/2014/main" val="1421188268"/>
+                    <a16:rowId xmlns:a16="http://schemas.microsoft.com/office/drawing/2014/main" val="1421188268"/>
                   </a:ext>
                 </a:extLst>
               </a:tr>
@@ -22060,7 +21780,7 @@
                 </a:tc>
                 <a:extLst>
                   <a:ext uri="{0D108BD9-81ED-4DB2-BD59-A6C34878D82A}">
-                    <a16:rowId xmlns="" xmlns:a16="http://schemas.microsoft.com/office/drawing/2014/main" val="1938133398"/>
+                    <a16:rowId xmlns:a16="http://schemas.microsoft.com/office/drawing/2014/main" val="1938133398"/>
                   </a:ext>
                 </a:extLst>
               </a:tr>
@@ -22095,7 +21815,7 @@
                 </a:tc>
                 <a:extLst>
                   <a:ext uri="{0D108BD9-81ED-4DB2-BD59-A6C34878D82A}">
-                    <a16:rowId xmlns="" xmlns:a16="http://schemas.microsoft.com/office/drawing/2014/main" val="1566463070"/>
+                    <a16:rowId xmlns:a16="http://schemas.microsoft.com/office/drawing/2014/main" val="1566463070"/>
                   </a:ext>
                 </a:extLst>
               </a:tr>
@@ -22146,7 +21866,7 @@
                 </a:tc>
                 <a:extLst>
                   <a:ext uri="{0D108BD9-81ED-4DB2-BD59-A6C34878D82A}">
-                    <a16:rowId xmlns="" xmlns:a16="http://schemas.microsoft.com/office/drawing/2014/main" val="308586810"/>
+                    <a16:rowId xmlns:a16="http://schemas.microsoft.com/office/drawing/2014/main" val="308586810"/>
                   </a:ext>
                 </a:extLst>
               </a:tr>
@@ -22224,93 +21944,92 @@
           <a:lstStyle/>
           <a:p>
             <a:r>
-              <a:rPr lang="en-IN" sz="2400" dirty="0" smtClean="0"/>
+              <a:rPr lang="en-IN" sz="2400" dirty="0"/>
               <a:t>Class Student</a:t>
             </a:r>
           </a:p>
           <a:p>
             <a:r>
-              <a:rPr lang="en-IN" sz="2400" dirty="0" smtClean="0"/>
+              <a:rPr lang="en-IN" sz="2400" dirty="0"/>
               <a:t>{</a:t>
             </a:r>
           </a:p>
           <a:p>
             <a:r>
-              <a:rPr lang="en-IN" sz="2400" dirty="0" smtClean="0"/>
+              <a:rPr lang="en-IN" sz="2400" dirty="0"/>
               <a:t>Int </a:t>
             </a:r>
             <a:r>
-              <a:rPr lang="en-IN" sz="2400" dirty="0" err="1" smtClean="0"/>
+              <a:rPr lang="en-IN" sz="2400" dirty="0" err="1"/>
               <a:t>Roll_no</a:t>
             </a:r>
             <a:r>
-              <a:rPr lang="en-IN" sz="2400" dirty="0" smtClean="0"/>
+              <a:rPr lang="en-IN" sz="2400" dirty="0"/>
               <a:t>;</a:t>
             </a:r>
           </a:p>
           <a:p>
             <a:r>
-              <a:rPr lang="en-IN" sz="2400" dirty="0" smtClean="0"/>
+              <a:rPr lang="en-IN" sz="2400" dirty="0"/>
               <a:t>String name; </a:t>
             </a:r>
+          </a:p>
+          <a:p>
+            <a:r>
+              <a:rPr lang="en-IN" sz="2400" dirty="0"/>
+              <a:t>};</a:t>
+            </a:r>
+          </a:p>
+          <a:p>
+            <a:r>
+              <a:rPr lang="en-IN" sz="2400" dirty="0" err="1"/>
+              <a:t>int</a:t>
+            </a:r>
+            <a:r>
+              <a:rPr lang="en-IN" sz="2400" dirty="0"/>
+              <a:t> main()</a:t>
+            </a:r>
+          </a:p>
+          <a:p>
+            <a:r>
+              <a:rPr lang="en-IN" sz="2400" dirty="0"/>
+              <a:t>{</a:t>
+            </a:r>
+          </a:p>
+          <a:p>
+            <a:r>
+              <a:rPr lang="en-IN" sz="2400" dirty="0"/>
+              <a:t>A();</a:t>
+            </a:r>
+          </a:p>
+          <a:p>
+            <a:r>
+              <a:rPr lang="en-IN" sz="2400" dirty="0"/>
+              <a:t>Student s1;</a:t>
+            </a:r>
+          </a:p>
+          <a:p>
+            <a:r>
+              <a:rPr lang="en-IN" sz="2400" dirty="0"/>
+              <a:t>s1.Roll_no = 101; //initialize</a:t>
+            </a:r>
+          </a:p>
+          <a:p>
+            <a:r>
+              <a:rPr lang="en-IN" sz="2400" dirty="0"/>
+              <a:t>S1.name = “</a:t>
+            </a:r>
+            <a:r>
+              <a:rPr lang="en-IN" sz="2400" dirty="0" err="1"/>
+              <a:t>Anu</a:t>
+            </a:r>
+            <a:r>
+              <a:rPr lang="en-IN" sz="2400" dirty="0"/>
+              <a:t>”;</a:t>
+            </a:r>
+          </a:p>
+          <a:p>
             <a:endParaRPr lang="en-IN" sz="2400" dirty="0"/>
-          </a:p>
-          <a:p>
-            <a:r>
-              <a:rPr lang="en-IN" sz="2400" dirty="0" smtClean="0"/>
-              <a:t>};</a:t>
-            </a:r>
-          </a:p>
-          <a:p>
-            <a:r>
-              <a:rPr lang="en-IN" sz="2400" dirty="0" err="1" smtClean="0"/>
-              <a:t>int</a:t>
-            </a:r>
-            <a:r>
-              <a:rPr lang="en-IN" sz="2400" dirty="0" smtClean="0"/>
-              <a:t> main()</a:t>
-            </a:r>
-          </a:p>
-          <a:p>
-            <a:r>
-              <a:rPr lang="en-IN" sz="2400" dirty="0" smtClean="0"/>
-              <a:t>{</a:t>
-            </a:r>
-          </a:p>
-          <a:p>
-            <a:r>
-              <a:rPr lang="en-IN" sz="2400" dirty="0" smtClean="0"/>
-              <a:t>A();</a:t>
-            </a:r>
-          </a:p>
-          <a:p>
-            <a:r>
-              <a:rPr lang="en-IN" sz="2400" dirty="0" smtClean="0"/>
-              <a:t>Student s1;</a:t>
-            </a:r>
-          </a:p>
-          <a:p>
-            <a:r>
-              <a:rPr lang="en-IN" sz="2400" dirty="0" smtClean="0"/>
-              <a:t>s1.Roll_no = 101; //initialize</a:t>
-            </a:r>
-          </a:p>
-          <a:p>
-            <a:r>
-              <a:rPr lang="en-IN" sz="2400" dirty="0" smtClean="0"/>
-              <a:t>S1.name = “</a:t>
-            </a:r>
-            <a:r>
-              <a:rPr lang="en-IN" sz="2400" dirty="0" err="1" smtClean="0"/>
-              <a:t>Anu</a:t>
-            </a:r>
-            <a:r>
-              <a:rPr lang="en-IN" sz="2400" dirty="0" smtClean="0"/>
-              <a:t>”;</a:t>
-            </a:r>
-          </a:p>
-          <a:p>
-            <a:endParaRPr lang="en-IN" sz="2400" dirty="0" smtClean="0"/>
           </a:p>
           <a:p>
             <a:r>
@@ -22336,10 +22055,9 @@
           <a:lstStyle/>
           <a:p>
             <a:r>
-              <a:rPr lang="en-US" smtClean="0"/>
+              <a:rPr lang="en-US"/>
               <a:t>OOPs using C++ (CS-102)</a:t>
             </a:r>
-            <a:endParaRPr lang="en-US"/>
           </a:p>
         </p:txBody>
       </p:sp>
@@ -22362,10 +22080,9 @@
               <a:defRPr/>
             </a:pPr>
             <a:r>
-              <a:rPr lang="en-US" smtClean="0"/>
+              <a:rPr lang="en-US"/>
               <a:t>Prabhjot Kaur- G4 &amp; G8</a:t>
             </a:r>
-            <a:endParaRPr lang="en-US"/>
           </a:p>
         </p:txBody>
       </p:sp>
@@ -22978,7 +22695,7 @@
   <a:extraClrSchemeLst/>
   <a:extLst>
     <a:ext uri="{05A4C25C-085E-4340-85A3-A5531E510DB2}">
-      <thm15:themeFamily xmlns="" xmlns:thm15="http://schemas.microsoft.com/office/thememl/2012/main" name="Office Theme" id="{62F939B6-93AF-4DB8-9C6B-D6C7DFDC589F}" vid="{4A3C46E8-61CC-4603-A589-7422A47A8E4A}"/>
+      <thm15:themeFamily xmlns:thm15="http://schemas.microsoft.com/office/thememl/2012/main" name="Office Theme" id="{62F939B6-93AF-4DB8-9C6B-D6C7DFDC589F}" vid="{4A3C46E8-61CC-4603-A589-7422A47A8E4A}"/>
     </a:ext>
   </a:extLst>
 </a:theme>
